--- a/Dokumentation/Externe Projekte/Präsentation/Bienendrohne.pptx
+++ b/Dokumentation/Externe Projekte/Präsentation/Bienendrohne.pptx
@@ -2,19 +2,21 @@
 <file path=ppt/presentation.xml><?xml version="1.0" encoding="utf-8"?>
 <p:presentation xmlns:a="http://schemas.openxmlformats.org/drawingml/2006/main" xmlns:r="http://schemas.openxmlformats.org/officeDocument/2006/relationships" xmlns:p="http://schemas.openxmlformats.org/presentationml/2006/main" saveSubsetFonts="1">
   <p:sldMasterIdLst>
-    <p:sldMasterId id="2147483648" r:id="rId1"/>
+    <p:sldMasterId id="2147483707" r:id="rId1"/>
   </p:sldMasterIdLst>
   <p:notesMasterIdLst>
-    <p:notesMasterId r:id="rId9"/>
+    <p:notesMasterId r:id="rId11"/>
   </p:notesMasterIdLst>
   <p:sldIdLst>
     <p:sldId id="256" r:id="rId2"/>
     <p:sldId id="257" r:id="rId3"/>
     <p:sldId id="258" r:id="rId4"/>
     <p:sldId id="259" r:id="rId5"/>
-    <p:sldId id="260" r:id="rId6"/>
-    <p:sldId id="261" r:id="rId7"/>
-    <p:sldId id="262" r:id="rId8"/>
+    <p:sldId id="263" r:id="rId6"/>
+    <p:sldId id="260" r:id="rId7"/>
+    <p:sldId id="264" r:id="rId8"/>
+    <p:sldId id="261" r:id="rId9"/>
+    <p:sldId id="262" r:id="rId10"/>
   </p:sldIdLst>
   <p:sldSz cx="9144000" cy="6858000" type="screen4x3"/>
   <p:notesSz cx="6858000" cy="9144000"/>
@@ -113,6 +115,22 @@
       </a:defRPr>
     </a:lvl9pPr>
   </p:defaultTextStyle>
+  <p:extLst>
+    <p:ext uri="{EFAFB233-063F-42B5-8137-9DF3F51BA10A}">
+      <p15:sldGuideLst xmlns:p15="http://schemas.microsoft.com/office/powerpoint/2012/main">
+        <p15:guide id="1" orient="horz" pos="2160">
+          <p15:clr>
+            <a:srgbClr val="A4A3A4"/>
+          </p15:clr>
+        </p15:guide>
+        <p15:guide id="2" pos="2880">
+          <p15:clr>
+            <a:srgbClr val="A4A3A4"/>
+          </p15:clr>
+        </p15:guide>
+      </p15:sldGuideLst>
+    </p:ext>
+  </p:extLst>
 </p:presentation>
 </file>
 
@@ -198,7 +216,7 @@
           <a:p>
             <a:fld id="{C11727E0-91CD-444A-9422-F7C958AFCEAC}" type="datetimeFigureOut">
               <a:rPr lang="de-DE" smtClean="0"/>
-              <a:t>05.06.2018</a:t>
+              <a:t>11.06.2018</a:t>
             </a:fld>
             <a:endParaRPr lang="de-DE"/>
           </a:p>
@@ -709,7 +727,7 @@
       </p:grpSpPr>
       <p:sp>
         <p:nvSpPr>
-          <p:cNvPr id="2" name="Titel 1"/>
+          <p:cNvPr id="2" name="Title 1"/>
           <p:cNvSpPr>
             <a:spLocks noGrp="1"/>
           </p:cNvSpPr>
@@ -719,25 +737,29 @@
         </p:nvSpPr>
         <p:spPr>
           <a:xfrm>
-            <a:off x="685800" y="2130425"/>
-            <a:ext cx="7772400" cy="1470025"/>
+            <a:off x="866442" y="1447801"/>
+            <a:ext cx="6620968" cy="3329581"/>
           </a:xfrm>
         </p:spPr>
         <p:txBody>
-          <a:bodyPr/>
-          <a:lstStyle/>
+          <a:bodyPr anchor="b"/>
+          <a:lstStyle>
+            <a:lvl1pPr>
+              <a:defRPr sz="7200"/>
+            </a:lvl1pPr>
+          </a:lstStyle>
           <a:p>
             <a:r>
               <a:rPr lang="de-DE" smtClean="0"/>
               <a:t>Titelmasterformat durch Klicken bearbeiten</a:t>
             </a:r>
-            <a:endParaRPr lang="de-DE"/>
-          </a:p>
-        </p:txBody>
-      </p:sp>
-      <p:sp>
-        <p:nvSpPr>
-          <p:cNvPr id="3" name="Untertitel 2"/>
+            <a:endParaRPr lang="en-US" dirty="0"/>
+          </a:p>
+        </p:txBody>
+      </p:sp>
+      <p:sp>
+        <p:nvSpPr>
+          <p:cNvPr id="3" name="Subtitle 2"/>
           <p:cNvSpPr>
             <a:spLocks noGrp="1"/>
           </p:cNvSpPr>
@@ -747,20 +769,18 @@
         </p:nvSpPr>
         <p:spPr>
           <a:xfrm>
-            <a:off x="1371600" y="3886200"/>
-            <a:ext cx="6400800" cy="1752600"/>
+            <a:off x="866442" y="4777380"/>
+            <a:ext cx="6620968" cy="861420"/>
           </a:xfrm>
         </p:spPr>
         <p:txBody>
-          <a:bodyPr/>
+          <a:bodyPr anchor="t"/>
           <a:lstStyle>
-            <a:lvl1pPr marL="0" indent="0" algn="ctr">
-              <a:buNone/>
-              <a:defRPr>
+            <a:lvl1pPr marL="0" indent="0" algn="l">
+              <a:buNone/>
+              <a:defRPr cap="all">
                 <a:solidFill>
-                  <a:schemeClr val="tx1">
-                    <a:tint val="75000"/>
-                  </a:schemeClr>
+                  <a:schemeClr val="accent1"/>
                 </a:solidFill>
               </a:defRPr>
             </a:lvl1pPr>
@@ -850,13 +870,13 @@
               <a:rPr lang="de-DE" smtClean="0"/>
               <a:t>Formatvorlage des Untertitelmasters durch Klicken bearbeiten</a:t>
             </a:r>
-            <a:endParaRPr lang="de-DE"/>
-          </a:p>
-        </p:txBody>
-      </p:sp>
-      <p:sp>
-        <p:nvSpPr>
-          <p:cNvPr id="4" name="Datumsplatzhalter 3"/>
+            <a:endParaRPr lang="en-US" dirty="0"/>
+          </a:p>
+        </p:txBody>
+      </p:sp>
+      <p:sp>
+        <p:nvSpPr>
+          <p:cNvPr id="4" name="Date Placeholder 3"/>
           <p:cNvSpPr>
             <a:spLocks noGrp="1"/>
           </p:cNvSpPr>
@@ -871,7 +891,7 @@
           <a:p>
             <a:fld id="{6BBDE0CE-4CFD-4B43-9818-2D49E9011334}" type="datetimeFigureOut">
               <a:rPr lang="de-DE" smtClean="0"/>
-              <a:t>05.06.2018</a:t>
+              <a:t>11.06.2018</a:t>
             </a:fld>
             <a:endParaRPr lang="de-DE"/>
           </a:p>
@@ -879,7 +899,7 @@
       </p:sp>
       <p:sp>
         <p:nvSpPr>
-          <p:cNvPr id="5" name="Fußzeilenplatzhalter 4"/>
+          <p:cNvPr id="5" name="Footer Placeholder 4"/>
           <p:cNvSpPr>
             <a:spLocks noGrp="1"/>
           </p:cNvSpPr>
@@ -898,7 +918,7 @@
       </p:sp>
       <p:sp>
         <p:nvSpPr>
-          <p:cNvPr id="6" name="Foliennummernplatzhalter 5"/>
+          <p:cNvPr id="6" name="Slide Number Placeholder 5"/>
           <p:cNvSpPr>
             <a:spLocks noGrp="1"/>
           </p:cNvSpPr>
@@ -922,7 +942,7 @@
     </p:spTree>
     <p:extLst>
       <p:ext uri="{BB962C8B-B14F-4D97-AF65-F5344CB8AC3E}">
-        <p14:creationId xmlns:p14="http://schemas.microsoft.com/office/powerpoint/2010/main" val="828408618"/>
+        <p14:creationId xmlns:p14="http://schemas.microsoft.com/office/powerpoint/2010/main" val="4101612781"/>
       </p:ext>
     </p:extLst>
   </p:cSld>
@@ -933,6 +953,2532 @@
 </file>
 
 <file path=ppt/slideLayouts/slideLayout10.xml><?xml version="1.0" encoding="utf-8"?>
+<p:sldLayout xmlns:a="http://schemas.openxmlformats.org/drawingml/2006/main" xmlns:r="http://schemas.openxmlformats.org/officeDocument/2006/relationships" xmlns:p="http://schemas.openxmlformats.org/presentationml/2006/main" preserve="1">
+  <p:cSld name="Panoramabild mit Beschriftung">
+    <p:spTree>
+      <p:nvGrpSpPr>
+        <p:cNvPr id="1" name=""/>
+        <p:cNvGrpSpPr/>
+        <p:nvPr/>
+      </p:nvGrpSpPr>
+      <p:grpSpPr>
+        <a:xfrm>
+          <a:off x="0" y="0"/>
+          <a:ext cx="0" cy="0"/>
+          <a:chOff x="0" y="0"/>
+          <a:chExt cx="0" cy="0"/>
+        </a:xfrm>
+      </p:grpSpPr>
+      <p:sp>
+        <p:nvSpPr>
+          <p:cNvPr id="2" name="Title 1"/>
+          <p:cNvSpPr>
+            <a:spLocks noGrp="1"/>
+          </p:cNvSpPr>
+          <p:nvPr>
+            <p:ph type="title"/>
+          </p:nvPr>
+        </p:nvSpPr>
+        <p:spPr>
+          <a:xfrm>
+            <a:off x="866443" y="4800587"/>
+            <a:ext cx="6620967" cy="566738"/>
+          </a:xfrm>
+        </p:spPr>
+        <p:txBody>
+          <a:bodyPr anchor="b">
+            <a:normAutofit/>
+          </a:bodyPr>
+          <a:lstStyle>
+            <a:lvl1pPr algn="l">
+              <a:defRPr sz="2400" b="0"/>
+            </a:lvl1pPr>
+          </a:lstStyle>
+          <a:p>
+            <a:r>
+              <a:rPr lang="de-DE" smtClean="0"/>
+              <a:t>Titelmasterformat durch Klicken bearbeiten</a:t>
+            </a:r>
+            <a:endParaRPr lang="en-US" dirty="0"/>
+          </a:p>
+        </p:txBody>
+      </p:sp>
+      <p:sp>
+        <p:nvSpPr>
+          <p:cNvPr id="3" name="Picture Placeholder 2"/>
+          <p:cNvSpPr>
+            <a:spLocks noGrp="1" noChangeAspect="1"/>
+          </p:cNvSpPr>
+          <p:nvPr>
+            <p:ph type="pic" idx="1"/>
+          </p:nvPr>
+        </p:nvSpPr>
+        <p:spPr>
+          <a:xfrm>
+            <a:off x="866442" y="685800"/>
+            <a:ext cx="6620968" cy="3640666"/>
+          </a:xfrm>
+          <a:prstGeom prst="roundRect">
+            <a:avLst>
+              <a:gd name="adj" fmla="val 1858"/>
+            </a:avLst>
+          </a:prstGeom>
+          <a:effectLst>
+            <a:outerShdw blurRad="50800" dist="50800" dir="5400000" algn="tl" rotWithShape="0">
+              <a:srgbClr val="000000">
+                <a:alpha val="43000"/>
+              </a:srgbClr>
+            </a:outerShdw>
+          </a:effectLst>
+        </p:spPr>
+        <p:txBody>
+          <a:bodyPr anchor="t">
+            <a:normAutofit/>
+          </a:bodyPr>
+          <a:lstStyle>
+            <a:lvl1pPr marL="0" indent="0" algn="ctr">
+              <a:buNone/>
+              <a:defRPr sz="1600"/>
+            </a:lvl1pPr>
+            <a:lvl2pPr marL="457200" indent="0">
+              <a:buNone/>
+              <a:defRPr sz="1600"/>
+            </a:lvl2pPr>
+            <a:lvl3pPr marL="914400" indent="0">
+              <a:buNone/>
+              <a:defRPr sz="1600"/>
+            </a:lvl3pPr>
+            <a:lvl4pPr marL="1371600" indent="0">
+              <a:buNone/>
+              <a:defRPr sz="1600"/>
+            </a:lvl4pPr>
+            <a:lvl5pPr marL="1828800" indent="0">
+              <a:buNone/>
+              <a:defRPr sz="1600"/>
+            </a:lvl5pPr>
+            <a:lvl6pPr marL="2286000" indent="0">
+              <a:buNone/>
+              <a:defRPr sz="1600"/>
+            </a:lvl6pPr>
+            <a:lvl7pPr marL="2743200" indent="0">
+              <a:buNone/>
+              <a:defRPr sz="1600"/>
+            </a:lvl7pPr>
+            <a:lvl8pPr marL="3200400" indent="0">
+              <a:buNone/>
+              <a:defRPr sz="1600"/>
+            </a:lvl8pPr>
+            <a:lvl9pPr marL="3657600" indent="0">
+              <a:buNone/>
+              <a:defRPr sz="1600"/>
+            </a:lvl9pPr>
+          </a:lstStyle>
+          <a:p>
+            <a:r>
+              <a:rPr lang="de-DE" smtClean="0"/>
+              <a:t>Bild durch Klicken auf Symbol hinzufügen</a:t>
+            </a:r>
+            <a:endParaRPr lang="en-US" dirty="0"/>
+          </a:p>
+        </p:txBody>
+      </p:sp>
+      <p:sp>
+        <p:nvSpPr>
+          <p:cNvPr id="4" name="Text Placeholder 3"/>
+          <p:cNvSpPr>
+            <a:spLocks noGrp="1"/>
+          </p:cNvSpPr>
+          <p:nvPr>
+            <p:ph type="body" sz="half" idx="2"/>
+          </p:nvPr>
+        </p:nvSpPr>
+        <p:spPr>
+          <a:xfrm>
+            <a:off x="866443" y="5367325"/>
+            <a:ext cx="6620966" cy="493712"/>
+          </a:xfrm>
+        </p:spPr>
+        <p:txBody>
+          <a:bodyPr>
+            <a:normAutofit/>
+          </a:bodyPr>
+          <a:lstStyle>
+            <a:lvl1pPr marL="0" indent="0">
+              <a:buNone/>
+              <a:defRPr sz="1200"/>
+            </a:lvl1pPr>
+            <a:lvl2pPr marL="457200" indent="0">
+              <a:buNone/>
+              <a:defRPr sz="1200"/>
+            </a:lvl2pPr>
+            <a:lvl3pPr marL="914400" indent="0">
+              <a:buNone/>
+              <a:defRPr sz="1000"/>
+            </a:lvl3pPr>
+            <a:lvl4pPr marL="1371600" indent="0">
+              <a:buNone/>
+              <a:defRPr sz="900"/>
+            </a:lvl4pPr>
+            <a:lvl5pPr marL="1828800" indent="0">
+              <a:buNone/>
+              <a:defRPr sz="900"/>
+            </a:lvl5pPr>
+            <a:lvl6pPr marL="2286000" indent="0">
+              <a:buNone/>
+              <a:defRPr sz="900"/>
+            </a:lvl6pPr>
+            <a:lvl7pPr marL="2743200" indent="0">
+              <a:buNone/>
+              <a:defRPr sz="900"/>
+            </a:lvl7pPr>
+            <a:lvl8pPr marL="3200400" indent="0">
+              <a:buNone/>
+              <a:defRPr sz="900"/>
+            </a:lvl8pPr>
+            <a:lvl9pPr marL="3657600" indent="0">
+              <a:buNone/>
+              <a:defRPr sz="900"/>
+            </a:lvl9pPr>
+          </a:lstStyle>
+          <a:p>
+            <a:pPr lvl="0"/>
+            <a:r>
+              <a:rPr lang="de-DE" smtClean="0"/>
+              <a:t>Formatvorlagen des Textmasters bearbeiten</a:t>
+            </a:r>
+          </a:p>
+        </p:txBody>
+      </p:sp>
+      <p:sp>
+        <p:nvSpPr>
+          <p:cNvPr id="5" name="Date Placeholder 4"/>
+          <p:cNvSpPr>
+            <a:spLocks noGrp="1"/>
+          </p:cNvSpPr>
+          <p:nvPr>
+            <p:ph type="dt" sz="half" idx="10"/>
+          </p:nvPr>
+        </p:nvSpPr>
+        <p:spPr/>
+        <p:txBody>
+          <a:bodyPr/>
+          <a:lstStyle/>
+          <a:p>
+            <a:fld id="{6BBDE0CE-4CFD-4B43-9818-2D49E9011334}" type="datetimeFigureOut">
+              <a:rPr lang="de-DE" smtClean="0"/>
+              <a:t>11.06.2018</a:t>
+            </a:fld>
+            <a:endParaRPr lang="de-DE"/>
+          </a:p>
+        </p:txBody>
+      </p:sp>
+      <p:sp>
+        <p:nvSpPr>
+          <p:cNvPr id="6" name="Footer Placeholder 5"/>
+          <p:cNvSpPr>
+            <a:spLocks noGrp="1"/>
+          </p:cNvSpPr>
+          <p:nvPr>
+            <p:ph type="ftr" sz="quarter" idx="11"/>
+          </p:nvPr>
+        </p:nvSpPr>
+        <p:spPr/>
+        <p:txBody>
+          <a:bodyPr/>
+          <a:lstStyle/>
+          <a:p>
+            <a:endParaRPr lang="de-DE"/>
+          </a:p>
+        </p:txBody>
+      </p:sp>
+      <p:sp>
+        <p:nvSpPr>
+          <p:cNvPr id="7" name="Slide Number Placeholder 6"/>
+          <p:cNvSpPr>
+            <a:spLocks noGrp="1"/>
+          </p:cNvSpPr>
+          <p:nvPr>
+            <p:ph type="sldNum" sz="quarter" idx="12"/>
+          </p:nvPr>
+        </p:nvSpPr>
+        <p:spPr/>
+        <p:txBody>
+          <a:bodyPr/>
+          <a:lstStyle/>
+          <a:p>
+            <a:fld id="{8C8625AF-8EA7-45E9-B91C-921CE9E21B57}" type="slidenum">
+              <a:rPr lang="de-DE" smtClean="0"/>
+              <a:t>‹Nr.›</a:t>
+            </a:fld>
+            <a:endParaRPr lang="de-DE"/>
+          </a:p>
+        </p:txBody>
+      </p:sp>
+    </p:spTree>
+    <p:extLst>
+      <p:ext uri="{BB962C8B-B14F-4D97-AF65-F5344CB8AC3E}">
+        <p14:creationId xmlns:p14="http://schemas.microsoft.com/office/powerpoint/2010/main" val="1600155457"/>
+      </p:ext>
+    </p:extLst>
+  </p:cSld>
+  <p:clrMapOvr>
+    <a:masterClrMapping/>
+  </p:clrMapOvr>
+</p:sldLayout>
+</file>
+
+<file path=ppt/slideLayouts/slideLayout11.xml><?xml version="1.0" encoding="utf-8"?>
+<p:sldLayout xmlns:a="http://schemas.openxmlformats.org/drawingml/2006/main" xmlns:r="http://schemas.openxmlformats.org/officeDocument/2006/relationships" xmlns:p="http://schemas.openxmlformats.org/presentationml/2006/main" preserve="1">
+  <p:cSld name="Titel und Beschriftung">
+    <p:spTree>
+      <p:nvGrpSpPr>
+        <p:cNvPr id="1" name=""/>
+        <p:cNvGrpSpPr/>
+        <p:nvPr/>
+      </p:nvGrpSpPr>
+      <p:grpSpPr>
+        <a:xfrm>
+          <a:off x="0" y="0"/>
+          <a:ext cx="0" cy="0"/>
+          <a:chOff x="0" y="0"/>
+          <a:chExt cx="0" cy="0"/>
+        </a:xfrm>
+      </p:grpSpPr>
+      <p:sp>
+        <p:nvSpPr>
+          <p:cNvPr id="2" name="Title 1"/>
+          <p:cNvSpPr>
+            <a:spLocks noGrp="1"/>
+          </p:cNvSpPr>
+          <p:nvPr>
+            <p:ph type="title"/>
+          </p:nvPr>
+        </p:nvSpPr>
+        <p:spPr>
+          <a:xfrm>
+            <a:off x="866442" y="1447800"/>
+            <a:ext cx="6620968" cy="1981200"/>
+          </a:xfrm>
+        </p:spPr>
+        <p:txBody>
+          <a:bodyPr/>
+          <a:lstStyle>
+            <a:lvl1pPr>
+              <a:defRPr sz="4800"/>
+            </a:lvl1pPr>
+          </a:lstStyle>
+          <a:p>
+            <a:r>
+              <a:rPr lang="de-DE" smtClean="0"/>
+              <a:t>Titelmasterformat durch Klicken bearbeiten</a:t>
+            </a:r>
+            <a:endParaRPr lang="en-US" dirty="0"/>
+          </a:p>
+        </p:txBody>
+      </p:sp>
+      <p:sp>
+        <p:nvSpPr>
+          <p:cNvPr id="8" name="Text Placeholder 3"/>
+          <p:cNvSpPr>
+            <a:spLocks noGrp="1"/>
+          </p:cNvSpPr>
+          <p:nvPr>
+            <p:ph type="body" sz="half" idx="2"/>
+          </p:nvPr>
+        </p:nvSpPr>
+        <p:spPr>
+          <a:xfrm>
+            <a:off x="866442" y="3657600"/>
+            <a:ext cx="6620968" cy="2362200"/>
+          </a:xfrm>
+        </p:spPr>
+        <p:txBody>
+          <a:bodyPr anchor="ctr">
+            <a:normAutofit/>
+          </a:bodyPr>
+          <a:lstStyle>
+            <a:lvl1pPr marL="0" indent="0">
+              <a:buNone/>
+              <a:defRPr sz="1800"/>
+            </a:lvl1pPr>
+            <a:lvl2pPr marL="457200" indent="0">
+              <a:buNone/>
+              <a:defRPr sz="1200"/>
+            </a:lvl2pPr>
+            <a:lvl3pPr marL="914400" indent="0">
+              <a:buNone/>
+              <a:defRPr sz="1000"/>
+            </a:lvl3pPr>
+            <a:lvl4pPr marL="1371600" indent="0">
+              <a:buNone/>
+              <a:defRPr sz="900"/>
+            </a:lvl4pPr>
+            <a:lvl5pPr marL="1828800" indent="0">
+              <a:buNone/>
+              <a:defRPr sz="900"/>
+            </a:lvl5pPr>
+            <a:lvl6pPr marL="2286000" indent="0">
+              <a:buNone/>
+              <a:defRPr sz="900"/>
+            </a:lvl6pPr>
+            <a:lvl7pPr marL="2743200" indent="0">
+              <a:buNone/>
+              <a:defRPr sz="900"/>
+            </a:lvl7pPr>
+            <a:lvl8pPr marL="3200400" indent="0">
+              <a:buNone/>
+              <a:defRPr sz="900"/>
+            </a:lvl8pPr>
+            <a:lvl9pPr marL="3657600" indent="0">
+              <a:buNone/>
+              <a:defRPr sz="900"/>
+            </a:lvl9pPr>
+          </a:lstStyle>
+          <a:p>
+            <a:pPr lvl="0"/>
+            <a:r>
+              <a:rPr lang="de-DE" smtClean="0"/>
+              <a:t>Formatvorlagen des Textmasters bearbeiten</a:t>
+            </a:r>
+          </a:p>
+        </p:txBody>
+      </p:sp>
+      <p:sp>
+        <p:nvSpPr>
+          <p:cNvPr id="4" name="Date Placeholder 3"/>
+          <p:cNvSpPr>
+            <a:spLocks noGrp="1"/>
+          </p:cNvSpPr>
+          <p:nvPr>
+            <p:ph type="dt" sz="half" idx="10"/>
+          </p:nvPr>
+        </p:nvSpPr>
+        <p:spPr/>
+        <p:txBody>
+          <a:bodyPr/>
+          <a:lstStyle/>
+          <a:p>
+            <a:fld id="{6BBDE0CE-4CFD-4B43-9818-2D49E9011334}" type="datetimeFigureOut">
+              <a:rPr lang="de-DE" smtClean="0"/>
+              <a:t>11.06.2018</a:t>
+            </a:fld>
+            <a:endParaRPr lang="de-DE"/>
+          </a:p>
+        </p:txBody>
+      </p:sp>
+      <p:sp>
+        <p:nvSpPr>
+          <p:cNvPr id="5" name="Footer Placeholder 4"/>
+          <p:cNvSpPr>
+            <a:spLocks noGrp="1"/>
+          </p:cNvSpPr>
+          <p:nvPr>
+            <p:ph type="ftr" sz="quarter" idx="11"/>
+          </p:nvPr>
+        </p:nvSpPr>
+        <p:spPr/>
+        <p:txBody>
+          <a:bodyPr/>
+          <a:lstStyle/>
+          <a:p>
+            <a:endParaRPr lang="de-DE"/>
+          </a:p>
+        </p:txBody>
+      </p:sp>
+      <p:sp>
+        <p:nvSpPr>
+          <p:cNvPr id="6" name="Slide Number Placeholder 5"/>
+          <p:cNvSpPr>
+            <a:spLocks noGrp="1"/>
+          </p:cNvSpPr>
+          <p:nvPr>
+            <p:ph type="sldNum" sz="quarter" idx="12"/>
+          </p:nvPr>
+        </p:nvSpPr>
+        <p:spPr/>
+        <p:txBody>
+          <a:bodyPr/>
+          <a:lstStyle/>
+          <a:p>
+            <a:fld id="{8C8625AF-8EA7-45E9-B91C-921CE9E21B57}" type="slidenum">
+              <a:rPr lang="de-DE" smtClean="0"/>
+              <a:t>‹Nr.›</a:t>
+            </a:fld>
+            <a:endParaRPr lang="de-DE"/>
+          </a:p>
+        </p:txBody>
+      </p:sp>
+    </p:spTree>
+    <p:extLst>
+      <p:ext uri="{BB962C8B-B14F-4D97-AF65-F5344CB8AC3E}">
+        <p14:creationId xmlns:p14="http://schemas.microsoft.com/office/powerpoint/2010/main" val="1587943994"/>
+      </p:ext>
+    </p:extLst>
+  </p:cSld>
+  <p:clrMapOvr>
+    <a:masterClrMapping/>
+  </p:clrMapOvr>
+</p:sldLayout>
+</file>
+
+<file path=ppt/slideLayouts/slideLayout12.xml><?xml version="1.0" encoding="utf-8"?>
+<p:sldLayout xmlns:a="http://schemas.openxmlformats.org/drawingml/2006/main" xmlns:r="http://schemas.openxmlformats.org/officeDocument/2006/relationships" xmlns:p="http://schemas.openxmlformats.org/presentationml/2006/main" preserve="1">
+  <p:cSld name="Zitat mit Beschriftung">
+    <p:spTree>
+      <p:nvGrpSpPr>
+        <p:cNvPr id="1" name=""/>
+        <p:cNvGrpSpPr/>
+        <p:nvPr/>
+      </p:nvGrpSpPr>
+      <p:grpSpPr>
+        <a:xfrm>
+          <a:off x="0" y="0"/>
+          <a:ext cx="0" cy="0"/>
+          <a:chOff x="0" y="0"/>
+          <a:chExt cx="0" cy="0"/>
+        </a:xfrm>
+      </p:grpSpPr>
+      <p:sp>
+        <p:nvSpPr>
+          <p:cNvPr id="2" name="Title 1"/>
+          <p:cNvSpPr>
+            <a:spLocks noGrp="1"/>
+          </p:cNvSpPr>
+          <p:nvPr>
+            <p:ph type="title"/>
+          </p:nvPr>
+        </p:nvSpPr>
+        <p:spPr>
+          <a:xfrm>
+            <a:off x="1181409" y="1447800"/>
+            <a:ext cx="6001049" cy="2317649"/>
+          </a:xfrm>
+        </p:spPr>
+        <p:txBody>
+          <a:bodyPr/>
+          <a:lstStyle>
+            <a:lvl1pPr>
+              <a:defRPr sz="4800"/>
+            </a:lvl1pPr>
+          </a:lstStyle>
+          <a:p>
+            <a:r>
+              <a:rPr lang="de-DE" smtClean="0"/>
+              <a:t>Titelmasterformat durch Klicken bearbeiten</a:t>
+            </a:r>
+            <a:endParaRPr lang="en-US" dirty="0"/>
+          </a:p>
+        </p:txBody>
+      </p:sp>
+      <p:sp>
+        <p:nvSpPr>
+          <p:cNvPr id="14" name="Text Placeholder 3"/>
+          <p:cNvSpPr>
+            <a:spLocks noGrp="1"/>
+          </p:cNvSpPr>
+          <p:nvPr>
+            <p:ph type="body" sz="half" idx="13"/>
+          </p:nvPr>
+        </p:nvSpPr>
+        <p:spPr>
+          <a:xfrm>
+            <a:off x="1454530" y="3765449"/>
+            <a:ext cx="5449871" cy="342174"/>
+          </a:xfrm>
+        </p:spPr>
+        <p:txBody>
+          <a:bodyPr anchor="t">
+            <a:normAutofit/>
+          </a:bodyPr>
+          <a:lstStyle>
+            <a:lvl1pPr marL="0" indent="0">
+              <a:buNone/>
+              <a:defRPr lang="en-US" sz="1400" b="0" i="0" kern="1200" cap="small" dirty="0">
+                <a:solidFill>
+                  <a:schemeClr val="accent1"/>
+                </a:solidFill>
+                <a:latin typeface="+mj-lt"/>
+                <a:ea typeface="+mj-ea"/>
+                <a:cs typeface="+mj-cs"/>
+              </a:defRPr>
+            </a:lvl1pPr>
+            <a:lvl2pPr marL="457200" indent="0">
+              <a:buNone/>
+              <a:defRPr sz="1200"/>
+            </a:lvl2pPr>
+            <a:lvl3pPr marL="914400" indent="0">
+              <a:buNone/>
+              <a:defRPr sz="1000"/>
+            </a:lvl3pPr>
+            <a:lvl4pPr marL="1371600" indent="0">
+              <a:buNone/>
+              <a:defRPr sz="900"/>
+            </a:lvl4pPr>
+            <a:lvl5pPr marL="1828800" indent="0">
+              <a:buNone/>
+              <a:defRPr sz="900"/>
+            </a:lvl5pPr>
+            <a:lvl6pPr marL="2286000" indent="0">
+              <a:buNone/>
+              <a:defRPr sz="900"/>
+            </a:lvl6pPr>
+            <a:lvl7pPr marL="2743200" indent="0">
+              <a:buNone/>
+              <a:defRPr sz="900"/>
+            </a:lvl7pPr>
+            <a:lvl8pPr marL="3200400" indent="0">
+              <a:buNone/>
+              <a:defRPr sz="900"/>
+            </a:lvl8pPr>
+            <a:lvl9pPr marL="3657600" indent="0">
+              <a:buNone/>
+              <a:defRPr sz="900"/>
+            </a:lvl9pPr>
+          </a:lstStyle>
+          <a:p>
+            <a:pPr lvl="0"/>
+            <a:r>
+              <a:rPr lang="de-DE" smtClean="0"/>
+              <a:t>Formatvorlagen des Textmasters bearbeiten</a:t>
+            </a:r>
+          </a:p>
+        </p:txBody>
+      </p:sp>
+      <p:sp>
+        <p:nvSpPr>
+          <p:cNvPr id="10" name="Text Placeholder 3"/>
+          <p:cNvSpPr>
+            <a:spLocks noGrp="1"/>
+          </p:cNvSpPr>
+          <p:nvPr>
+            <p:ph type="body" sz="half" idx="2"/>
+          </p:nvPr>
+        </p:nvSpPr>
+        <p:spPr>
+          <a:xfrm>
+            <a:off x="866442" y="4350657"/>
+            <a:ext cx="6620968" cy="1676400"/>
+          </a:xfrm>
+        </p:spPr>
+        <p:txBody>
+          <a:bodyPr anchor="ctr">
+            <a:normAutofit/>
+          </a:bodyPr>
+          <a:lstStyle>
+            <a:lvl1pPr marL="0" indent="0">
+              <a:buNone/>
+              <a:defRPr sz="1800"/>
+            </a:lvl1pPr>
+            <a:lvl2pPr marL="457200" indent="0">
+              <a:buNone/>
+              <a:defRPr sz="1200"/>
+            </a:lvl2pPr>
+            <a:lvl3pPr marL="914400" indent="0">
+              <a:buNone/>
+              <a:defRPr sz="1000"/>
+            </a:lvl3pPr>
+            <a:lvl4pPr marL="1371600" indent="0">
+              <a:buNone/>
+              <a:defRPr sz="900"/>
+            </a:lvl4pPr>
+            <a:lvl5pPr marL="1828800" indent="0">
+              <a:buNone/>
+              <a:defRPr sz="900"/>
+            </a:lvl5pPr>
+            <a:lvl6pPr marL="2286000" indent="0">
+              <a:buNone/>
+              <a:defRPr sz="900"/>
+            </a:lvl6pPr>
+            <a:lvl7pPr marL="2743200" indent="0">
+              <a:buNone/>
+              <a:defRPr sz="900"/>
+            </a:lvl7pPr>
+            <a:lvl8pPr marL="3200400" indent="0">
+              <a:buNone/>
+              <a:defRPr sz="900"/>
+            </a:lvl8pPr>
+            <a:lvl9pPr marL="3657600" indent="0">
+              <a:buNone/>
+              <a:defRPr sz="900"/>
+            </a:lvl9pPr>
+          </a:lstStyle>
+          <a:p>
+            <a:pPr lvl="0"/>
+            <a:r>
+              <a:rPr lang="de-DE" smtClean="0"/>
+              <a:t>Formatvorlagen des Textmasters bearbeiten</a:t>
+            </a:r>
+          </a:p>
+        </p:txBody>
+      </p:sp>
+      <p:sp>
+        <p:nvSpPr>
+          <p:cNvPr id="4" name="Date Placeholder 3"/>
+          <p:cNvSpPr>
+            <a:spLocks noGrp="1"/>
+          </p:cNvSpPr>
+          <p:nvPr>
+            <p:ph type="dt" sz="half" idx="10"/>
+          </p:nvPr>
+        </p:nvSpPr>
+        <p:spPr/>
+        <p:txBody>
+          <a:bodyPr/>
+          <a:lstStyle/>
+          <a:p>
+            <a:fld id="{6BBDE0CE-4CFD-4B43-9818-2D49E9011334}" type="datetimeFigureOut">
+              <a:rPr lang="de-DE" smtClean="0"/>
+              <a:t>11.06.2018</a:t>
+            </a:fld>
+            <a:endParaRPr lang="de-DE"/>
+          </a:p>
+        </p:txBody>
+      </p:sp>
+      <p:sp>
+        <p:nvSpPr>
+          <p:cNvPr id="5" name="Footer Placeholder 4"/>
+          <p:cNvSpPr>
+            <a:spLocks noGrp="1"/>
+          </p:cNvSpPr>
+          <p:nvPr>
+            <p:ph type="ftr" sz="quarter" idx="11"/>
+          </p:nvPr>
+        </p:nvSpPr>
+        <p:spPr/>
+        <p:txBody>
+          <a:bodyPr/>
+          <a:lstStyle/>
+          <a:p>
+            <a:endParaRPr lang="de-DE"/>
+          </a:p>
+        </p:txBody>
+      </p:sp>
+      <p:sp>
+        <p:nvSpPr>
+          <p:cNvPr id="6" name="Slide Number Placeholder 5"/>
+          <p:cNvSpPr>
+            <a:spLocks noGrp="1"/>
+          </p:cNvSpPr>
+          <p:nvPr>
+            <p:ph type="sldNum" sz="quarter" idx="12"/>
+          </p:nvPr>
+        </p:nvSpPr>
+        <p:spPr/>
+        <p:txBody>
+          <a:bodyPr/>
+          <a:lstStyle/>
+          <a:p>
+            <a:fld id="{8C8625AF-8EA7-45E9-B91C-921CE9E21B57}" type="slidenum">
+              <a:rPr lang="de-DE" smtClean="0"/>
+              <a:t>‹Nr.›</a:t>
+            </a:fld>
+            <a:endParaRPr lang="de-DE"/>
+          </a:p>
+        </p:txBody>
+      </p:sp>
+      <p:sp>
+        <p:nvSpPr>
+          <p:cNvPr id="9" name="TextBox 8"/>
+          <p:cNvSpPr txBox="1"/>
+          <p:nvPr/>
+        </p:nvSpPr>
+        <p:spPr>
+          <a:xfrm>
+            <a:off x="673897" y="971253"/>
+            <a:ext cx="601591" cy="1969770"/>
+          </a:xfrm>
+          <a:prstGeom prst="rect">
+            <a:avLst/>
+          </a:prstGeom>
+          <a:noFill/>
+        </p:spPr>
+        <p:txBody>
+          <a:bodyPr wrap="square" rtlCol="0">
+            <a:spAutoFit/>
+          </a:bodyPr>
+          <a:lstStyle>
+            <a:defPPr>
+              <a:defRPr lang="en-US"/>
+            </a:defPPr>
+            <a:lvl1pPr algn="r">
+              <a:defRPr sz="12200" b="0" i="0">
+                <a:solidFill>
+                  <a:schemeClr val="accent1"/>
+                </a:solidFill>
+                <a:latin typeface="Arial"/>
+                <a:ea typeface="+mj-ea"/>
+                <a:cs typeface="+mj-cs"/>
+              </a:defRPr>
+            </a:lvl1pPr>
+          </a:lstStyle>
+          <a:p>
+            <a:pPr lvl="0"/>
+            <a:r>
+              <a:rPr lang="en-US" sz="12200" dirty="0"/>
+              <a:t>“</a:t>
+            </a:r>
+          </a:p>
+        </p:txBody>
+      </p:sp>
+      <p:sp>
+        <p:nvSpPr>
+          <p:cNvPr id="13" name="TextBox 12"/>
+          <p:cNvSpPr txBox="1"/>
+          <p:nvPr/>
+        </p:nvSpPr>
+        <p:spPr>
+          <a:xfrm>
+            <a:off x="6999690" y="2613787"/>
+            <a:ext cx="601591" cy="1969770"/>
+          </a:xfrm>
+          <a:prstGeom prst="rect">
+            <a:avLst/>
+          </a:prstGeom>
+          <a:noFill/>
+        </p:spPr>
+        <p:txBody>
+          <a:bodyPr wrap="square" rtlCol="0">
+            <a:spAutoFit/>
+          </a:bodyPr>
+          <a:lstStyle>
+            <a:defPPr>
+              <a:defRPr lang="en-US"/>
+            </a:defPPr>
+            <a:lvl1pPr algn="r">
+              <a:defRPr sz="12200" b="0" i="0">
+                <a:solidFill>
+                  <a:schemeClr val="accent1"/>
+                </a:solidFill>
+                <a:latin typeface="Arial"/>
+                <a:ea typeface="+mj-ea"/>
+                <a:cs typeface="+mj-cs"/>
+              </a:defRPr>
+            </a:lvl1pPr>
+          </a:lstStyle>
+          <a:p>
+            <a:pPr lvl="0"/>
+            <a:r>
+              <a:rPr lang="en-US" sz="12200" dirty="0"/>
+              <a:t>”</a:t>
+            </a:r>
+          </a:p>
+        </p:txBody>
+      </p:sp>
+    </p:spTree>
+    <p:extLst>
+      <p:ext uri="{BB962C8B-B14F-4D97-AF65-F5344CB8AC3E}">
+        <p14:creationId xmlns:p14="http://schemas.microsoft.com/office/powerpoint/2010/main" val="351318717"/>
+      </p:ext>
+    </p:extLst>
+  </p:cSld>
+  <p:clrMapOvr>
+    <a:masterClrMapping/>
+  </p:clrMapOvr>
+</p:sldLayout>
+</file>
+
+<file path=ppt/slideLayouts/slideLayout13.xml><?xml version="1.0" encoding="utf-8"?>
+<p:sldLayout xmlns:a="http://schemas.openxmlformats.org/drawingml/2006/main" xmlns:r="http://schemas.openxmlformats.org/officeDocument/2006/relationships" xmlns:p="http://schemas.openxmlformats.org/presentationml/2006/main" preserve="1">
+  <p:cSld name="Namenskarte">
+    <p:spTree>
+      <p:nvGrpSpPr>
+        <p:cNvPr id="1" name=""/>
+        <p:cNvGrpSpPr/>
+        <p:nvPr/>
+      </p:nvGrpSpPr>
+      <p:grpSpPr>
+        <a:xfrm>
+          <a:off x="0" y="0"/>
+          <a:ext cx="0" cy="0"/>
+          <a:chOff x="0" y="0"/>
+          <a:chExt cx="0" cy="0"/>
+        </a:xfrm>
+      </p:grpSpPr>
+      <p:sp>
+        <p:nvSpPr>
+          <p:cNvPr id="2" name="Title 1"/>
+          <p:cNvSpPr>
+            <a:spLocks noGrp="1"/>
+          </p:cNvSpPr>
+          <p:nvPr>
+            <p:ph type="title"/>
+          </p:nvPr>
+        </p:nvSpPr>
+        <p:spPr>
+          <a:xfrm>
+            <a:off x="866441" y="3124201"/>
+            <a:ext cx="6620969" cy="1653180"/>
+          </a:xfrm>
+        </p:spPr>
+        <p:txBody>
+          <a:bodyPr anchor="b"/>
+          <a:lstStyle>
+            <a:lvl1pPr algn="l">
+              <a:defRPr sz="4000" b="0" cap="none"/>
+            </a:lvl1pPr>
+          </a:lstStyle>
+          <a:p>
+            <a:r>
+              <a:rPr lang="de-DE" smtClean="0"/>
+              <a:t>Titelmasterformat durch Klicken bearbeiten</a:t>
+            </a:r>
+            <a:endParaRPr lang="en-US" dirty="0"/>
+          </a:p>
+        </p:txBody>
+      </p:sp>
+      <p:sp>
+        <p:nvSpPr>
+          <p:cNvPr id="3" name="Text Placeholder 2"/>
+          <p:cNvSpPr>
+            <a:spLocks noGrp="1"/>
+          </p:cNvSpPr>
+          <p:nvPr>
+            <p:ph type="body" idx="1"/>
+          </p:nvPr>
+        </p:nvSpPr>
+        <p:spPr>
+          <a:xfrm>
+            <a:off x="866442" y="4777381"/>
+            <a:ext cx="6620968" cy="860400"/>
+          </a:xfrm>
+        </p:spPr>
+        <p:txBody>
+          <a:bodyPr anchor="t"/>
+          <a:lstStyle>
+            <a:lvl1pPr marL="0" indent="0" algn="l">
+              <a:buNone/>
+              <a:defRPr sz="2000" cap="none">
+                <a:solidFill>
+                  <a:schemeClr val="accent1"/>
+                </a:solidFill>
+              </a:defRPr>
+            </a:lvl1pPr>
+            <a:lvl2pPr marL="457200" indent="0">
+              <a:buNone/>
+              <a:defRPr sz="1800">
+                <a:solidFill>
+                  <a:schemeClr val="tx1">
+                    <a:tint val="75000"/>
+                  </a:schemeClr>
+                </a:solidFill>
+              </a:defRPr>
+            </a:lvl2pPr>
+            <a:lvl3pPr marL="914400" indent="0">
+              <a:buNone/>
+              <a:defRPr sz="1600">
+                <a:solidFill>
+                  <a:schemeClr val="tx1">
+                    <a:tint val="75000"/>
+                  </a:schemeClr>
+                </a:solidFill>
+              </a:defRPr>
+            </a:lvl3pPr>
+            <a:lvl4pPr marL="1371600" indent="0">
+              <a:buNone/>
+              <a:defRPr sz="1400">
+                <a:solidFill>
+                  <a:schemeClr val="tx1">
+                    <a:tint val="75000"/>
+                  </a:schemeClr>
+                </a:solidFill>
+              </a:defRPr>
+            </a:lvl4pPr>
+            <a:lvl5pPr marL="1828800" indent="0">
+              <a:buNone/>
+              <a:defRPr sz="1400">
+                <a:solidFill>
+                  <a:schemeClr val="tx1">
+                    <a:tint val="75000"/>
+                  </a:schemeClr>
+                </a:solidFill>
+              </a:defRPr>
+            </a:lvl5pPr>
+            <a:lvl6pPr marL="2286000" indent="0">
+              <a:buNone/>
+              <a:defRPr sz="1400">
+                <a:solidFill>
+                  <a:schemeClr val="tx1">
+                    <a:tint val="75000"/>
+                  </a:schemeClr>
+                </a:solidFill>
+              </a:defRPr>
+            </a:lvl6pPr>
+            <a:lvl7pPr marL="2743200" indent="0">
+              <a:buNone/>
+              <a:defRPr sz="1400">
+                <a:solidFill>
+                  <a:schemeClr val="tx1">
+                    <a:tint val="75000"/>
+                  </a:schemeClr>
+                </a:solidFill>
+              </a:defRPr>
+            </a:lvl7pPr>
+            <a:lvl8pPr marL="3200400" indent="0">
+              <a:buNone/>
+              <a:defRPr sz="1400">
+                <a:solidFill>
+                  <a:schemeClr val="tx1">
+                    <a:tint val="75000"/>
+                  </a:schemeClr>
+                </a:solidFill>
+              </a:defRPr>
+            </a:lvl8pPr>
+            <a:lvl9pPr marL="3657600" indent="0">
+              <a:buNone/>
+              <a:defRPr sz="1400">
+                <a:solidFill>
+                  <a:schemeClr val="tx1">
+                    <a:tint val="75000"/>
+                  </a:schemeClr>
+                </a:solidFill>
+              </a:defRPr>
+            </a:lvl9pPr>
+          </a:lstStyle>
+          <a:p>
+            <a:pPr lvl="0"/>
+            <a:r>
+              <a:rPr lang="de-DE" smtClean="0"/>
+              <a:t>Formatvorlagen des Textmasters bearbeiten</a:t>
+            </a:r>
+          </a:p>
+        </p:txBody>
+      </p:sp>
+      <p:sp>
+        <p:nvSpPr>
+          <p:cNvPr id="4" name="Date Placeholder 3"/>
+          <p:cNvSpPr>
+            <a:spLocks noGrp="1"/>
+          </p:cNvSpPr>
+          <p:nvPr>
+            <p:ph type="dt" sz="half" idx="10"/>
+          </p:nvPr>
+        </p:nvSpPr>
+        <p:spPr/>
+        <p:txBody>
+          <a:bodyPr/>
+          <a:lstStyle/>
+          <a:p>
+            <a:fld id="{6BBDE0CE-4CFD-4B43-9818-2D49E9011334}" type="datetimeFigureOut">
+              <a:rPr lang="de-DE" smtClean="0"/>
+              <a:t>11.06.2018</a:t>
+            </a:fld>
+            <a:endParaRPr lang="de-DE"/>
+          </a:p>
+        </p:txBody>
+      </p:sp>
+      <p:sp>
+        <p:nvSpPr>
+          <p:cNvPr id="5" name="Footer Placeholder 4"/>
+          <p:cNvSpPr>
+            <a:spLocks noGrp="1"/>
+          </p:cNvSpPr>
+          <p:nvPr>
+            <p:ph type="ftr" sz="quarter" idx="11"/>
+          </p:nvPr>
+        </p:nvSpPr>
+        <p:spPr/>
+        <p:txBody>
+          <a:bodyPr/>
+          <a:lstStyle/>
+          <a:p>
+            <a:endParaRPr lang="de-DE"/>
+          </a:p>
+        </p:txBody>
+      </p:sp>
+      <p:sp>
+        <p:nvSpPr>
+          <p:cNvPr id="6" name="Slide Number Placeholder 5"/>
+          <p:cNvSpPr>
+            <a:spLocks noGrp="1"/>
+          </p:cNvSpPr>
+          <p:nvPr>
+            <p:ph type="sldNum" sz="quarter" idx="12"/>
+          </p:nvPr>
+        </p:nvSpPr>
+        <p:spPr/>
+        <p:txBody>
+          <a:bodyPr/>
+          <a:lstStyle/>
+          <a:p>
+            <a:fld id="{8C8625AF-8EA7-45E9-B91C-921CE9E21B57}" type="slidenum">
+              <a:rPr lang="de-DE" smtClean="0"/>
+              <a:t>‹Nr.›</a:t>
+            </a:fld>
+            <a:endParaRPr lang="de-DE"/>
+          </a:p>
+        </p:txBody>
+      </p:sp>
+    </p:spTree>
+    <p:extLst>
+      <p:ext uri="{BB962C8B-B14F-4D97-AF65-F5344CB8AC3E}">
+        <p14:creationId xmlns:p14="http://schemas.microsoft.com/office/powerpoint/2010/main" val="592583560"/>
+      </p:ext>
+    </p:extLst>
+  </p:cSld>
+  <p:clrMapOvr>
+    <a:masterClrMapping/>
+  </p:clrMapOvr>
+</p:sldLayout>
+</file>
+
+<file path=ppt/slideLayouts/slideLayout14.xml><?xml version="1.0" encoding="utf-8"?>
+<p:sldLayout xmlns:a="http://schemas.openxmlformats.org/drawingml/2006/main" xmlns:r="http://schemas.openxmlformats.org/officeDocument/2006/relationships" xmlns:p="http://schemas.openxmlformats.org/presentationml/2006/main" preserve="1">
+  <p:cSld name="3 Spalte">
+    <p:spTree>
+      <p:nvGrpSpPr>
+        <p:cNvPr id="1" name=""/>
+        <p:cNvGrpSpPr/>
+        <p:nvPr/>
+      </p:nvGrpSpPr>
+      <p:grpSpPr>
+        <a:xfrm>
+          <a:off x="0" y="0"/>
+          <a:ext cx="0" cy="0"/>
+          <a:chOff x="0" y="0"/>
+          <a:chExt cx="0" cy="0"/>
+        </a:xfrm>
+      </p:grpSpPr>
+      <p:sp>
+        <p:nvSpPr>
+          <p:cNvPr id="2" name="Title 1"/>
+          <p:cNvSpPr>
+            <a:spLocks noGrp="1"/>
+          </p:cNvSpPr>
+          <p:nvPr>
+            <p:ph type="title"/>
+          </p:nvPr>
+        </p:nvSpPr>
+        <p:spPr/>
+        <p:txBody>
+          <a:bodyPr/>
+          <a:lstStyle>
+            <a:lvl1pPr>
+              <a:defRPr sz="4200"/>
+            </a:lvl1pPr>
+          </a:lstStyle>
+          <a:p>
+            <a:r>
+              <a:rPr lang="de-DE" smtClean="0"/>
+              <a:t>Titelmasterformat durch Klicken bearbeiten</a:t>
+            </a:r>
+            <a:endParaRPr lang="en-US" dirty="0"/>
+          </a:p>
+        </p:txBody>
+      </p:sp>
+      <p:sp>
+        <p:nvSpPr>
+          <p:cNvPr id="3" name="Text Placeholder 2"/>
+          <p:cNvSpPr>
+            <a:spLocks noGrp="1"/>
+          </p:cNvSpPr>
+          <p:nvPr>
+            <p:ph type="body" idx="1"/>
+          </p:nvPr>
+        </p:nvSpPr>
+        <p:spPr>
+          <a:xfrm>
+            <a:off x="474834" y="1981200"/>
+            <a:ext cx="2210725" cy="576262"/>
+          </a:xfrm>
+        </p:spPr>
+        <p:txBody>
+          <a:bodyPr anchor="b">
+            <a:noAutofit/>
+          </a:bodyPr>
+          <a:lstStyle>
+            <a:lvl1pPr marL="0" indent="0">
+              <a:buNone/>
+              <a:defRPr sz="2400" b="0">
+                <a:solidFill>
+                  <a:schemeClr val="accent1"/>
+                </a:solidFill>
+              </a:defRPr>
+            </a:lvl1pPr>
+            <a:lvl2pPr marL="457200" indent="0">
+              <a:buNone/>
+              <a:defRPr sz="2000" b="1"/>
+            </a:lvl2pPr>
+            <a:lvl3pPr marL="914400" indent="0">
+              <a:buNone/>
+              <a:defRPr sz="1800" b="1"/>
+            </a:lvl3pPr>
+            <a:lvl4pPr marL="1371600" indent="0">
+              <a:buNone/>
+              <a:defRPr sz="1600" b="1"/>
+            </a:lvl4pPr>
+            <a:lvl5pPr marL="1828800" indent="0">
+              <a:buNone/>
+              <a:defRPr sz="1600" b="1"/>
+            </a:lvl5pPr>
+            <a:lvl6pPr marL="2286000" indent="0">
+              <a:buNone/>
+              <a:defRPr sz="1600" b="1"/>
+            </a:lvl6pPr>
+            <a:lvl7pPr marL="2743200" indent="0">
+              <a:buNone/>
+              <a:defRPr sz="1600" b="1"/>
+            </a:lvl7pPr>
+            <a:lvl8pPr marL="3200400" indent="0">
+              <a:buNone/>
+              <a:defRPr sz="1600" b="1"/>
+            </a:lvl8pPr>
+            <a:lvl9pPr marL="3657600" indent="0">
+              <a:buNone/>
+              <a:defRPr sz="1600" b="1"/>
+            </a:lvl9pPr>
+          </a:lstStyle>
+          <a:p>
+            <a:pPr lvl="0"/>
+            <a:r>
+              <a:rPr lang="de-DE" smtClean="0"/>
+              <a:t>Formatvorlagen des Textmasters bearbeiten</a:t>
+            </a:r>
+          </a:p>
+        </p:txBody>
+      </p:sp>
+      <p:sp>
+        <p:nvSpPr>
+          <p:cNvPr id="16" name="Text Placeholder 3"/>
+          <p:cNvSpPr>
+            <a:spLocks noGrp="1"/>
+          </p:cNvSpPr>
+          <p:nvPr>
+            <p:ph type="body" sz="half" idx="15"/>
+          </p:nvPr>
+        </p:nvSpPr>
+        <p:spPr>
+          <a:xfrm>
+            <a:off x="489475" y="2667000"/>
+            <a:ext cx="2196084" cy="3589338"/>
+          </a:xfrm>
+        </p:spPr>
+        <p:txBody>
+          <a:bodyPr anchor="t">
+            <a:normAutofit/>
+          </a:bodyPr>
+          <a:lstStyle>
+            <a:lvl1pPr marL="0" indent="0">
+              <a:buNone/>
+              <a:defRPr sz="1400"/>
+            </a:lvl1pPr>
+            <a:lvl2pPr marL="457200" indent="0">
+              <a:buNone/>
+              <a:defRPr sz="1200"/>
+            </a:lvl2pPr>
+            <a:lvl3pPr marL="914400" indent="0">
+              <a:buNone/>
+              <a:defRPr sz="1000"/>
+            </a:lvl3pPr>
+            <a:lvl4pPr marL="1371600" indent="0">
+              <a:buNone/>
+              <a:defRPr sz="900"/>
+            </a:lvl4pPr>
+            <a:lvl5pPr marL="1828800" indent="0">
+              <a:buNone/>
+              <a:defRPr sz="900"/>
+            </a:lvl5pPr>
+            <a:lvl6pPr marL="2286000" indent="0">
+              <a:buNone/>
+              <a:defRPr sz="900"/>
+            </a:lvl6pPr>
+            <a:lvl7pPr marL="2743200" indent="0">
+              <a:buNone/>
+              <a:defRPr sz="900"/>
+            </a:lvl7pPr>
+            <a:lvl8pPr marL="3200400" indent="0">
+              <a:buNone/>
+              <a:defRPr sz="900"/>
+            </a:lvl8pPr>
+            <a:lvl9pPr marL="3657600" indent="0">
+              <a:buNone/>
+              <a:defRPr sz="900"/>
+            </a:lvl9pPr>
+          </a:lstStyle>
+          <a:p>
+            <a:pPr lvl="0"/>
+            <a:r>
+              <a:rPr lang="de-DE" smtClean="0"/>
+              <a:t>Formatvorlagen des Textmasters bearbeiten</a:t>
+            </a:r>
+          </a:p>
+        </p:txBody>
+      </p:sp>
+      <p:sp>
+        <p:nvSpPr>
+          <p:cNvPr id="5" name="Text Placeholder 4"/>
+          <p:cNvSpPr>
+            <a:spLocks noGrp="1"/>
+          </p:cNvSpPr>
+          <p:nvPr>
+            <p:ph type="body" sz="quarter" idx="3"/>
+          </p:nvPr>
+        </p:nvSpPr>
+        <p:spPr>
+          <a:xfrm>
+            <a:off x="2913504" y="1981200"/>
+            <a:ext cx="2202754" cy="576262"/>
+          </a:xfrm>
+        </p:spPr>
+        <p:txBody>
+          <a:bodyPr anchor="b">
+            <a:noAutofit/>
+          </a:bodyPr>
+          <a:lstStyle>
+            <a:lvl1pPr marL="0" indent="0">
+              <a:buNone/>
+              <a:defRPr sz="2400" b="0">
+                <a:solidFill>
+                  <a:schemeClr val="accent1"/>
+                </a:solidFill>
+              </a:defRPr>
+            </a:lvl1pPr>
+            <a:lvl2pPr marL="457200" indent="0">
+              <a:buNone/>
+              <a:defRPr sz="2000" b="1"/>
+            </a:lvl2pPr>
+            <a:lvl3pPr marL="914400" indent="0">
+              <a:buNone/>
+              <a:defRPr sz="1800" b="1"/>
+            </a:lvl3pPr>
+            <a:lvl4pPr marL="1371600" indent="0">
+              <a:buNone/>
+              <a:defRPr sz="1600" b="1"/>
+            </a:lvl4pPr>
+            <a:lvl5pPr marL="1828800" indent="0">
+              <a:buNone/>
+              <a:defRPr sz="1600" b="1"/>
+            </a:lvl5pPr>
+            <a:lvl6pPr marL="2286000" indent="0">
+              <a:buNone/>
+              <a:defRPr sz="1600" b="1"/>
+            </a:lvl6pPr>
+            <a:lvl7pPr marL="2743200" indent="0">
+              <a:buNone/>
+              <a:defRPr sz="1600" b="1"/>
+            </a:lvl7pPr>
+            <a:lvl8pPr marL="3200400" indent="0">
+              <a:buNone/>
+              <a:defRPr sz="1600" b="1"/>
+            </a:lvl8pPr>
+            <a:lvl9pPr marL="3657600" indent="0">
+              <a:buNone/>
+              <a:defRPr sz="1600" b="1"/>
+            </a:lvl9pPr>
+          </a:lstStyle>
+          <a:p>
+            <a:pPr lvl="0"/>
+            <a:r>
+              <a:rPr lang="de-DE" smtClean="0"/>
+              <a:t>Formatvorlagen des Textmasters bearbeiten</a:t>
+            </a:r>
+          </a:p>
+        </p:txBody>
+      </p:sp>
+      <p:sp>
+        <p:nvSpPr>
+          <p:cNvPr id="19" name="Text Placeholder 3"/>
+          <p:cNvSpPr>
+            <a:spLocks noGrp="1"/>
+          </p:cNvSpPr>
+          <p:nvPr>
+            <p:ph type="body" sz="half" idx="16"/>
+          </p:nvPr>
+        </p:nvSpPr>
+        <p:spPr>
+          <a:xfrm>
+            <a:off x="2905586" y="2667000"/>
+            <a:ext cx="2210671" cy="3589338"/>
+          </a:xfrm>
+        </p:spPr>
+        <p:txBody>
+          <a:bodyPr anchor="t">
+            <a:normAutofit/>
+          </a:bodyPr>
+          <a:lstStyle>
+            <a:lvl1pPr marL="0" indent="0">
+              <a:buNone/>
+              <a:defRPr sz="1400"/>
+            </a:lvl1pPr>
+            <a:lvl2pPr marL="457200" indent="0">
+              <a:buNone/>
+              <a:defRPr sz="1200"/>
+            </a:lvl2pPr>
+            <a:lvl3pPr marL="914400" indent="0">
+              <a:buNone/>
+              <a:defRPr sz="1000"/>
+            </a:lvl3pPr>
+            <a:lvl4pPr marL="1371600" indent="0">
+              <a:buNone/>
+              <a:defRPr sz="900"/>
+            </a:lvl4pPr>
+            <a:lvl5pPr marL="1828800" indent="0">
+              <a:buNone/>
+              <a:defRPr sz="900"/>
+            </a:lvl5pPr>
+            <a:lvl6pPr marL="2286000" indent="0">
+              <a:buNone/>
+              <a:defRPr sz="900"/>
+            </a:lvl6pPr>
+            <a:lvl7pPr marL="2743200" indent="0">
+              <a:buNone/>
+              <a:defRPr sz="900"/>
+            </a:lvl7pPr>
+            <a:lvl8pPr marL="3200400" indent="0">
+              <a:buNone/>
+              <a:defRPr sz="900"/>
+            </a:lvl8pPr>
+            <a:lvl9pPr marL="3657600" indent="0">
+              <a:buNone/>
+              <a:defRPr sz="900"/>
+            </a:lvl9pPr>
+          </a:lstStyle>
+          <a:p>
+            <a:pPr lvl="0"/>
+            <a:r>
+              <a:rPr lang="de-DE" smtClean="0"/>
+              <a:t>Formatvorlagen des Textmasters bearbeiten</a:t>
+            </a:r>
+          </a:p>
+        </p:txBody>
+      </p:sp>
+      <p:sp>
+        <p:nvSpPr>
+          <p:cNvPr id="14" name="Text Placeholder 4"/>
+          <p:cNvSpPr>
+            <a:spLocks noGrp="1"/>
+          </p:cNvSpPr>
+          <p:nvPr>
+            <p:ph type="body" sz="quarter" idx="13"/>
+          </p:nvPr>
+        </p:nvSpPr>
+        <p:spPr>
+          <a:xfrm>
+            <a:off x="5344917" y="1981200"/>
+            <a:ext cx="2199658" cy="576262"/>
+          </a:xfrm>
+        </p:spPr>
+        <p:txBody>
+          <a:bodyPr anchor="b">
+            <a:noAutofit/>
+          </a:bodyPr>
+          <a:lstStyle>
+            <a:lvl1pPr marL="0" indent="0">
+              <a:buNone/>
+              <a:defRPr sz="2400" b="0">
+                <a:solidFill>
+                  <a:schemeClr val="accent1"/>
+                </a:solidFill>
+              </a:defRPr>
+            </a:lvl1pPr>
+            <a:lvl2pPr marL="457200" indent="0">
+              <a:buNone/>
+              <a:defRPr sz="2000" b="1"/>
+            </a:lvl2pPr>
+            <a:lvl3pPr marL="914400" indent="0">
+              <a:buNone/>
+              <a:defRPr sz="1800" b="1"/>
+            </a:lvl3pPr>
+            <a:lvl4pPr marL="1371600" indent="0">
+              <a:buNone/>
+              <a:defRPr sz="1600" b="1"/>
+            </a:lvl4pPr>
+            <a:lvl5pPr marL="1828800" indent="0">
+              <a:buNone/>
+              <a:defRPr sz="1600" b="1"/>
+            </a:lvl5pPr>
+            <a:lvl6pPr marL="2286000" indent="0">
+              <a:buNone/>
+              <a:defRPr sz="1600" b="1"/>
+            </a:lvl6pPr>
+            <a:lvl7pPr marL="2743200" indent="0">
+              <a:buNone/>
+              <a:defRPr sz="1600" b="1"/>
+            </a:lvl7pPr>
+            <a:lvl8pPr marL="3200400" indent="0">
+              <a:buNone/>
+              <a:defRPr sz="1600" b="1"/>
+            </a:lvl8pPr>
+            <a:lvl9pPr marL="3657600" indent="0">
+              <a:buNone/>
+              <a:defRPr sz="1600" b="1"/>
+            </a:lvl9pPr>
+          </a:lstStyle>
+          <a:p>
+            <a:pPr lvl="0"/>
+            <a:r>
+              <a:rPr lang="de-DE" smtClean="0"/>
+              <a:t>Formatvorlagen des Textmasters bearbeiten</a:t>
+            </a:r>
+          </a:p>
+        </p:txBody>
+      </p:sp>
+      <p:sp>
+        <p:nvSpPr>
+          <p:cNvPr id="20" name="Text Placeholder 3"/>
+          <p:cNvSpPr>
+            <a:spLocks noGrp="1"/>
+          </p:cNvSpPr>
+          <p:nvPr>
+            <p:ph type="body" sz="half" idx="17"/>
+          </p:nvPr>
+        </p:nvSpPr>
+        <p:spPr>
+          <a:xfrm>
+            <a:off x="5344917" y="2667000"/>
+            <a:ext cx="2199658" cy="3589338"/>
+          </a:xfrm>
+        </p:spPr>
+        <p:txBody>
+          <a:bodyPr anchor="t">
+            <a:normAutofit/>
+          </a:bodyPr>
+          <a:lstStyle>
+            <a:lvl1pPr marL="0" indent="0">
+              <a:buNone/>
+              <a:defRPr sz="1400"/>
+            </a:lvl1pPr>
+            <a:lvl2pPr marL="457200" indent="0">
+              <a:buNone/>
+              <a:defRPr sz="1200"/>
+            </a:lvl2pPr>
+            <a:lvl3pPr marL="914400" indent="0">
+              <a:buNone/>
+              <a:defRPr sz="1000"/>
+            </a:lvl3pPr>
+            <a:lvl4pPr marL="1371600" indent="0">
+              <a:buNone/>
+              <a:defRPr sz="900"/>
+            </a:lvl4pPr>
+            <a:lvl5pPr marL="1828800" indent="0">
+              <a:buNone/>
+              <a:defRPr sz="900"/>
+            </a:lvl5pPr>
+            <a:lvl6pPr marL="2286000" indent="0">
+              <a:buNone/>
+              <a:defRPr sz="900"/>
+            </a:lvl6pPr>
+            <a:lvl7pPr marL="2743200" indent="0">
+              <a:buNone/>
+              <a:defRPr sz="900"/>
+            </a:lvl7pPr>
+            <a:lvl8pPr marL="3200400" indent="0">
+              <a:buNone/>
+              <a:defRPr sz="900"/>
+            </a:lvl8pPr>
+            <a:lvl9pPr marL="3657600" indent="0">
+              <a:buNone/>
+              <a:defRPr sz="900"/>
+            </a:lvl9pPr>
+          </a:lstStyle>
+          <a:p>
+            <a:pPr lvl="0"/>
+            <a:r>
+              <a:rPr lang="de-DE" smtClean="0"/>
+              <a:t>Formatvorlagen des Textmasters bearbeiten</a:t>
+            </a:r>
+          </a:p>
+        </p:txBody>
+      </p:sp>
+      <p:cxnSp>
+        <p:nvCxnSpPr>
+          <p:cNvPr id="17" name="Straight Connector 16"/>
+          <p:cNvCxnSpPr/>
+          <p:nvPr/>
+        </p:nvCxnSpPr>
+        <p:spPr>
+          <a:xfrm>
+            <a:off x="2795334" y="2133600"/>
+            <a:ext cx="0" cy="3962400"/>
+          </a:xfrm>
+          <a:prstGeom prst="line">
+            <a:avLst/>
+          </a:prstGeom>
+          <a:ln w="12700" cmpd="sng">
+            <a:solidFill>
+              <a:schemeClr val="accent1">
+                <a:alpha val="40000"/>
+              </a:schemeClr>
+            </a:solidFill>
+          </a:ln>
+        </p:spPr>
+        <p:style>
+          <a:lnRef idx="2">
+            <a:schemeClr val="accent1"/>
+          </a:lnRef>
+          <a:fillRef idx="0">
+            <a:schemeClr val="accent1"/>
+          </a:fillRef>
+          <a:effectRef idx="1">
+            <a:schemeClr val="accent1"/>
+          </a:effectRef>
+          <a:fontRef idx="minor">
+            <a:schemeClr val="tx1"/>
+          </a:fontRef>
+        </p:style>
+      </p:cxnSp>
+      <p:cxnSp>
+        <p:nvCxnSpPr>
+          <p:cNvPr id="18" name="Straight Connector 17"/>
+          <p:cNvCxnSpPr/>
+          <p:nvPr/>
+        </p:nvCxnSpPr>
+        <p:spPr>
+          <a:xfrm>
+            <a:off x="5223030" y="2133600"/>
+            <a:ext cx="0" cy="3966882"/>
+          </a:xfrm>
+          <a:prstGeom prst="line">
+            <a:avLst/>
+          </a:prstGeom>
+          <a:ln w="12700" cmpd="sng">
+            <a:solidFill>
+              <a:schemeClr val="accent1">
+                <a:alpha val="40000"/>
+              </a:schemeClr>
+            </a:solidFill>
+          </a:ln>
+        </p:spPr>
+        <p:style>
+          <a:lnRef idx="2">
+            <a:schemeClr val="accent1"/>
+          </a:lnRef>
+          <a:fillRef idx="0">
+            <a:schemeClr val="accent1"/>
+          </a:fillRef>
+          <a:effectRef idx="1">
+            <a:schemeClr val="accent1"/>
+          </a:effectRef>
+          <a:fontRef idx="minor">
+            <a:schemeClr val="tx1"/>
+          </a:fontRef>
+        </p:style>
+      </p:cxnSp>
+      <p:sp>
+        <p:nvSpPr>
+          <p:cNvPr id="7" name="Date Placeholder 3"/>
+          <p:cNvSpPr>
+            <a:spLocks noGrp="1"/>
+          </p:cNvSpPr>
+          <p:nvPr>
+            <p:ph type="dt" sz="half" idx="10"/>
+          </p:nvPr>
+        </p:nvSpPr>
+        <p:spPr/>
+        <p:txBody>
+          <a:bodyPr/>
+          <a:lstStyle/>
+          <a:p>
+            <a:fld id="{6BBDE0CE-4CFD-4B43-9818-2D49E9011334}" type="datetimeFigureOut">
+              <a:rPr lang="de-DE" smtClean="0"/>
+              <a:t>11.06.2018</a:t>
+            </a:fld>
+            <a:endParaRPr lang="de-DE"/>
+          </a:p>
+        </p:txBody>
+      </p:sp>
+      <p:sp>
+        <p:nvSpPr>
+          <p:cNvPr id="4" name="Footer Placeholder 4"/>
+          <p:cNvSpPr>
+            <a:spLocks noGrp="1"/>
+          </p:cNvSpPr>
+          <p:nvPr>
+            <p:ph type="ftr" sz="quarter" idx="11"/>
+          </p:nvPr>
+        </p:nvSpPr>
+        <p:spPr/>
+        <p:txBody>
+          <a:bodyPr/>
+          <a:lstStyle/>
+          <a:p>
+            <a:endParaRPr lang="de-DE"/>
+          </a:p>
+        </p:txBody>
+      </p:sp>
+      <p:sp>
+        <p:nvSpPr>
+          <p:cNvPr id="6" name="Slide Number Placeholder 5"/>
+          <p:cNvSpPr>
+            <a:spLocks noGrp="1"/>
+          </p:cNvSpPr>
+          <p:nvPr>
+            <p:ph type="sldNum" sz="quarter" idx="12"/>
+          </p:nvPr>
+        </p:nvSpPr>
+        <p:spPr/>
+        <p:txBody>
+          <a:bodyPr/>
+          <a:lstStyle/>
+          <a:p>
+            <a:fld id="{8C8625AF-8EA7-45E9-B91C-921CE9E21B57}" type="slidenum">
+              <a:rPr lang="de-DE" smtClean="0"/>
+              <a:t>‹Nr.›</a:t>
+            </a:fld>
+            <a:endParaRPr lang="de-DE"/>
+          </a:p>
+        </p:txBody>
+      </p:sp>
+    </p:spTree>
+    <p:extLst>
+      <p:ext uri="{BB962C8B-B14F-4D97-AF65-F5344CB8AC3E}">
+        <p14:creationId xmlns:p14="http://schemas.microsoft.com/office/powerpoint/2010/main" val="3762329199"/>
+      </p:ext>
+    </p:extLst>
+  </p:cSld>
+  <p:clrMapOvr>
+    <a:masterClrMapping/>
+  </p:clrMapOvr>
+</p:sldLayout>
+</file>
+
+<file path=ppt/slideLayouts/slideLayout15.xml><?xml version="1.0" encoding="utf-8"?>
+<p:sldLayout xmlns:a="http://schemas.openxmlformats.org/drawingml/2006/main" xmlns:r="http://schemas.openxmlformats.org/officeDocument/2006/relationships" xmlns:p="http://schemas.openxmlformats.org/presentationml/2006/main" preserve="1">
+  <p:cSld name="3 Bildspalte">
+    <p:spTree>
+      <p:nvGrpSpPr>
+        <p:cNvPr id="1" name=""/>
+        <p:cNvGrpSpPr/>
+        <p:nvPr/>
+      </p:nvGrpSpPr>
+      <p:grpSpPr>
+        <a:xfrm>
+          <a:off x="0" y="0"/>
+          <a:ext cx="0" cy="0"/>
+          <a:chOff x="0" y="0"/>
+          <a:chExt cx="0" cy="0"/>
+        </a:xfrm>
+      </p:grpSpPr>
+      <p:sp>
+        <p:nvSpPr>
+          <p:cNvPr id="2" name="Title 1"/>
+          <p:cNvSpPr>
+            <a:spLocks noGrp="1"/>
+          </p:cNvSpPr>
+          <p:nvPr>
+            <p:ph type="title"/>
+          </p:nvPr>
+        </p:nvSpPr>
+        <p:spPr/>
+        <p:txBody>
+          <a:bodyPr/>
+          <a:lstStyle>
+            <a:lvl1pPr>
+              <a:defRPr sz="4200"/>
+            </a:lvl1pPr>
+          </a:lstStyle>
+          <a:p>
+            <a:r>
+              <a:rPr lang="de-DE" smtClean="0"/>
+              <a:t>Titelmasterformat durch Klicken bearbeiten</a:t>
+            </a:r>
+            <a:endParaRPr lang="en-US" dirty="0"/>
+          </a:p>
+        </p:txBody>
+      </p:sp>
+      <p:sp>
+        <p:nvSpPr>
+          <p:cNvPr id="3" name="Text Placeholder 2"/>
+          <p:cNvSpPr>
+            <a:spLocks noGrp="1"/>
+          </p:cNvSpPr>
+          <p:nvPr>
+            <p:ph type="body" idx="1"/>
+          </p:nvPr>
+        </p:nvSpPr>
+        <p:spPr>
+          <a:xfrm>
+            <a:off x="489475" y="4250949"/>
+            <a:ext cx="2205612" cy="576262"/>
+          </a:xfrm>
+        </p:spPr>
+        <p:txBody>
+          <a:bodyPr anchor="b">
+            <a:noAutofit/>
+          </a:bodyPr>
+          <a:lstStyle>
+            <a:lvl1pPr marL="0" indent="0">
+              <a:buNone/>
+              <a:defRPr sz="2400" b="0">
+                <a:solidFill>
+                  <a:schemeClr val="accent1"/>
+                </a:solidFill>
+              </a:defRPr>
+            </a:lvl1pPr>
+            <a:lvl2pPr marL="457200" indent="0">
+              <a:buNone/>
+              <a:defRPr sz="2000" b="1"/>
+            </a:lvl2pPr>
+            <a:lvl3pPr marL="914400" indent="0">
+              <a:buNone/>
+              <a:defRPr sz="1800" b="1"/>
+            </a:lvl3pPr>
+            <a:lvl4pPr marL="1371600" indent="0">
+              <a:buNone/>
+              <a:defRPr sz="1600" b="1"/>
+            </a:lvl4pPr>
+            <a:lvl5pPr marL="1828800" indent="0">
+              <a:buNone/>
+              <a:defRPr sz="1600" b="1"/>
+            </a:lvl5pPr>
+            <a:lvl6pPr marL="2286000" indent="0">
+              <a:buNone/>
+              <a:defRPr sz="1600" b="1"/>
+            </a:lvl6pPr>
+            <a:lvl7pPr marL="2743200" indent="0">
+              <a:buNone/>
+              <a:defRPr sz="1600" b="1"/>
+            </a:lvl7pPr>
+            <a:lvl8pPr marL="3200400" indent="0">
+              <a:buNone/>
+              <a:defRPr sz="1600" b="1"/>
+            </a:lvl8pPr>
+            <a:lvl9pPr marL="3657600" indent="0">
+              <a:buNone/>
+              <a:defRPr sz="1600" b="1"/>
+            </a:lvl9pPr>
+          </a:lstStyle>
+          <a:p>
+            <a:pPr lvl="0"/>
+            <a:r>
+              <a:rPr lang="de-DE" smtClean="0"/>
+              <a:t>Formatvorlagen des Textmasters bearbeiten</a:t>
+            </a:r>
+          </a:p>
+        </p:txBody>
+      </p:sp>
+      <p:sp>
+        <p:nvSpPr>
+          <p:cNvPr id="29" name="Picture Placeholder 2"/>
+          <p:cNvSpPr>
+            <a:spLocks noGrp="1" noChangeAspect="1"/>
+          </p:cNvSpPr>
+          <p:nvPr>
+            <p:ph type="pic" idx="15"/>
+          </p:nvPr>
+        </p:nvSpPr>
+        <p:spPr>
+          <a:xfrm>
+            <a:off x="489475" y="2209800"/>
+            <a:ext cx="2205612" cy="1524000"/>
+          </a:xfrm>
+          <a:prstGeom prst="roundRect">
+            <a:avLst>
+              <a:gd name="adj" fmla="val 1858"/>
+            </a:avLst>
+          </a:prstGeom>
+          <a:effectLst>
+            <a:outerShdw blurRad="50800" dist="50800" dir="5400000" algn="tl" rotWithShape="0">
+              <a:srgbClr val="000000">
+                <a:alpha val="43000"/>
+              </a:srgbClr>
+            </a:outerShdw>
+          </a:effectLst>
+        </p:spPr>
+        <p:txBody>
+          <a:bodyPr anchor="t">
+            <a:normAutofit/>
+          </a:bodyPr>
+          <a:lstStyle>
+            <a:lvl1pPr marL="0" indent="0" algn="ctr">
+              <a:buNone/>
+              <a:defRPr sz="1600"/>
+            </a:lvl1pPr>
+            <a:lvl2pPr marL="457200" indent="0">
+              <a:buNone/>
+              <a:defRPr sz="1600"/>
+            </a:lvl2pPr>
+            <a:lvl3pPr marL="914400" indent="0">
+              <a:buNone/>
+              <a:defRPr sz="1600"/>
+            </a:lvl3pPr>
+            <a:lvl4pPr marL="1371600" indent="0">
+              <a:buNone/>
+              <a:defRPr sz="1600"/>
+            </a:lvl4pPr>
+            <a:lvl5pPr marL="1828800" indent="0">
+              <a:buNone/>
+              <a:defRPr sz="1600"/>
+            </a:lvl5pPr>
+            <a:lvl6pPr marL="2286000" indent="0">
+              <a:buNone/>
+              <a:defRPr sz="1600"/>
+            </a:lvl6pPr>
+            <a:lvl7pPr marL="2743200" indent="0">
+              <a:buNone/>
+              <a:defRPr sz="1600"/>
+            </a:lvl7pPr>
+            <a:lvl8pPr marL="3200400" indent="0">
+              <a:buNone/>
+              <a:defRPr sz="1600"/>
+            </a:lvl8pPr>
+            <a:lvl9pPr marL="3657600" indent="0">
+              <a:buNone/>
+              <a:defRPr sz="1600"/>
+            </a:lvl9pPr>
+          </a:lstStyle>
+          <a:p>
+            <a:r>
+              <a:rPr lang="de-DE" smtClean="0"/>
+              <a:t>Bild durch Klicken auf Symbol hinzufügen</a:t>
+            </a:r>
+            <a:endParaRPr lang="en-US" dirty="0"/>
+          </a:p>
+        </p:txBody>
+      </p:sp>
+      <p:sp>
+        <p:nvSpPr>
+          <p:cNvPr id="22" name="Text Placeholder 3"/>
+          <p:cNvSpPr>
+            <a:spLocks noGrp="1"/>
+          </p:cNvSpPr>
+          <p:nvPr>
+            <p:ph type="body" sz="half" idx="18"/>
+          </p:nvPr>
+        </p:nvSpPr>
+        <p:spPr>
+          <a:xfrm>
+            <a:off x="489475" y="4827212"/>
+            <a:ext cx="2205612" cy="659189"/>
+          </a:xfrm>
+        </p:spPr>
+        <p:txBody>
+          <a:bodyPr anchor="t">
+            <a:normAutofit/>
+          </a:bodyPr>
+          <a:lstStyle>
+            <a:lvl1pPr marL="0" indent="0">
+              <a:buNone/>
+              <a:defRPr sz="1400"/>
+            </a:lvl1pPr>
+            <a:lvl2pPr marL="457200" indent="0">
+              <a:buNone/>
+              <a:defRPr sz="1200"/>
+            </a:lvl2pPr>
+            <a:lvl3pPr marL="914400" indent="0">
+              <a:buNone/>
+              <a:defRPr sz="1000"/>
+            </a:lvl3pPr>
+            <a:lvl4pPr marL="1371600" indent="0">
+              <a:buNone/>
+              <a:defRPr sz="900"/>
+            </a:lvl4pPr>
+            <a:lvl5pPr marL="1828800" indent="0">
+              <a:buNone/>
+              <a:defRPr sz="900"/>
+            </a:lvl5pPr>
+            <a:lvl6pPr marL="2286000" indent="0">
+              <a:buNone/>
+              <a:defRPr sz="900"/>
+            </a:lvl6pPr>
+            <a:lvl7pPr marL="2743200" indent="0">
+              <a:buNone/>
+              <a:defRPr sz="900"/>
+            </a:lvl7pPr>
+            <a:lvl8pPr marL="3200400" indent="0">
+              <a:buNone/>
+              <a:defRPr sz="900"/>
+            </a:lvl8pPr>
+            <a:lvl9pPr marL="3657600" indent="0">
+              <a:buNone/>
+              <a:defRPr sz="900"/>
+            </a:lvl9pPr>
+          </a:lstStyle>
+          <a:p>
+            <a:pPr lvl="0"/>
+            <a:r>
+              <a:rPr lang="de-DE" smtClean="0"/>
+              <a:t>Formatvorlagen des Textmasters bearbeiten</a:t>
+            </a:r>
+          </a:p>
+        </p:txBody>
+      </p:sp>
+      <p:sp>
+        <p:nvSpPr>
+          <p:cNvPr id="5" name="Text Placeholder 4"/>
+          <p:cNvSpPr>
+            <a:spLocks noGrp="1"/>
+          </p:cNvSpPr>
+          <p:nvPr>
+            <p:ph type="body" sz="quarter" idx="3"/>
+          </p:nvPr>
+        </p:nvSpPr>
+        <p:spPr>
+          <a:xfrm>
+            <a:off x="2917792" y="4250949"/>
+            <a:ext cx="2198466" cy="576262"/>
+          </a:xfrm>
+        </p:spPr>
+        <p:txBody>
+          <a:bodyPr anchor="b">
+            <a:noAutofit/>
+          </a:bodyPr>
+          <a:lstStyle>
+            <a:lvl1pPr marL="0" indent="0">
+              <a:buNone/>
+              <a:defRPr sz="2400" b="0">
+                <a:solidFill>
+                  <a:schemeClr val="accent1"/>
+                </a:solidFill>
+              </a:defRPr>
+            </a:lvl1pPr>
+            <a:lvl2pPr marL="457200" indent="0">
+              <a:buNone/>
+              <a:defRPr sz="2000" b="1"/>
+            </a:lvl2pPr>
+            <a:lvl3pPr marL="914400" indent="0">
+              <a:buNone/>
+              <a:defRPr sz="1800" b="1"/>
+            </a:lvl3pPr>
+            <a:lvl4pPr marL="1371600" indent="0">
+              <a:buNone/>
+              <a:defRPr sz="1600" b="1"/>
+            </a:lvl4pPr>
+            <a:lvl5pPr marL="1828800" indent="0">
+              <a:buNone/>
+              <a:defRPr sz="1600" b="1"/>
+            </a:lvl5pPr>
+            <a:lvl6pPr marL="2286000" indent="0">
+              <a:buNone/>
+              <a:defRPr sz="1600" b="1"/>
+            </a:lvl6pPr>
+            <a:lvl7pPr marL="2743200" indent="0">
+              <a:buNone/>
+              <a:defRPr sz="1600" b="1"/>
+            </a:lvl7pPr>
+            <a:lvl8pPr marL="3200400" indent="0">
+              <a:buNone/>
+              <a:defRPr sz="1600" b="1"/>
+            </a:lvl8pPr>
+            <a:lvl9pPr marL="3657600" indent="0">
+              <a:buNone/>
+              <a:defRPr sz="1600" b="1"/>
+            </a:lvl9pPr>
+          </a:lstStyle>
+          <a:p>
+            <a:pPr lvl="0"/>
+            <a:r>
+              <a:rPr lang="de-DE" smtClean="0"/>
+              <a:t>Formatvorlagen des Textmasters bearbeiten</a:t>
+            </a:r>
+          </a:p>
+        </p:txBody>
+      </p:sp>
+      <p:sp>
+        <p:nvSpPr>
+          <p:cNvPr id="30" name="Picture Placeholder 2"/>
+          <p:cNvSpPr>
+            <a:spLocks noGrp="1" noChangeAspect="1"/>
+          </p:cNvSpPr>
+          <p:nvPr>
+            <p:ph type="pic" idx="21"/>
+          </p:nvPr>
+        </p:nvSpPr>
+        <p:spPr>
+          <a:xfrm>
+            <a:off x="2917791" y="2209800"/>
+            <a:ext cx="2198466" cy="1524000"/>
+          </a:xfrm>
+          <a:prstGeom prst="roundRect">
+            <a:avLst>
+              <a:gd name="adj" fmla="val 1858"/>
+            </a:avLst>
+          </a:prstGeom>
+          <a:effectLst>
+            <a:outerShdw blurRad="50800" dist="50800" dir="5400000" algn="tl" rotWithShape="0">
+              <a:srgbClr val="000000">
+                <a:alpha val="43000"/>
+              </a:srgbClr>
+            </a:outerShdw>
+          </a:effectLst>
+        </p:spPr>
+        <p:txBody>
+          <a:bodyPr anchor="t">
+            <a:normAutofit/>
+          </a:bodyPr>
+          <a:lstStyle>
+            <a:lvl1pPr marL="0" indent="0" algn="ctr">
+              <a:buNone/>
+              <a:defRPr sz="1600"/>
+            </a:lvl1pPr>
+            <a:lvl2pPr marL="457200" indent="0">
+              <a:buNone/>
+              <a:defRPr sz="1600"/>
+            </a:lvl2pPr>
+            <a:lvl3pPr marL="914400" indent="0">
+              <a:buNone/>
+              <a:defRPr sz="1600"/>
+            </a:lvl3pPr>
+            <a:lvl4pPr marL="1371600" indent="0">
+              <a:buNone/>
+              <a:defRPr sz="1600"/>
+            </a:lvl4pPr>
+            <a:lvl5pPr marL="1828800" indent="0">
+              <a:buNone/>
+              <a:defRPr sz="1600"/>
+            </a:lvl5pPr>
+            <a:lvl6pPr marL="2286000" indent="0">
+              <a:buNone/>
+              <a:defRPr sz="1600"/>
+            </a:lvl6pPr>
+            <a:lvl7pPr marL="2743200" indent="0">
+              <a:buNone/>
+              <a:defRPr sz="1600"/>
+            </a:lvl7pPr>
+            <a:lvl8pPr marL="3200400" indent="0">
+              <a:buNone/>
+              <a:defRPr sz="1600"/>
+            </a:lvl8pPr>
+            <a:lvl9pPr marL="3657600" indent="0">
+              <a:buNone/>
+              <a:defRPr sz="1600"/>
+            </a:lvl9pPr>
+          </a:lstStyle>
+          <a:p>
+            <a:r>
+              <a:rPr lang="de-DE" smtClean="0"/>
+              <a:t>Bild durch Klicken auf Symbol hinzufügen</a:t>
+            </a:r>
+            <a:endParaRPr lang="en-US" dirty="0"/>
+          </a:p>
+        </p:txBody>
+      </p:sp>
+      <p:sp>
+        <p:nvSpPr>
+          <p:cNvPr id="23" name="Text Placeholder 3"/>
+          <p:cNvSpPr>
+            <a:spLocks noGrp="1"/>
+          </p:cNvSpPr>
+          <p:nvPr>
+            <p:ph type="body" sz="half" idx="19"/>
+          </p:nvPr>
+        </p:nvSpPr>
+        <p:spPr>
+          <a:xfrm>
+            <a:off x="2916776" y="4827211"/>
+            <a:ext cx="2201378" cy="659189"/>
+          </a:xfrm>
+        </p:spPr>
+        <p:txBody>
+          <a:bodyPr anchor="t">
+            <a:normAutofit/>
+          </a:bodyPr>
+          <a:lstStyle>
+            <a:lvl1pPr marL="0" indent="0">
+              <a:buNone/>
+              <a:defRPr sz="1400"/>
+            </a:lvl1pPr>
+            <a:lvl2pPr marL="457200" indent="0">
+              <a:buNone/>
+              <a:defRPr sz="1200"/>
+            </a:lvl2pPr>
+            <a:lvl3pPr marL="914400" indent="0">
+              <a:buNone/>
+              <a:defRPr sz="1000"/>
+            </a:lvl3pPr>
+            <a:lvl4pPr marL="1371600" indent="0">
+              <a:buNone/>
+              <a:defRPr sz="900"/>
+            </a:lvl4pPr>
+            <a:lvl5pPr marL="1828800" indent="0">
+              <a:buNone/>
+              <a:defRPr sz="900"/>
+            </a:lvl5pPr>
+            <a:lvl6pPr marL="2286000" indent="0">
+              <a:buNone/>
+              <a:defRPr sz="900"/>
+            </a:lvl6pPr>
+            <a:lvl7pPr marL="2743200" indent="0">
+              <a:buNone/>
+              <a:defRPr sz="900"/>
+            </a:lvl7pPr>
+            <a:lvl8pPr marL="3200400" indent="0">
+              <a:buNone/>
+              <a:defRPr sz="900"/>
+            </a:lvl8pPr>
+            <a:lvl9pPr marL="3657600" indent="0">
+              <a:buNone/>
+              <a:defRPr sz="900"/>
+            </a:lvl9pPr>
+          </a:lstStyle>
+          <a:p>
+            <a:pPr lvl="0"/>
+            <a:r>
+              <a:rPr lang="de-DE" smtClean="0"/>
+              <a:t>Formatvorlagen des Textmasters bearbeiten</a:t>
+            </a:r>
+          </a:p>
+        </p:txBody>
+      </p:sp>
+      <p:sp>
+        <p:nvSpPr>
+          <p:cNvPr id="14" name="Text Placeholder 4"/>
+          <p:cNvSpPr>
+            <a:spLocks noGrp="1"/>
+          </p:cNvSpPr>
+          <p:nvPr>
+            <p:ph type="body" sz="quarter" idx="13"/>
+          </p:nvPr>
+        </p:nvSpPr>
+        <p:spPr>
+          <a:xfrm>
+            <a:off x="5344917" y="4250949"/>
+            <a:ext cx="2199658" cy="576262"/>
+          </a:xfrm>
+        </p:spPr>
+        <p:txBody>
+          <a:bodyPr anchor="b">
+            <a:noAutofit/>
+          </a:bodyPr>
+          <a:lstStyle>
+            <a:lvl1pPr marL="0" indent="0">
+              <a:buNone/>
+              <a:defRPr sz="2400" b="0">
+                <a:solidFill>
+                  <a:schemeClr val="accent1"/>
+                </a:solidFill>
+              </a:defRPr>
+            </a:lvl1pPr>
+            <a:lvl2pPr marL="457200" indent="0">
+              <a:buNone/>
+              <a:defRPr sz="2000" b="1"/>
+            </a:lvl2pPr>
+            <a:lvl3pPr marL="914400" indent="0">
+              <a:buNone/>
+              <a:defRPr sz="1800" b="1"/>
+            </a:lvl3pPr>
+            <a:lvl4pPr marL="1371600" indent="0">
+              <a:buNone/>
+              <a:defRPr sz="1600" b="1"/>
+            </a:lvl4pPr>
+            <a:lvl5pPr marL="1828800" indent="0">
+              <a:buNone/>
+              <a:defRPr sz="1600" b="1"/>
+            </a:lvl5pPr>
+            <a:lvl6pPr marL="2286000" indent="0">
+              <a:buNone/>
+              <a:defRPr sz="1600" b="1"/>
+            </a:lvl6pPr>
+            <a:lvl7pPr marL="2743200" indent="0">
+              <a:buNone/>
+              <a:defRPr sz="1600" b="1"/>
+            </a:lvl7pPr>
+            <a:lvl8pPr marL="3200400" indent="0">
+              <a:buNone/>
+              <a:defRPr sz="1600" b="1"/>
+            </a:lvl8pPr>
+            <a:lvl9pPr marL="3657600" indent="0">
+              <a:buNone/>
+              <a:defRPr sz="1600" b="1"/>
+            </a:lvl9pPr>
+          </a:lstStyle>
+          <a:p>
+            <a:pPr lvl="0"/>
+            <a:r>
+              <a:rPr lang="de-DE" smtClean="0"/>
+              <a:t>Formatvorlagen des Textmasters bearbeiten</a:t>
+            </a:r>
+          </a:p>
+        </p:txBody>
+      </p:sp>
+      <p:sp>
+        <p:nvSpPr>
+          <p:cNvPr id="31" name="Picture Placeholder 2"/>
+          <p:cNvSpPr>
+            <a:spLocks noGrp="1" noChangeAspect="1"/>
+          </p:cNvSpPr>
+          <p:nvPr>
+            <p:ph type="pic" idx="22"/>
+          </p:nvPr>
+        </p:nvSpPr>
+        <p:spPr>
+          <a:xfrm>
+            <a:off x="5344916" y="2209800"/>
+            <a:ext cx="2199658" cy="1524000"/>
+          </a:xfrm>
+          <a:prstGeom prst="roundRect">
+            <a:avLst>
+              <a:gd name="adj" fmla="val 1858"/>
+            </a:avLst>
+          </a:prstGeom>
+          <a:effectLst>
+            <a:outerShdw blurRad="50800" dist="50800" dir="5400000" algn="tl" rotWithShape="0">
+              <a:srgbClr val="000000">
+                <a:alpha val="43000"/>
+              </a:srgbClr>
+            </a:outerShdw>
+          </a:effectLst>
+        </p:spPr>
+        <p:txBody>
+          <a:bodyPr anchor="t">
+            <a:normAutofit/>
+          </a:bodyPr>
+          <a:lstStyle>
+            <a:lvl1pPr marL="0" indent="0" algn="ctr">
+              <a:buNone/>
+              <a:defRPr sz="1600"/>
+            </a:lvl1pPr>
+            <a:lvl2pPr marL="457200" indent="0">
+              <a:buNone/>
+              <a:defRPr sz="1600"/>
+            </a:lvl2pPr>
+            <a:lvl3pPr marL="914400" indent="0">
+              <a:buNone/>
+              <a:defRPr sz="1600"/>
+            </a:lvl3pPr>
+            <a:lvl4pPr marL="1371600" indent="0">
+              <a:buNone/>
+              <a:defRPr sz="1600"/>
+            </a:lvl4pPr>
+            <a:lvl5pPr marL="1828800" indent="0">
+              <a:buNone/>
+              <a:defRPr sz="1600"/>
+            </a:lvl5pPr>
+            <a:lvl6pPr marL="2286000" indent="0">
+              <a:buNone/>
+              <a:defRPr sz="1600"/>
+            </a:lvl6pPr>
+            <a:lvl7pPr marL="2743200" indent="0">
+              <a:buNone/>
+              <a:defRPr sz="1600"/>
+            </a:lvl7pPr>
+            <a:lvl8pPr marL="3200400" indent="0">
+              <a:buNone/>
+              <a:defRPr sz="1600"/>
+            </a:lvl8pPr>
+            <a:lvl9pPr marL="3657600" indent="0">
+              <a:buNone/>
+              <a:defRPr sz="1600"/>
+            </a:lvl9pPr>
+          </a:lstStyle>
+          <a:p>
+            <a:r>
+              <a:rPr lang="de-DE" smtClean="0"/>
+              <a:t>Bild durch Klicken auf Symbol hinzufügen</a:t>
+            </a:r>
+            <a:endParaRPr lang="en-US" dirty="0"/>
+          </a:p>
+        </p:txBody>
+      </p:sp>
+      <p:sp>
+        <p:nvSpPr>
+          <p:cNvPr id="24" name="Text Placeholder 3"/>
+          <p:cNvSpPr>
+            <a:spLocks noGrp="1"/>
+          </p:cNvSpPr>
+          <p:nvPr>
+            <p:ph type="body" sz="half" idx="20"/>
+          </p:nvPr>
+        </p:nvSpPr>
+        <p:spPr>
+          <a:xfrm>
+            <a:off x="5344824" y="4827209"/>
+            <a:ext cx="2202571" cy="659189"/>
+          </a:xfrm>
+        </p:spPr>
+        <p:txBody>
+          <a:bodyPr anchor="t">
+            <a:normAutofit/>
+          </a:bodyPr>
+          <a:lstStyle>
+            <a:lvl1pPr marL="0" indent="0">
+              <a:buNone/>
+              <a:defRPr sz="1400"/>
+            </a:lvl1pPr>
+            <a:lvl2pPr marL="457200" indent="0">
+              <a:buNone/>
+              <a:defRPr sz="1200"/>
+            </a:lvl2pPr>
+            <a:lvl3pPr marL="914400" indent="0">
+              <a:buNone/>
+              <a:defRPr sz="1000"/>
+            </a:lvl3pPr>
+            <a:lvl4pPr marL="1371600" indent="0">
+              <a:buNone/>
+              <a:defRPr sz="900"/>
+            </a:lvl4pPr>
+            <a:lvl5pPr marL="1828800" indent="0">
+              <a:buNone/>
+              <a:defRPr sz="900"/>
+            </a:lvl5pPr>
+            <a:lvl6pPr marL="2286000" indent="0">
+              <a:buNone/>
+              <a:defRPr sz="900"/>
+            </a:lvl6pPr>
+            <a:lvl7pPr marL="2743200" indent="0">
+              <a:buNone/>
+              <a:defRPr sz="900"/>
+            </a:lvl7pPr>
+            <a:lvl8pPr marL="3200400" indent="0">
+              <a:buNone/>
+              <a:defRPr sz="900"/>
+            </a:lvl8pPr>
+            <a:lvl9pPr marL="3657600" indent="0">
+              <a:buNone/>
+              <a:defRPr sz="900"/>
+            </a:lvl9pPr>
+          </a:lstStyle>
+          <a:p>
+            <a:pPr lvl="0"/>
+            <a:r>
+              <a:rPr lang="de-DE" smtClean="0"/>
+              <a:t>Formatvorlagen des Textmasters bearbeiten</a:t>
+            </a:r>
+          </a:p>
+        </p:txBody>
+      </p:sp>
+      <p:cxnSp>
+        <p:nvCxnSpPr>
+          <p:cNvPr id="17" name="Straight Connector 16"/>
+          <p:cNvCxnSpPr/>
+          <p:nvPr/>
+        </p:nvCxnSpPr>
+        <p:spPr>
+          <a:xfrm>
+            <a:off x="2795334" y="2133600"/>
+            <a:ext cx="0" cy="3962400"/>
+          </a:xfrm>
+          <a:prstGeom prst="line">
+            <a:avLst/>
+          </a:prstGeom>
+          <a:ln w="12700" cmpd="sng">
+            <a:solidFill>
+              <a:schemeClr val="accent1">
+                <a:alpha val="40000"/>
+              </a:schemeClr>
+            </a:solidFill>
+          </a:ln>
+        </p:spPr>
+        <p:style>
+          <a:lnRef idx="2">
+            <a:schemeClr val="accent1"/>
+          </a:lnRef>
+          <a:fillRef idx="0">
+            <a:schemeClr val="accent1"/>
+          </a:fillRef>
+          <a:effectRef idx="1">
+            <a:schemeClr val="accent1"/>
+          </a:effectRef>
+          <a:fontRef idx="minor">
+            <a:schemeClr val="tx1"/>
+          </a:fontRef>
+        </p:style>
+      </p:cxnSp>
+      <p:cxnSp>
+        <p:nvCxnSpPr>
+          <p:cNvPr id="18" name="Straight Connector 17"/>
+          <p:cNvCxnSpPr/>
+          <p:nvPr/>
+        </p:nvCxnSpPr>
+        <p:spPr>
+          <a:xfrm>
+            <a:off x="5223030" y="2133600"/>
+            <a:ext cx="0" cy="3966882"/>
+          </a:xfrm>
+          <a:prstGeom prst="line">
+            <a:avLst/>
+          </a:prstGeom>
+          <a:ln w="12700" cmpd="sng">
+            <a:solidFill>
+              <a:schemeClr val="accent1">
+                <a:alpha val="40000"/>
+              </a:schemeClr>
+            </a:solidFill>
+          </a:ln>
+        </p:spPr>
+        <p:style>
+          <a:lnRef idx="2">
+            <a:schemeClr val="accent1"/>
+          </a:lnRef>
+          <a:fillRef idx="0">
+            <a:schemeClr val="accent1"/>
+          </a:fillRef>
+          <a:effectRef idx="1">
+            <a:schemeClr val="accent1"/>
+          </a:effectRef>
+          <a:fontRef idx="minor">
+            <a:schemeClr val="tx1"/>
+          </a:fontRef>
+        </p:style>
+      </p:cxnSp>
+      <p:sp>
+        <p:nvSpPr>
+          <p:cNvPr id="7" name="Date Placeholder 3"/>
+          <p:cNvSpPr>
+            <a:spLocks noGrp="1"/>
+          </p:cNvSpPr>
+          <p:nvPr>
+            <p:ph type="dt" sz="half" idx="10"/>
+          </p:nvPr>
+        </p:nvSpPr>
+        <p:spPr/>
+        <p:txBody>
+          <a:bodyPr/>
+          <a:lstStyle/>
+          <a:p>
+            <a:fld id="{6BBDE0CE-4CFD-4B43-9818-2D49E9011334}" type="datetimeFigureOut">
+              <a:rPr lang="de-DE" smtClean="0"/>
+              <a:t>11.06.2018</a:t>
+            </a:fld>
+            <a:endParaRPr lang="de-DE"/>
+          </a:p>
+        </p:txBody>
+      </p:sp>
+      <p:sp>
+        <p:nvSpPr>
+          <p:cNvPr id="4" name="Footer Placeholder 4"/>
+          <p:cNvSpPr>
+            <a:spLocks noGrp="1"/>
+          </p:cNvSpPr>
+          <p:nvPr>
+            <p:ph type="ftr" sz="quarter" idx="11"/>
+          </p:nvPr>
+        </p:nvSpPr>
+        <p:spPr/>
+        <p:txBody>
+          <a:bodyPr/>
+          <a:lstStyle/>
+          <a:p>
+            <a:endParaRPr lang="de-DE"/>
+          </a:p>
+        </p:txBody>
+      </p:sp>
+      <p:sp>
+        <p:nvSpPr>
+          <p:cNvPr id="6" name="Slide Number Placeholder 5"/>
+          <p:cNvSpPr>
+            <a:spLocks noGrp="1"/>
+          </p:cNvSpPr>
+          <p:nvPr>
+            <p:ph type="sldNum" sz="quarter" idx="12"/>
+          </p:nvPr>
+        </p:nvSpPr>
+        <p:spPr/>
+        <p:txBody>
+          <a:bodyPr/>
+          <a:lstStyle/>
+          <a:p>
+            <a:fld id="{8C8625AF-8EA7-45E9-B91C-921CE9E21B57}" type="slidenum">
+              <a:rPr lang="de-DE" smtClean="0"/>
+              <a:t>‹Nr.›</a:t>
+            </a:fld>
+            <a:endParaRPr lang="de-DE"/>
+          </a:p>
+        </p:txBody>
+      </p:sp>
+    </p:spTree>
+    <p:extLst>
+      <p:ext uri="{BB962C8B-B14F-4D97-AF65-F5344CB8AC3E}">
+        <p14:creationId xmlns:p14="http://schemas.microsoft.com/office/powerpoint/2010/main" val="3434959243"/>
+      </p:ext>
+    </p:extLst>
+  </p:cSld>
+  <p:clrMapOvr>
+    <a:masterClrMapping/>
+  </p:clrMapOvr>
+</p:sldLayout>
+</file>
+
+<file path=ppt/slideLayouts/slideLayout16.xml><?xml version="1.0" encoding="utf-8"?>
 <p:sldLayout xmlns:a="http://schemas.openxmlformats.org/drawingml/2006/main" xmlns:r="http://schemas.openxmlformats.org/officeDocument/2006/relationships" xmlns:p="http://schemas.openxmlformats.org/presentationml/2006/main" type="vertTx" preserve="1">
   <p:cSld name="Titel und vertikaler Text">
     <p:spTree>
@@ -951,7 +3497,7 @@
       </p:grpSpPr>
       <p:sp>
         <p:nvSpPr>
-          <p:cNvPr id="2" name="Titel 1"/>
+          <p:cNvPr id="2" name="Title 1"/>
           <p:cNvSpPr>
             <a:spLocks noGrp="1"/>
           </p:cNvSpPr>
@@ -968,13 +3514,13 @@
               <a:rPr lang="de-DE" smtClean="0"/>
               <a:t>Titelmasterformat durch Klicken bearbeiten</a:t>
             </a:r>
-            <a:endParaRPr lang="de-DE"/>
-          </a:p>
-        </p:txBody>
-      </p:sp>
-      <p:sp>
-        <p:nvSpPr>
-          <p:cNvPr id="3" name="Vertikaler Textplatzhalter 2"/>
+            <a:endParaRPr lang="en-US" dirty="0"/>
+          </a:p>
+        </p:txBody>
+      </p:sp>
+      <p:sp>
+        <p:nvSpPr>
+          <p:cNvPr id="3" name="Vertical Text Placeholder 2"/>
           <p:cNvSpPr>
             <a:spLocks noGrp="1"/>
           </p:cNvSpPr>
@@ -984,13 +3530,13 @@
         </p:nvSpPr>
         <p:spPr/>
         <p:txBody>
-          <a:bodyPr vert="eaVert"/>
+          <a:bodyPr vert="eaVert" anchor="t" anchorCtr="0"/>
           <a:lstStyle/>
           <a:p>
             <a:pPr lvl="0"/>
             <a:r>
               <a:rPr lang="de-DE" smtClean="0"/>
-              <a:t>Textmasterformat bearbeiten</a:t>
+              <a:t>Formatvorlagen des Textmasters bearbeiten</a:t>
             </a:r>
           </a:p>
           <a:p>
@@ -1020,13 +3566,13 @@
               <a:rPr lang="de-DE" smtClean="0"/>
               <a:t>Fünfte Ebene</a:t>
             </a:r>
-            <a:endParaRPr lang="de-DE"/>
-          </a:p>
-        </p:txBody>
-      </p:sp>
-      <p:sp>
-        <p:nvSpPr>
-          <p:cNvPr id="4" name="Datumsplatzhalter 3"/>
+            <a:endParaRPr lang="en-US" dirty="0"/>
+          </a:p>
+        </p:txBody>
+      </p:sp>
+      <p:sp>
+        <p:nvSpPr>
+          <p:cNvPr id="4" name="Date Placeholder 3"/>
           <p:cNvSpPr>
             <a:spLocks noGrp="1"/>
           </p:cNvSpPr>
@@ -1041,7 +3587,7 @@
           <a:p>
             <a:fld id="{6BBDE0CE-4CFD-4B43-9818-2D49E9011334}" type="datetimeFigureOut">
               <a:rPr lang="de-DE" smtClean="0"/>
-              <a:t>05.06.2018</a:t>
+              <a:t>11.06.2018</a:t>
             </a:fld>
             <a:endParaRPr lang="de-DE"/>
           </a:p>
@@ -1049,7 +3595,7 @@
       </p:sp>
       <p:sp>
         <p:nvSpPr>
-          <p:cNvPr id="5" name="Fußzeilenplatzhalter 4"/>
+          <p:cNvPr id="5" name="Footer Placeholder 4"/>
           <p:cNvSpPr>
             <a:spLocks noGrp="1"/>
           </p:cNvSpPr>
@@ -1068,7 +3614,7 @@
       </p:sp>
       <p:sp>
         <p:nvSpPr>
-          <p:cNvPr id="6" name="Foliennummernplatzhalter 5"/>
+          <p:cNvPr id="6" name="Slide Number Placeholder 5"/>
           <p:cNvSpPr>
             <a:spLocks noGrp="1"/>
           </p:cNvSpPr>
@@ -1092,7 +3638,7 @@
     </p:spTree>
     <p:extLst>
       <p:ext uri="{BB962C8B-B14F-4D97-AF65-F5344CB8AC3E}">
-        <p14:creationId xmlns:p14="http://schemas.microsoft.com/office/powerpoint/2010/main" val="3073456897"/>
+        <p14:creationId xmlns:p14="http://schemas.microsoft.com/office/powerpoint/2010/main" val="3661715349"/>
       </p:ext>
     </p:extLst>
   </p:cSld>
@@ -1102,7 +3648,7 @@
 </p:sldLayout>
 </file>
 
-<file path=ppt/slideLayouts/slideLayout11.xml><?xml version="1.0" encoding="utf-8"?>
+<file path=ppt/slideLayouts/slideLayout17.xml><?xml version="1.0" encoding="utf-8"?>
 <p:sldLayout xmlns:a="http://schemas.openxmlformats.org/drawingml/2006/main" xmlns:r="http://schemas.openxmlformats.org/officeDocument/2006/relationships" xmlns:p="http://schemas.openxmlformats.org/presentationml/2006/main" type="vertTitleAndTx" preserve="1">
   <p:cSld name="Vertikaler Titel und Text">
     <p:spTree>
@@ -1121,7 +3667,7 @@
       </p:grpSpPr>
       <p:sp>
         <p:nvSpPr>
-          <p:cNvPr id="2" name="Vertikaler Titel 1"/>
+          <p:cNvPr id="2" name="Vertical Title 1"/>
           <p:cNvSpPr>
             <a:spLocks noGrp="1"/>
           </p:cNvSpPr>
@@ -1131,25 +3677,25 @@
         </p:nvSpPr>
         <p:spPr>
           <a:xfrm>
-            <a:off x="6629400" y="274638"/>
-            <a:ext cx="2057400" cy="5851525"/>
+            <a:off x="6229782" y="430214"/>
+            <a:ext cx="1314793" cy="5826125"/>
           </a:xfrm>
         </p:spPr>
         <p:txBody>
-          <a:bodyPr vert="eaVert"/>
+          <a:bodyPr vert="eaVert" anchor="b" anchorCtr="0"/>
           <a:lstStyle/>
           <a:p>
             <a:r>
               <a:rPr lang="de-DE" smtClean="0"/>
               <a:t>Titelmasterformat durch Klicken bearbeiten</a:t>
             </a:r>
-            <a:endParaRPr lang="de-DE"/>
-          </a:p>
-        </p:txBody>
-      </p:sp>
-      <p:sp>
-        <p:nvSpPr>
-          <p:cNvPr id="3" name="Vertikaler Textplatzhalter 2"/>
+            <a:endParaRPr lang="en-US" dirty="0"/>
+          </a:p>
+        </p:txBody>
+      </p:sp>
+      <p:sp>
+        <p:nvSpPr>
+          <p:cNvPr id="3" name="Vertical Text Placeholder 2"/>
           <p:cNvSpPr>
             <a:spLocks noGrp="1"/>
           </p:cNvSpPr>
@@ -1159,8 +3705,8 @@
         </p:nvSpPr>
         <p:spPr>
           <a:xfrm>
-            <a:off x="457200" y="274638"/>
-            <a:ext cx="6019800" cy="5851525"/>
+            <a:off x="489475" y="773205"/>
+            <a:ext cx="5568812" cy="5483134"/>
           </a:xfrm>
         </p:spPr>
         <p:txBody>
@@ -1170,7 +3716,7 @@
             <a:pPr lvl="0"/>
             <a:r>
               <a:rPr lang="de-DE" smtClean="0"/>
-              <a:t>Textmasterformat bearbeiten</a:t>
+              <a:t>Formatvorlagen des Textmasters bearbeiten</a:t>
             </a:r>
           </a:p>
           <a:p>
@@ -1200,13 +3746,13 @@
               <a:rPr lang="de-DE" smtClean="0"/>
               <a:t>Fünfte Ebene</a:t>
             </a:r>
-            <a:endParaRPr lang="de-DE"/>
-          </a:p>
-        </p:txBody>
-      </p:sp>
-      <p:sp>
-        <p:nvSpPr>
-          <p:cNvPr id="4" name="Datumsplatzhalter 3"/>
+            <a:endParaRPr lang="en-US" dirty="0"/>
+          </a:p>
+        </p:txBody>
+      </p:sp>
+      <p:sp>
+        <p:nvSpPr>
+          <p:cNvPr id="4" name="Date Placeholder 3"/>
           <p:cNvSpPr>
             <a:spLocks noGrp="1"/>
           </p:cNvSpPr>
@@ -1221,7 +3767,7 @@
           <a:p>
             <a:fld id="{6BBDE0CE-4CFD-4B43-9818-2D49E9011334}" type="datetimeFigureOut">
               <a:rPr lang="de-DE" smtClean="0"/>
-              <a:t>05.06.2018</a:t>
+              <a:t>11.06.2018</a:t>
             </a:fld>
             <a:endParaRPr lang="de-DE"/>
           </a:p>
@@ -1229,7 +3775,7 @@
       </p:sp>
       <p:sp>
         <p:nvSpPr>
-          <p:cNvPr id="5" name="Fußzeilenplatzhalter 4"/>
+          <p:cNvPr id="5" name="Footer Placeholder 4"/>
           <p:cNvSpPr>
             <a:spLocks noGrp="1"/>
           </p:cNvSpPr>
@@ -1248,7 +3794,7 @@
       </p:sp>
       <p:sp>
         <p:nvSpPr>
-          <p:cNvPr id="6" name="Foliennummernplatzhalter 5"/>
+          <p:cNvPr id="6" name="Slide Number Placeholder 5"/>
           <p:cNvSpPr>
             <a:spLocks noGrp="1"/>
           </p:cNvSpPr>
@@ -1272,7 +3818,7 @@
     </p:spTree>
     <p:extLst>
       <p:ext uri="{BB962C8B-B14F-4D97-AF65-F5344CB8AC3E}">
-        <p14:creationId xmlns:p14="http://schemas.microsoft.com/office/powerpoint/2010/main" val="1751277985"/>
+        <p14:creationId xmlns:p14="http://schemas.microsoft.com/office/powerpoint/2010/main" val="1085782629"/>
       </p:ext>
     </p:extLst>
   </p:cSld>
@@ -1301,7 +3847,7 @@
       </p:grpSpPr>
       <p:sp>
         <p:nvSpPr>
-          <p:cNvPr id="2" name="Titel 1"/>
+          <p:cNvPr id="2" name="Title 1"/>
           <p:cNvSpPr>
             <a:spLocks noGrp="1"/>
           </p:cNvSpPr>
@@ -1318,13 +3864,13 @@
               <a:rPr lang="de-DE" smtClean="0"/>
               <a:t>Titelmasterformat durch Klicken bearbeiten</a:t>
             </a:r>
-            <a:endParaRPr lang="de-DE"/>
-          </a:p>
-        </p:txBody>
-      </p:sp>
-      <p:sp>
-        <p:nvSpPr>
-          <p:cNvPr id="3" name="Inhaltsplatzhalter 2"/>
+            <a:endParaRPr lang="en-US" dirty="0"/>
+          </a:p>
+        </p:txBody>
+      </p:sp>
+      <p:sp>
+        <p:nvSpPr>
+          <p:cNvPr id="3" name="Content Placeholder 2"/>
           <p:cNvSpPr>
             <a:spLocks noGrp="1"/>
           </p:cNvSpPr>
@@ -1340,7 +3886,7 @@
             <a:pPr lvl="0"/>
             <a:r>
               <a:rPr lang="de-DE" smtClean="0"/>
-              <a:t>Textmasterformat bearbeiten</a:t>
+              <a:t>Formatvorlagen des Textmasters bearbeiten</a:t>
             </a:r>
           </a:p>
           <a:p>
@@ -1370,13 +3916,13 @@
               <a:rPr lang="de-DE" smtClean="0"/>
               <a:t>Fünfte Ebene</a:t>
             </a:r>
-            <a:endParaRPr lang="de-DE"/>
-          </a:p>
-        </p:txBody>
-      </p:sp>
-      <p:sp>
-        <p:nvSpPr>
-          <p:cNvPr id="4" name="Datumsplatzhalter 3"/>
+            <a:endParaRPr lang="en-US" dirty="0"/>
+          </a:p>
+        </p:txBody>
+      </p:sp>
+      <p:sp>
+        <p:nvSpPr>
+          <p:cNvPr id="4" name="Date Placeholder 3"/>
           <p:cNvSpPr>
             <a:spLocks noGrp="1"/>
           </p:cNvSpPr>
@@ -1391,7 +3937,7 @@
           <a:p>
             <a:fld id="{6BBDE0CE-4CFD-4B43-9818-2D49E9011334}" type="datetimeFigureOut">
               <a:rPr lang="de-DE" smtClean="0"/>
-              <a:t>05.06.2018</a:t>
+              <a:t>11.06.2018</a:t>
             </a:fld>
             <a:endParaRPr lang="de-DE"/>
           </a:p>
@@ -1399,7 +3945,7 @@
       </p:sp>
       <p:sp>
         <p:nvSpPr>
-          <p:cNvPr id="5" name="Fußzeilenplatzhalter 4"/>
+          <p:cNvPr id="5" name="Footer Placeholder 4"/>
           <p:cNvSpPr>
             <a:spLocks noGrp="1"/>
           </p:cNvSpPr>
@@ -1418,7 +3964,7 @@
       </p:sp>
       <p:sp>
         <p:nvSpPr>
-          <p:cNvPr id="6" name="Foliennummernplatzhalter 5"/>
+          <p:cNvPr id="6" name="Slide Number Placeholder 5"/>
           <p:cNvSpPr>
             <a:spLocks noGrp="1"/>
           </p:cNvSpPr>
@@ -1442,7 +3988,7 @@
     </p:spTree>
     <p:extLst>
       <p:ext uri="{BB962C8B-B14F-4D97-AF65-F5344CB8AC3E}">
-        <p14:creationId xmlns:p14="http://schemas.microsoft.com/office/powerpoint/2010/main" val="2524732016"/>
+        <p14:creationId xmlns:p14="http://schemas.microsoft.com/office/powerpoint/2010/main" val="334191386"/>
       </p:ext>
     </p:extLst>
   </p:cSld>
@@ -1471,7 +4017,7 @@
       </p:grpSpPr>
       <p:sp>
         <p:nvSpPr>
-          <p:cNvPr id="2" name="Titel 1"/>
+          <p:cNvPr id="2" name="Title 1"/>
           <p:cNvSpPr>
             <a:spLocks noGrp="1"/>
           </p:cNvSpPr>
@@ -1481,52 +4027,50 @@
         </p:nvSpPr>
         <p:spPr>
           <a:xfrm>
-            <a:off x="722313" y="4406900"/>
-            <a:ext cx="7772400" cy="1362075"/>
+            <a:off x="866443" y="2861734"/>
+            <a:ext cx="6620967" cy="1915647"/>
           </a:xfrm>
         </p:spPr>
         <p:txBody>
+          <a:bodyPr anchor="b"/>
+          <a:lstStyle>
+            <a:lvl1pPr algn="l">
+              <a:defRPr sz="4000" b="0" cap="none"/>
+            </a:lvl1pPr>
+          </a:lstStyle>
+          <a:p>
+            <a:r>
+              <a:rPr lang="de-DE" smtClean="0"/>
+              <a:t>Titelmasterformat durch Klicken bearbeiten</a:t>
+            </a:r>
+            <a:endParaRPr lang="en-US" dirty="0"/>
+          </a:p>
+        </p:txBody>
+      </p:sp>
+      <p:sp>
+        <p:nvSpPr>
+          <p:cNvPr id="3" name="Text Placeholder 2"/>
+          <p:cNvSpPr>
+            <a:spLocks noGrp="1"/>
+          </p:cNvSpPr>
+          <p:nvPr>
+            <p:ph type="body" idx="1"/>
+          </p:nvPr>
+        </p:nvSpPr>
+        <p:spPr>
+          <a:xfrm>
+            <a:off x="866442" y="4777381"/>
+            <a:ext cx="6620968" cy="860400"/>
+          </a:xfrm>
+        </p:spPr>
+        <p:txBody>
           <a:bodyPr anchor="t"/>
           <a:lstStyle>
-            <a:lvl1pPr algn="l">
-              <a:defRPr sz="4000" b="1" cap="all"/>
-            </a:lvl1pPr>
-          </a:lstStyle>
-          <a:p>
-            <a:r>
-              <a:rPr lang="de-DE" smtClean="0"/>
-              <a:t>Titelmasterformat durch Klicken bearbeiten</a:t>
-            </a:r>
-            <a:endParaRPr lang="de-DE"/>
-          </a:p>
-        </p:txBody>
-      </p:sp>
-      <p:sp>
-        <p:nvSpPr>
-          <p:cNvPr id="3" name="Textplatzhalter 2"/>
-          <p:cNvSpPr>
-            <a:spLocks noGrp="1"/>
-          </p:cNvSpPr>
-          <p:nvPr>
-            <p:ph type="body" idx="1"/>
-          </p:nvPr>
-        </p:nvSpPr>
-        <p:spPr>
-          <a:xfrm>
-            <a:off x="722313" y="2906713"/>
-            <a:ext cx="7772400" cy="1500187"/>
-          </a:xfrm>
-        </p:spPr>
-        <p:txBody>
-          <a:bodyPr anchor="b"/>
-          <a:lstStyle>
-            <a:lvl1pPr marL="0" indent="0">
-              <a:buNone/>
-              <a:defRPr sz="2000">
+            <a:lvl1pPr marL="0" indent="0" algn="l">
+              <a:buNone/>
+              <a:defRPr sz="2000" cap="all">
                 <a:solidFill>
-                  <a:schemeClr val="tx1">
-                    <a:tint val="75000"/>
-                  </a:schemeClr>
+                  <a:schemeClr val="accent1"/>
                 </a:solidFill>
               </a:defRPr>
             </a:lvl1pPr>
@@ -1615,14 +4159,14 @@
             <a:pPr lvl="0"/>
             <a:r>
               <a:rPr lang="de-DE" smtClean="0"/>
-              <a:t>Textmasterformat bearbeiten</a:t>
-            </a:r>
-          </a:p>
-        </p:txBody>
-      </p:sp>
-      <p:sp>
-        <p:nvSpPr>
-          <p:cNvPr id="4" name="Datumsplatzhalter 3"/>
+              <a:t>Formatvorlagen des Textmasters bearbeiten</a:t>
+            </a:r>
+          </a:p>
+        </p:txBody>
+      </p:sp>
+      <p:sp>
+        <p:nvSpPr>
+          <p:cNvPr id="4" name="Date Placeholder 3"/>
           <p:cNvSpPr>
             <a:spLocks noGrp="1"/>
           </p:cNvSpPr>
@@ -1637,7 +4181,7 @@
           <a:p>
             <a:fld id="{6BBDE0CE-4CFD-4B43-9818-2D49E9011334}" type="datetimeFigureOut">
               <a:rPr lang="de-DE" smtClean="0"/>
-              <a:t>05.06.2018</a:t>
+              <a:t>11.06.2018</a:t>
             </a:fld>
             <a:endParaRPr lang="de-DE"/>
           </a:p>
@@ -1645,7 +4189,7 @@
       </p:sp>
       <p:sp>
         <p:nvSpPr>
-          <p:cNvPr id="5" name="Fußzeilenplatzhalter 4"/>
+          <p:cNvPr id="5" name="Footer Placeholder 4"/>
           <p:cNvSpPr>
             <a:spLocks noGrp="1"/>
           </p:cNvSpPr>
@@ -1664,7 +4208,7 @@
       </p:sp>
       <p:sp>
         <p:nvSpPr>
-          <p:cNvPr id="6" name="Foliennummernplatzhalter 5"/>
+          <p:cNvPr id="6" name="Slide Number Placeholder 5"/>
           <p:cNvSpPr>
             <a:spLocks noGrp="1"/>
           </p:cNvSpPr>
@@ -1688,7 +4232,7 @@
     </p:spTree>
     <p:extLst>
       <p:ext uri="{BB962C8B-B14F-4D97-AF65-F5344CB8AC3E}">
-        <p14:creationId xmlns:p14="http://schemas.microsoft.com/office/powerpoint/2010/main" val="3407624427"/>
+        <p14:creationId xmlns:p14="http://schemas.microsoft.com/office/powerpoint/2010/main" val="2188737535"/>
       </p:ext>
     </p:extLst>
   </p:cSld>
@@ -1717,7 +4261,7 @@
       </p:grpSpPr>
       <p:sp>
         <p:nvSpPr>
-          <p:cNvPr id="2" name="Titel 1"/>
+          <p:cNvPr id="2" name="Title 1"/>
           <p:cNvSpPr>
             <a:spLocks noGrp="1"/>
           </p:cNvSpPr>
@@ -1734,13 +4278,13 @@
               <a:rPr lang="de-DE" smtClean="0"/>
               <a:t>Titelmasterformat durch Klicken bearbeiten</a:t>
             </a:r>
-            <a:endParaRPr lang="de-DE"/>
-          </a:p>
-        </p:txBody>
-      </p:sp>
-      <p:sp>
-        <p:nvSpPr>
-          <p:cNvPr id="3" name="Inhaltsplatzhalter 2"/>
+            <a:endParaRPr lang="en-US" dirty="0"/>
+          </a:p>
+        </p:txBody>
+      </p:sp>
+      <p:sp>
+        <p:nvSpPr>
+          <p:cNvPr id="3" name="Content Placeholder 2"/>
           <p:cNvSpPr>
             <a:spLocks noGrp="1"/>
           </p:cNvSpPr>
@@ -1750,46 +4294,48 @@
         </p:nvSpPr>
         <p:spPr>
           <a:xfrm>
-            <a:off x="457200" y="1600200"/>
-            <a:ext cx="4038600" cy="4525963"/>
+            <a:off x="827700" y="2060576"/>
+            <a:ext cx="3298113" cy="4195763"/>
           </a:xfrm>
         </p:spPr>
         <p:txBody>
-          <a:bodyPr/>
+          <a:bodyPr>
+            <a:normAutofit/>
+          </a:bodyPr>
           <a:lstStyle>
             <a:lvl1pPr>
-              <a:defRPr sz="2800"/>
+              <a:defRPr sz="1800"/>
             </a:lvl1pPr>
             <a:lvl2pPr>
-              <a:defRPr sz="2400"/>
+              <a:defRPr sz="1600"/>
             </a:lvl2pPr>
             <a:lvl3pPr>
-              <a:defRPr sz="2000"/>
+              <a:defRPr sz="1400"/>
             </a:lvl3pPr>
             <a:lvl4pPr>
-              <a:defRPr sz="1800"/>
+              <a:defRPr sz="1200"/>
             </a:lvl4pPr>
             <a:lvl5pPr>
-              <a:defRPr sz="1800"/>
+              <a:defRPr sz="1200"/>
             </a:lvl5pPr>
             <a:lvl6pPr>
-              <a:defRPr sz="1800"/>
+              <a:defRPr sz="1200"/>
             </a:lvl6pPr>
             <a:lvl7pPr>
-              <a:defRPr sz="1800"/>
+              <a:defRPr sz="1200"/>
             </a:lvl7pPr>
             <a:lvl8pPr>
-              <a:defRPr sz="1800"/>
+              <a:defRPr sz="1200"/>
             </a:lvl8pPr>
             <a:lvl9pPr>
-              <a:defRPr sz="1800"/>
+              <a:defRPr sz="1200"/>
             </a:lvl9pPr>
           </a:lstStyle>
           <a:p>
             <a:pPr lvl="0"/>
             <a:r>
               <a:rPr lang="de-DE" smtClean="0"/>
-              <a:t>Textmasterformat bearbeiten</a:t>
+              <a:t>Formatvorlagen des Textmasters bearbeiten</a:t>
             </a:r>
           </a:p>
           <a:p>
@@ -1819,13 +4365,13 @@
               <a:rPr lang="de-DE" smtClean="0"/>
               <a:t>Fünfte Ebene</a:t>
             </a:r>
-            <a:endParaRPr lang="de-DE"/>
-          </a:p>
-        </p:txBody>
-      </p:sp>
-      <p:sp>
-        <p:nvSpPr>
-          <p:cNvPr id="4" name="Inhaltsplatzhalter 3"/>
+            <a:endParaRPr lang="en-US" dirty="0"/>
+          </a:p>
+        </p:txBody>
+      </p:sp>
+      <p:sp>
+        <p:nvSpPr>
+          <p:cNvPr id="4" name="Content Placeholder 3"/>
           <p:cNvSpPr>
             <a:spLocks noGrp="1"/>
           </p:cNvSpPr>
@@ -1835,46 +4381,48 @@
         </p:nvSpPr>
         <p:spPr>
           <a:xfrm>
-            <a:off x="4648200" y="1600200"/>
-            <a:ext cx="4038600" cy="4525963"/>
+            <a:off x="4241975" y="2056093"/>
+            <a:ext cx="3298115" cy="4200245"/>
           </a:xfrm>
         </p:spPr>
         <p:txBody>
-          <a:bodyPr/>
+          <a:bodyPr>
+            <a:normAutofit/>
+          </a:bodyPr>
           <a:lstStyle>
             <a:lvl1pPr>
-              <a:defRPr sz="2800"/>
+              <a:defRPr sz="1800"/>
             </a:lvl1pPr>
             <a:lvl2pPr>
-              <a:defRPr sz="2400"/>
+              <a:defRPr sz="1600"/>
             </a:lvl2pPr>
             <a:lvl3pPr>
-              <a:defRPr sz="2000"/>
+              <a:defRPr sz="1400"/>
             </a:lvl3pPr>
             <a:lvl4pPr>
-              <a:defRPr sz="1800"/>
+              <a:defRPr sz="1200"/>
             </a:lvl4pPr>
             <a:lvl5pPr>
-              <a:defRPr sz="1800"/>
+              <a:defRPr sz="1200"/>
             </a:lvl5pPr>
             <a:lvl6pPr>
-              <a:defRPr sz="1800"/>
+              <a:defRPr sz="1200"/>
             </a:lvl6pPr>
             <a:lvl7pPr>
-              <a:defRPr sz="1800"/>
+              <a:defRPr sz="1200"/>
             </a:lvl7pPr>
             <a:lvl8pPr>
-              <a:defRPr sz="1800"/>
+              <a:defRPr sz="1200"/>
             </a:lvl8pPr>
             <a:lvl9pPr>
-              <a:defRPr sz="1800"/>
+              <a:defRPr sz="1200"/>
             </a:lvl9pPr>
           </a:lstStyle>
           <a:p>
             <a:pPr lvl="0"/>
             <a:r>
               <a:rPr lang="de-DE" smtClean="0"/>
-              <a:t>Textmasterformat bearbeiten</a:t>
+              <a:t>Formatvorlagen des Textmasters bearbeiten</a:t>
             </a:r>
           </a:p>
           <a:p>
@@ -1904,13 +4452,13 @@
               <a:rPr lang="de-DE" smtClean="0"/>
               <a:t>Fünfte Ebene</a:t>
             </a:r>
-            <a:endParaRPr lang="de-DE"/>
-          </a:p>
-        </p:txBody>
-      </p:sp>
-      <p:sp>
-        <p:nvSpPr>
-          <p:cNvPr id="5" name="Datumsplatzhalter 4"/>
+            <a:endParaRPr lang="en-US" dirty="0"/>
+          </a:p>
+        </p:txBody>
+      </p:sp>
+      <p:sp>
+        <p:nvSpPr>
+          <p:cNvPr id="5" name="Date Placeholder 4"/>
           <p:cNvSpPr>
             <a:spLocks noGrp="1"/>
           </p:cNvSpPr>
@@ -1925,7 +4473,7 @@
           <a:p>
             <a:fld id="{6BBDE0CE-4CFD-4B43-9818-2D49E9011334}" type="datetimeFigureOut">
               <a:rPr lang="de-DE" smtClean="0"/>
-              <a:t>05.06.2018</a:t>
+              <a:t>11.06.2018</a:t>
             </a:fld>
             <a:endParaRPr lang="de-DE"/>
           </a:p>
@@ -1933,7 +4481,7 @@
       </p:sp>
       <p:sp>
         <p:nvSpPr>
-          <p:cNvPr id="6" name="Fußzeilenplatzhalter 5"/>
+          <p:cNvPr id="6" name="Footer Placeholder 5"/>
           <p:cNvSpPr>
             <a:spLocks noGrp="1"/>
           </p:cNvSpPr>
@@ -1952,7 +4500,7 @@
       </p:sp>
       <p:sp>
         <p:nvSpPr>
-          <p:cNvPr id="7" name="Foliennummernplatzhalter 6"/>
+          <p:cNvPr id="7" name="Slide Number Placeholder 6"/>
           <p:cNvSpPr>
             <a:spLocks noGrp="1"/>
           </p:cNvSpPr>
@@ -1976,7 +4524,7 @@
     </p:spTree>
     <p:extLst>
       <p:ext uri="{BB962C8B-B14F-4D97-AF65-F5344CB8AC3E}">
-        <p14:creationId xmlns:p14="http://schemas.microsoft.com/office/powerpoint/2010/main" val="4153150886"/>
+        <p14:creationId xmlns:p14="http://schemas.microsoft.com/office/powerpoint/2010/main" val="1393277010"/>
       </p:ext>
     </p:extLst>
   </p:cSld>
@@ -2005,7 +4553,7 @@
       </p:grpSpPr>
       <p:sp>
         <p:nvSpPr>
-          <p:cNvPr id="2" name="Titel 1"/>
+          <p:cNvPr id="2" name="Title 1"/>
           <p:cNvSpPr>
             <a:spLocks noGrp="1"/>
           </p:cNvSpPr>
@@ -2026,13 +4574,13 @@
               <a:rPr lang="de-DE" smtClean="0"/>
               <a:t>Titelmasterformat durch Klicken bearbeiten</a:t>
             </a:r>
-            <a:endParaRPr lang="de-DE"/>
-          </a:p>
-        </p:txBody>
-      </p:sp>
-      <p:sp>
-        <p:nvSpPr>
-          <p:cNvPr id="3" name="Textplatzhalter 2"/>
+            <a:endParaRPr lang="en-US" dirty="0"/>
+          </a:p>
+        </p:txBody>
+      </p:sp>
+      <p:sp>
+        <p:nvSpPr>
+          <p:cNvPr id="3" name="Text Placeholder 2"/>
           <p:cNvSpPr>
             <a:spLocks noGrp="1"/>
           </p:cNvSpPr>
@@ -2042,16 +4590,22 @@
         </p:nvSpPr>
         <p:spPr>
           <a:xfrm>
-            <a:off x="457200" y="1535113"/>
-            <a:ext cx="4040188" cy="639762"/>
+            <a:off x="827700" y="1905000"/>
+            <a:ext cx="3298112" cy="576262"/>
           </a:xfrm>
         </p:spPr>
         <p:txBody>
-          <a:bodyPr anchor="b"/>
+          <a:bodyPr anchor="b">
+            <a:noAutofit/>
+          </a:bodyPr>
           <a:lstStyle>
             <a:lvl1pPr marL="0" indent="0">
               <a:buNone/>
-              <a:defRPr sz="2400" b="1"/>
+              <a:defRPr sz="2400" b="0">
+                <a:solidFill>
+                  <a:schemeClr val="accent1"/>
+                </a:solidFill>
+              </a:defRPr>
             </a:lvl1pPr>
             <a:lvl2pPr marL="457200" indent="0">
               <a:buNone/>
@@ -2090,14 +4644,14 @@
             <a:pPr lvl="0"/>
             <a:r>
               <a:rPr lang="de-DE" smtClean="0"/>
-              <a:t>Textmasterformat bearbeiten</a:t>
-            </a:r>
-          </a:p>
-        </p:txBody>
-      </p:sp>
-      <p:sp>
-        <p:nvSpPr>
-          <p:cNvPr id="4" name="Inhaltsplatzhalter 3"/>
+              <a:t>Formatvorlagen des Textmasters bearbeiten</a:t>
+            </a:r>
+          </a:p>
+        </p:txBody>
+      </p:sp>
+      <p:sp>
+        <p:nvSpPr>
+          <p:cNvPr id="4" name="Content Placeholder 3"/>
           <p:cNvSpPr>
             <a:spLocks noGrp="1"/>
           </p:cNvSpPr>
@@ -2107,46 +4661,48 @@
         </p:nvSpPr>
         <p:spPr>
           <a:xfrm>
-            <a:off x="457200" y="2174875"/>
-            <a:ext cx="4040188" cy="3951288"/>
+            <a:off x="827700" y="2514600"/>
+            <a:ext cx="3298113" cy="3741738"/>
           </a:xfrm>
         </p:spPr>
         <p:txBody>
-          <a:bodyPr/>
+          <a:bodyPr>
+            <a:normAutofit/>
+          </a:bodyPr>
           <a:lstStyle>
             <a:lvl1pPr>
-              <a:defRPr sz="2400"/>
+              <a:defRPr sz="1800"/>
             </a:lvl1pPr>
             <a:lvl2pPr>
-              <a:defRPr sz="2000"/>
+              <a:defRPr sz="1600"/>
             </a:lvl2pPr>
             <a:lvl3pPr>
-              <a:defRPr sz="1800"/>
+              <a:defRPr sz="1400"/>
             </a:lvl3pPr>
             <a:lvl4pPr>
-              <a:defRPr sz="1600"/>
+              <a:defRPr sz="1200"/>
             </a:lvl4pPr>
             <a:lvl5pPr>
-              <a:defRPr sz="1600"/>
+              <a:defRPr sz="1200"/>
             </a:lvl5pPr>
             <a:lvl6pPr>
-              <a:defRPr sz="1600"/>
+              <a:defRPr sz="1200"/>
             </a:lvl6pPr>
             <a:lvl7pPr>
-              <a:defRPr sz="1600"/>
+              <a:defRPr sz="1200"/>
             </a:lvl7pPr>
             <a:lvl8pPr>
-              <a:defRPr sz="1600"/>
+              <a:defRPr sz="1200"/>
             </a:lvl8pPr>
             <a:lvl9pPr>
-              <a:defRPr sz="1600"/>
+              <a:defRPr sz="1200"/>
             </a:lvl9pPr>
           </a:lstStyle>
           <a:p>
             <a:pPr lvl="0"/>
             <a:r>
               <a:rPr lang="de-DE" smtClean="0"/>
-              <a:t>Textmasterformat bearbeiten</a:t>
+              <a:t>Formatvorlagen des Textmasters bearbeiten</a:t>
             </a:r>
           </a:p>
           <a:p>
@@ -2176,13 +4732,13 @@
               <a:rPr lang="de-DE" smtClean="0"/>
               <a:t>Fünfte Ebene</a:t>
             </a:r>
-            <a:endParaRPr lang="de-DE"/>
-          </a:p>
-        </p:txBody>
-      </p:sp>
-      <p:sp>
-        <p:nvSpPr>
-          <p:cNvPr id="5" name="Textplatzhalter 4"/>
+            <a:endParaRPr lang="en-US" dirty="0"/>
+          </a:p>
+        </p:txBody>
+      </p:sp>
+      <p:sp>
+        <p:nvSpPr>
+          <p:cNvPr id="5" name="Text Placeholder 4"/>
           <p:cNvSpPr>
             <a:spLocks noGrp="1"/>
           </p:cNvSpPr>
@@ -2192,16 +4748,22 @@
         </p:nvSpPr>
         <p:spPr>
           <a:xfrm>
-            <a:off x="4645025" y="1535113"/>
-            <a:ext cx="4041775" cy="639762"/>
+            <a:off x="4241976" y="1905000"/>
+            <a:ext cx="3298113" cy="576262"/>
           </a:xfrm>
         </p:spPr>
         <p:txBody>
-          <a:bodyPr anchor="b"/>
+          <a:bodyPr anchor="b">
+            <a:noAutofit/>
+          </a:bodyPr>
           <a:lstStyle>
             <a:lvl1pPr marL="0" indent="0">
               <a:buNone/>
-              <a:defRPr sz="2400" b="1"/>
+              <a:defRPr sz="2400" b="0">
+                <a:solidFill>
+                  <a:schemeClr val="accent1"/>
+                </a:solidFill>
+              </a:defRPr>
             </a:lvl1pPr>
             <a:lvl2pPr marL="457200" indent="0">
               <a:buNone/>
@@ -2240,14 +4802,14 @@
             <a:pPr lvl="0"/>
             <a:r>
               <a:rPr lang="de-DE" smtClean="0"/>
-              <a:t>Textmasterformat bearbeiten</a:t>
-            </a:r>
-          </a:p>
-        </p:txBody>
-      </p:sp>
-      <p:sp>
-        <p:nvSpPr>
-          <p:cNvPr id="6" name="Inhaltsplatzhalter 5"/>
+              <a:t>Formatvorlagen des Textmasters bearbeiten</a:t>
+            </a:r>
+          </a:p>
+        </p:txBody>
+      </p:sp>
+      <p:sp>
+        <p:nvSpPr>
+          <p:cNvPr id="6" name="Content Placeholder 5"/>
           <p:cNvSpPr>
             <a:spLocks noGrp="1"/>
           </p:cNvSpPr>
@@ -2257,46 +4819,48 @@
         </p:nvSpPr>
         <p:spPr>
           <a:xfrm>
-            <a:off x="4645025" y="2174875"/>
-            <a:ext cx="4041775" cy="3951288"/>
+            <a:off x="4241976" y="2514600"/>
+            <a:ext cx="3298113" cy="3741738"/>
           </a:xfrm>
         </p:spPr>
         <p:txBody>
-          <a:bodyPr/>
+          <a:bodyPr>
+            <a:normAutofit/>
+          </a:bodyPr>
           <a:lstStyle>
             <a:lvl1pPr>
-              <a:defRPr sz="2400"/>
+              <a:defRPr sz="1800"/>
             </a:lvl1pPr>
             <a:lvl2pPr>
-              <a:defRPr sz="2000"/>
+              <a:defRPr sz="1600"/>
             </a:lvl2pPr>
             <a:lvl3pPr>
-              <a:defRPr sz="1800"/>
+              <a:defRPr sz="1400"/>
             </a:lvl3pPr>
             <a:lvl4pPr>
-              <a:defRPr sz="1600"/>
+              <a:defRPr sz="1200"/>
             </a:lvl4pPr>
             <a:lvl5pPr>
-              <a:defRPr sz="1600"/>
+              <a:defRPr sz="1200"/>
             </a:lvl5pPr>
             <a:lvl6pPr>
-              <a:defRPr sz="1600"/>
+              <a:defRPr sz="1200"/>
             </a:lvl6pPr>
             <a:lvl7pPr>
-              <a:defRPr sz="1600"/>
+              <a:defRPr sz="1200"/>
             </a:lvl7pPr>
             <a:lvl8pPr>
-              <a:defRPr sz="1600"/>
+              <a:defRPr sz="1200"/>
             </a:lvl8pPr>
             <a:lvl9pPr>
-              <a:defRPr sz="1600"/>
+              <a:defRPr sz="1200"/>
             </a:lvl9pPr>
           </a:lstStyle>
           <a:p>
             <a:pPr lvl="0"/>
             <a:r>
               <a:rPr lang="de-DE" smtClean="0"/>
-              <a:t>Textmasterformat bearbeiten</a:t>
+              <a:t>Formatvorlagen des Textmasters bearbeiten</a:t>
             </a:r>
           </a:p>
           <a:p>
@@ -2326,13 +4890,13 @@
               <a:rPr lang="de-DE" smtClean="0"/>
               <a:t>Fünfte Ebene</a:t>
             </a:r>
-            <a:endParaRPr lang="de-DE"/>
-          </a:p>
-        </p:txBody>
-      </p:sp>
-      <p:sp>
-        <p:nvSpPr>
-          <p:cNvPr id="7" name="Datumsplatzhalter 6"/>
+            <a:endParaRPr lang="en-US" dirty="0"/>
+          </a:p>
+        </p:txBody>
+      </p:sp>
+      <p:sp>
+        <p:nvSpPr>
+          <p:cNvPr id="7" name="Date Placeholder 6"/>
           <p:cNvSpPr>
             <a:spLocks noGrp="1"/>
           </p:cNvSpPr>
@@ -2347,7 +4911,7 @@
           <a:p>
             <a:fld id="{6BBDE0CE-4CFD-4B43-9818-2D49E9011334}" type="datetimeFigureOut">
               <a:rPr lang="de-DE" smtClean="0"/>
-              <a:t>05.06.2018</a:t>
+              <a:t>11.06.2018</a:t>
             </a:fld>
             <a:endParaRPr lang="de-DE"/>
           </a:p>
@@ -2355,7 +4919,7 @@
       </p:sp>
       <p:sp>
         <p:nvSpPr>
-          <p:cNvPr id="8" name="Fußzeilenplatzhalter 7"/>
+          <p:cNvPr id="8" name="Footer Placeholder 7"/>
           <p:cNvSpPr>
             <a:spLocks noGrp="1"/>
           </p:cNvSpPr>
@@ -2374,7 +4938,7 @@
       </p:sp>
       <p:sp>
         <p:nvSpPr>
-          <p:cNvPr id="9" name="Foliennummernplatzhalter 8"/>
+          <p:cNvPr id="9" name="Slide Number Placeholder 8"/>
           <p:cNvSpPr>
             <a:spLocks noGrp="1"/>
           </p:cNvSpPr>
@@ -2398,7 +4962,7 @@
     </p:spTree>
     <p:extLst>
       <p:ext uri="{BB962C8B-B14F-4D97-AF65-F5344CB8AC3E}">
-        <p14:creationId xmlns:p14="http://schemas.microsoft.com/office/powerpoint/2010/main" val="3869464685"/>
+        <p14:creationId xmlns:p14="http://schemas.microsoft.com/office/powerpoint/2010/main" val="3517484832"/>
       </p:ext>
     </p:extLst>
   </p:cSld>
@@ -2427,7 +4991,7 @@
       </p:grpSpPr>
       <p:sp>
         <p:nvSpPr>
-          <p:cNvPr id="2" name="Titel 1"/>
+          <p:cNvPr id="2" name="Title 1"/>
           <p:cNvSpPr>
             <a:spLocks noGrp="1"/>
           </p:cNvSpPr>
@@ -2444,13 +5008,13 @@
               <a:rPr lang="de-DE" smtClean="0"/>
               <a:t>Titelmasterformat durch Klicken bearbeiten</a:t>
             </a:r>
-            <a:endParaRPr lang="de-DE"/>
-          </a:p>
-        </p:txBody>
-      </p:sp>
-      <p:sp>
-        <p:nvSpPr>
-          <p:cNvPr id="3" name="Datumsplatzhalter 2"/>
+            <a:endParaRPr lang="en-US" dirty="0"/>
+          </a:p>
+        </p:txBody>
+      </p:sp>
+      <p:sp>
+        <p:nvSpPr>
+          <p:cNvPr id="7" name="Date Placeholder 2"/>
           <p:cNvSpPr>
             <a:spLocks noGrp="1"/>
           </p:cNvSpPr>
@@ -2465,7 +5029,7 @@
           <a:p>
             <a:fld id="{6BBDE0CE-4CFD-4B43-9818-2D49E9011334}" type="datetimeFigureOut">
               <a:rPr lang="de-DE" smtClean="0"/>
-              <a:t>05.06.2018</a:t>
+              <a:t>11.06.2018</a:t>
             </a:fld>
             <a:endParaRPr lang="de-DE"/>
           </a:p>
@@ -2473,7 +5037,7 @@
       </p:sp>
       <p:sp>
         <p:nvSpPr>
-          <p:cNvPr id="4" name="Fußzeilenplatzhalter 3"/>
+          <p:cNvPr id="5" name="Footer Placeholder 3"/>
           <p:cNvSpPr>
             <a:spLocks noGrp="1"/>
           </p:cNvSpPr>
@@ -2492,7 +5056,7 @@
       </p:sp>
       <p:sp>
         <p:nvSpPr>
-          <p:cNvPr id="5" name="Foliennummernplatzhalter 4"/>
+          <p:cNvPr id="6" name="Slide Number Placeholder 4"/>
           <p:cNvSpPr>
             <a:spLocks noGrp="1"/>
           </p:cNvSpPr>
@@ -2516,7 +5080,7 @@
     </p:spTree>
     <p:extLst>
       <p:ext uri="{BB962C8B-B14F-4D97-AF65-F5344CB8AC3E}">
-        <p14:creationId xmlns:p14="http://schemas.microsoft.com/office/powerpoint/2010/main" val="2104527049"/>
+        <p14:creationId xmlns:p14="http://schemas.microsoft.com/office/powerpoint/2010/main" val="2406230132"/>
       </p:ext>
     </p:extLst>
   </p:cSld>
@@ -2545,7 +5109,7 @@
       </p:grpSpPr>
       <p:sp>
         <p:nvSpPr>
-          <p:cNvPr id="2" name="Datumsplatzhalter 1"/>
+          <p:cNvPr id="7" name="Date Placeholder 1"/>
           <p:cNvSpPr>
             <a:spLocks noGrp="1"/>
           </p:cNvSpPr>
@@ -2560,7 +5124,7 @@
           <a:p>
             <a:fld id="{6BBDE0CE-4CFD-4B43-9818-2D49E9011334}" type="datetimeFigureOut">
               <a:rPr lang="de-DE" smtClean="0"/>
-              <a:t>05.06.2018</a:t>
+              <a:t>11.06.2018</a:t>
             </a:fld>
             <a:endParaRPr lang="de-DE"/>
           </a:p>
@@ -2568,7 +5132,7 @@
       </p:sp>
       <p:sp>
         <p:nvSpPr>
-          <p:cNvPr id="3" name="Fußzeilenplatzhalter 2"/>
+          <p:cNvPr id="5" name="Footer Placeholder 2"/>
           <p:cNvSpPr>
             <a:spLocks noGrp="1"/>
           </p:cNvSpPr>
@@ -2587,7 +5151,7 @@
       </p:sp>
       <p:sp>
         <p:nvSpPr>
-          <p:cNvPr id="4" name="Foliennummernplatzhalter 3"/>
+          <p:cNvPr id="6" name="Slide Number Placeholder 3"/>
           <p:cNvSpPr>
             <a:spLocks noGrp="1"/>
           </p:cNvSpPr>
@@ -2611,7 +5175,7 @@
     </p:spTree>
     <p:extLst>
       <p:ext uri="{BB962C8B-B14F-4D97-AF65-F5344CB8AC3E}">
-        <p14:creationId xmlns:p14="http://schemas.microsoft.com/office/powerpoint/2010/main" val="2649901356"/>
+        <p14:creationId xmlns:p14="http://schemas.microsoft.com/office/powerpoint/2010/main" val="250973981"/>
       </p:ext>
     </p:extLst>
   </p:cSld>
@@ -2640,7 +5204,7 @@
       </p:grpSpPr>
       <p:sp>
         <p:nvSpPr>
-          <p:cNvPr id="2" name="Titel 1"/>
+          <p:cNvPr id="2" name="Title 1"/>
           <p:cNvSpPr>
             <a:spLocks noGrp="1"/>
           </p:cNvSpPr>
@@ -2650,15 +5214,15 @@
         </p:nvSpPr>
         <p:spPr>
           <a:xfrm>
-            <a:off x="457200" y="273050"/>
-            <a:ext cx="3008313" cy="1162050"/>
+            <a:off x="866441" y="1447800"/>
+            <a:ext cx="2551462" cy="1447800"/>
           </a:xfrm>
         </p:spPr>
         <p:txBody>
           <a:bodyPr anchor="b"/>
           <a:lstStyle>
             <a:lvl1pPr algn="l">
-              <a:defRPr sz="2000" b="1"/>
+              <a:defRPr sz="2400" b="0"/>
             </a:lvl1pPr>
           </a:lstStyle>
           <a:p>
@@ -2666,13 +5230,13 @@
               <a:rPr lang="de-DE" smtClean="0"/>
               <a:t>Titelmasterformat durch Klicken bearbeiten</a:t>
             </a:r>
-            <a:endParaRPr lang="de-DE"/>
-          </a:p>
-        </p:txBody>
-      </p:sp>
-      <p:sp>
-        <p:nvSpPr>
-          <p:cNvPr id="3" name="Inhaltsplatzhalter 2"/>
+            <a:endParaRPr lang="en-US" dirty="0"/>
+          </a:p>
+        </p:txBody>
+      </p:sp>
+      <p:sp>
+        <p:nvSpPr>
+          <p:cNvPr id="3" name="Content Placeholder 2"/>
           <p:cNvSpPr>
             <a:spLocks noGrp="1"/>
           </p:cNvSpPr>
@@ -2682,46 +5246,48 @@
         </p:nvSpPr>
         <p:spPr>
           <a:xfrm>
-            <a:off x="3575050" y="273050"/>
-            <a:ext cx="5111750" cy="5853113"/>
+            <a:off x="3589397" y="1447800"/>
+            <a:ext cx="3898013" cy="4572000"/>
           </a:xfrm>
         </p:spPr>
         <p:txBody>
-          <a:bodyPr/>
+          <a:bodyPr anchor="ctr">
+            <a:normAutofit/>
+          </a:bodyPr>
           <a:lstStyle>
             <a:lvl1pPr>
-              <a:defRPr sz="3200"/>
+              <a:defRPr sz="2000"/>
             </a:lvl1pPr>
             <a:lvl2pPr>
-              <a:defRPr sz="2800"/>
+              <a:defRPr sz="1800"/>
             </a:lvl2pPr>
             <a:lvl3pPr>
-              <a:defRPr sz="2400"/>
+              <a:defRPr sz="1600"/>
             </a:lvl3pPr>
             <a:lvl4pPr>
-              <a:defRPr sz="2000"/>
+              <a:defRPr sz="1400"/>
             </a:lvl4pPr>
             <a:lvl5pPr>
-              <a:defRPr sz="2000"/>
+              <a:defRPr sz="1400"/>
             </a:lvl5pPr>
             <a:lvl6pPr>
-              <a:defRPr sz="2000"/>
+              <a:defRPr sz="1400"/>
             </a:lvl6pPr>
             <a:lvl7pPr>
-              <a:defRPr sz="2000"/>
+              <a:defRPr sz="1400"/>
             </a:lvl7pPr>
             <a:lvl8pPr>
-              <a:defRPr sz="2000"/>
+              <a:defRPr sz="1400"/>
             </a:lvl8pPr>
             <a:lvl9pPr>
-              <a:defRPr sz="2000"/>
+              <a:defRPr sz="1400"/>
             </a:lvl9pPr>
           </a:lstStyle>
           <a:p>
             <a:pPr lvl="0"/>
             <a:r>
               <a:rPr lang="de-DE" smtClean="0"/>
-              <a:t>Textmasterformat bearbeiten</a:t>
+              <a:t>Formatvorlagen des Textmasters bearbeiten</a:t>
             </a:r>
           </a:p>
           <a:p>
@@ -2751,13 +5317,13 @@
               <a:rPr lang="de-DE" smtClean="0"/>
               <a:t>Fünfte Ebene</a:t>
             </a:r>
-            <a:endParaRPr lang="de-DE"/>
-          </a:p>
-        </p:txBody>
-      </p:sp>
-      <p:sp>
-        <p:nvSpPr>
-          <p:cNvPr id="4" name="Textplatzhalter 3"/>
+            <a:endParaRPr lang="en-US" dirty="0"/>
+          </a:p>
+        </p:txBody>
+      </p:sp>
+      <p:sp>
+        <p:nvSpPr>
+          <p:cNvPr id="4" name="Text Placeholder 3"/>
           <p:cNvSpPr>
             <a:spLocks noGrp="1"/>
           </p:cNvSpPr>
@@ -2767,8 +5333,8 @@
         </p:nvSpPr>
         <p:spPr>
           <a:xfrm>
-            <a:off x="457200" y="1435100"/>
-            <a:ext cx="3008313" cy="4691063"/>
+            <a:off x="866441" y="3129281"/>
+            <a:ext cx="2551462" cy="2895599"/>
           </a:xfrm>
         </p:spPr>
         <p:txBody>
@@ -2815,14 +5381,14 @@
             <a:pPr lvl="0"/>
             <a:r>
               <a:rPr lang="de-DE" smtClean="0"/>
-              <a:t>Textmasterformat bearbeiten</a:t>
-            </a:r>
-          </a:p>
-        </p:txBody>
-      </p:sp>
-      <p:sp>
-        <p:nvSpPr>
-          <p:cNvPr id="5" name="Datumsplatzhalter 4"/>
+              <a:t>Formatvorlagen des Textmasters bearbeiten</a:t>
+            </a:r>
+          </a:p>
+        </p:txBody>
+      </p:sp>
+      <p:sp>
+        <p:nvSpPr>
+          <p:cNvPr id="7" name="Date Placeholder 4"/>
           <p:cNvSpPr>
             <a:spLocks noGrp="1"/>
           </p:cNvSpPr>
@@ -2837,7 +5403,7 @@
           <a:p>
             <a:fld id="{6BBDE0CE-4CFD-4B43-9818-2D49E9011334}" type="datetimeFigureOut">
               <a:rPr lang="de-DE" smtClean="0"/>
-              <a:t>05.06.2018</a:t>
+              <a:t>11.06.2018</a:t>
             </a:fld>
             <a:endParaRPr lang="de-DE"/>
           </a:p>
@@ -2845,7 +5411,7 @@
       </p:sp>
       <p:sp>
         <p:nvSpPr>
-          <p:cNvPr id="6" name="Fußzeilenplatzhalter 5"/>
+          <p:cNvPr id="5" name="Footer Placeholder 5"/>
           <p:cNvSpPr>
             <a:spLocks noGrp="1"/>
           </p:cNvSpPr>
@@ -2864,7 +5430,7 @@
       </p:sp>
       <p:sp>
         <p:nvSpPr>
-          <p:cNvPr id="7" name="Foliennummernplatzhalter 6"/>
+          <p:cNvPr id="6" name="Slide Number Placeholder 6"/>
           <p:cNvSpPr>
             <a:spLocks noGrp="1"/>
           </p:cNvSpPr>
@@ -2888,7 +5454,7 @@
     </p:spTree>
     <p:extLst>
       <p:ext uri="{BB962C8B-B14F-4D97-AF65-F5344CB8AC3E}">
-        <p14:creationId xmlns:p14="http://schemas.microsoft.com/office/powerpoint/2010/main" val="3994921362"/>
+        <p14:creationId xmlns:p14="http://schemas.microsoft.com/office/powerpoint/2010/main" val="3479974080"/>
       </p:ext>
     </p:extLst>
   </p:cSld>
@@ -2917,7 +5483,7 @@
       </p:grpSpPr>
       <p:sp>
         <p:nvSpPr>
-          <p:cNvPr id="2" name="Titel 1"/>
+          <p:cNvPr id="2" name="Title 1"/>
           <p:cNvSpPr>
             <a:spLocks noGrp="1"/>
           </p:cNvSpPr>
@@ -2927,15 +5493,17 @@
         </p:nvSpPr>
         <p:spPr>
           <a:xfrm>
-            <a:off x="1792288" y="4800600"/>
-            <a:ext cx="5486400" cy="566738"/>
+            <a:off x="865656" y="1854192"/>
+            <a:ext cx="3820674" cy="1574808"/>
           </a:xfrm>
         </p:spPr>
         <p:txBody>
-          <a:bodyPr anchor="b"/>
+          <a:bodyPr anchor="b">
+            <a:normAutofit/>
+          </a:bodyPr>
           <a:lstStyle>
             <a:lvl1pPr algn="l">
-              <a:defRPr sz="2000" b="1"/>
+              <a:defRPr sz="3600" b="0"/>
             </a:lvl1pPr>
           </a:lstStyle>
           <a:p>
@@ -2943,15 +5511,15 @@
               <a:rPr lang="de-DE" smtClean="0"/>
               <a:t>Titelmasterformat durch Klicken bearbeiten</a:t>
             </a:r>
-            <a:endParaRPr lang="de-DE"/>
-          </a:p>
-        </p:txBody>
-      </p:sp>
-      <p:sp>
-        <p:nvSpPr>
-          <p:cNvPr id="3" name="Bildplatzhalter 2"/>
-          <p:cNvSpPr>
-            <a:spLocks noGrp="1"/>
+            <a:endParaRPr lang="en-US" dirty="0"/>
+          </a:p>
+        </p:txBody>
+      </p:sp>
+      <p:sp>
+        <p:nvSpPr>
+          <p:cNvPr id="3" name="Picture Placeholder 2"/>
+          <p:cNvSpPr>
+            <a:spLocks noGrp="1" noChangeAspect="1"/>
           </p:cNvSpPr>
           <p:nvPr>
             <p:ph type="pic" idx="1"/>
@@ -2959,73 +5527,93 @@
         </p:nvSpPr>
         <p:spPr>
           <a:xfrm>
-            <a:off x="1792288" y="612775"/>
-            <a:ext cx="5486400" cy="4114800"/>
+            <a:off x="5213517" y="1143000"/>
+            <a:ext cx="2400925" cy="4572000"/>
+          </a:xfrm>
+          <a:prstGeom prst="roundRect">
+            <a:avLst>
+              <a:gd name="adj" fmla="val 1858"/>
+            </a:avLst>
+          </a:prstGeom>
+          <a:effectLst>
+            <a:outerShdw blurRad="50800" dist="50800" dir="5400000" algn="tl" rotWithShape="0">
+              <a:srgbClr val="000000">
+                <a:alpha val="43000"/>
+              </a:srgbClr>
+            </a:outerShdw>
+          </a:effectLst>
+        </p:spPr>
+        <p:txBody>
+          <a:bodyPr anchor="t">
+            <a:normAutofit/>
+          </a:bodyPr>
+          <a:lstStyle>
+            <a:lvl1pPr marL="0" indent="0" algn="ctr">
+              <a:buNone/>
+              <a:defRPr sz="1600"/>
+            </a:lvl1pPr>
+            <a:lvl2pPr marL="457200" indent="0">
+              <a:buNone/>
+              <a:defRPr sz="1600"/>
+            </a:lvl2pPr>
+            <a:lvl3pPr marL="914400" indent="0">
+              <a:buNone/>
+              <a:defRPr sz="1600"/>
+            </a:lvl3pPr>
+            <a:lvl4pPr marL="1371600" indent="0">
+              <a:buNone/>
+              <a:defRPr sz="1600"/>
+            </a:lvl4pPr>
+            <a:lvl5pPr marL="1828800" indent="0">
+              <a:buNone/>
+              <a:defRPr sz="1600"/>
+            </a:lvl5pPr>
+            <a:lvl6pPr marL="2286000" indent="0">
+              <a:buNone/>
+              <a:defRPr sz="1600"/>
+            </a:lvl6pPr>
+            <a:lvl7pPr marL="2743200" indent="0">
+              <a:buNone/>
+              <a:defRPr sz="1600"/>
+            </a:lvl7pPr>
+            <a:lvl8pPr marL="3200400" indent="0">
+              <a:buNone/>
+              <a:defRPr sz="1600"/>
+            </a:lvl8pPr>
+            <a:lvl9pPr marL="3657600" indent="0">
+              <a:buNone/>
+              <a:defRPr sz="1600"/>
+            </a:lvl9pPr>
+          </a:lstStyle>
+          <a:p>
+            <a:r>
+              <a:rPr lang="de-DE" smtClean="0"/>
+              <a:t>Bild durch Klicken auf Symbol hinzufügen</a:t>
+            </a:r>
+            <a:endParaRPr lang="en-US" dirty="0"/>
+          </a:p>
+        </p:txBody>
+      </p:sp>
+      <p:sp>
+        <p:nvSpPr>
+          <p:cNvPr id="4" name="Text Placeholder 3"/>
+          <p:cNvSpPr>
+            <a:spLocks noGrp="1"/>
+          </p:cNvSpPr>
+          <p:nvPr>
+            <p:ph type="body" sz="half" idx="2"/>
+          </p:nvPr>
+        </p:nvSpPr>
+        <p:spPr>
+          <a:xfrm>
+            <a:off x="866441" y="3657600"/>
+            <a:ext cx="3814728" cy="1371600"/>
           </a:xfrm>
         </p:spPr>
         <p:txBody>
-          <a:bodyPr/>
-          <a:lstStyle>
-            <a:lvl1pPr marL="0" indent="0">
-              <a:buNone/>
-              <a:defRPr sz="3200"/>
-            </a:lvl1pPr>
-            <a:lvl2pPr marL="457200" indent="0">
-              <a:buNone/>
-              <a:defRPr sz="2800"/>
-            </a:lvl2pPr>
-            <a:lvl3pPr marL="914400" indent="0">
-              <a:buNone/>
-              <a:defRPr sz="2400"/>
-            </a:lvl3pPr>
-            <a:lvl4pPr marL="1371600" indent="0">
-              <a:buNone/>
-              <a:defRPr sz="2000"/>
-            </a:lvl4pPr>
-            <a:lvl5pPr marL="1828800" indent="0">
-              <a:buNone/>
-              <a:defRPr sz="2000"/>
-            </a:lvl5pPr>
-            <a:lvl6pPr marL="2286000" indent="0">
-              <a:buNone/>
-              <a:defRPr sz="2000"/>
-            </a:lvl6pPr>
-            <a:lvl7pPr marL="2743200" indent="0">
-              <a:buNone/>
-              <a:defRPr sz="2000"/>
-            </a:lvl7pPr>
-            <a:lvl8pPr marL="3200400" indent="0">
-              <a:buNone/>
-              <a:defRPr sz="2000"/>
-            </a:lvl8pPr>
-            <a:lvl9pPr marL="3657600" indent="0">
-              <a:buNone/>
-              <a:defRPr sz="2000"/>
-            </a:lvl9pPr>
-          </a:lstStyle>
-          <a:p>
-            <a:endParaRPr lang="de-DE"/>
-          </a:p>
-        </p:txBody>
-      </p:sp>
-      <p:sp>
-        <p:nvSpPr>
-          <p:cNvPr id="4" name="Textplatzhalter 3"/>
-          <p:cNvSpPr>
-            <a:spLocks noGrp="1"/>
-          </p:cNvSpPr>
-          <p:nvPr>
-            <p:ph type="body" sz="half" idx="2"/>
-          </p:nvPr>
-        </p:nvSpPr>
-        <p:spPr>
-          <a:xfrm>
-            <a:off x="1792288" y="5367338"/>
-            <a:ext cx="5486400" cy="804862"/>
-          </a:xfrm>
-        </p:spPr>
-        <p:txBody>
-          <a:bodyPr/>
+          <a:bodyPr>
+            <a:normAutofit/>
+          </a:bodyPr>
           <a:lstStyle>
             <a:lvl1pPr marL="0" indent="0">
               <a:buNone/>
@@ -3068,14 +5656,14 @@
             <a:pPr lvl="0"/>
             <a:r>
               <a:rPr lang="de-DE" smtClean="0"/>
-              <a:t>Textmasterformat bearbeiten</a:t>
-            </a:r>
-          </a:p>
-        </p:txBody>
-      </p:sp>
-      <p:sp>
-        <p:nvSpPr>
-          <p:cNvPr id="5" name="Datumsplatzhalter 4"/>
+              <a:t>Formatvorlagen des Textmasters bearbeiten</a:t>
+            </a:r>
+          </a:p>
+        </p:txBody>
+      </p:sp>
+      <p:sp>
+        <p:nvSpPr>
+          <p:cNvPr id="5" name="Date Placeholder 4"/>
           <p:cNvSpPr>
             <a:spLocks noGrp="1"/>
           </p:cNvSpPr>
@@ -3090,7 +5678,7 @@
           <a:p>
             <a:fld id="{6BBDE0CE-4CFD-4B43-9818-2D49E9011334}" type="datetimeFigureOut">
               <a:rPr lang="de-DE" smtClean="0"/>
-              <a:t>05.06.2018</a:t>
+              <a:t>11.06.2018</a:t>
             </a:fld>
             <a:endParaRPr lang="de-DE"/>
           </a:p>
@@ -3098,7 +5686,7 @@
       </p:sp>
       <p:sp>
         <p:nvSpPr>
-          <p:cNvPr id="6" name="Fußzeilenplatzhalter 5"/>
+          <p:cNvPr id="6" name="Footer Placeholder 5"/>
           <p:cNvSpPr>
             <a:spLocks noGrp="1"/>
           </p:cNvSpPr>
@@ -3117,7 +5705,7 @@
       </p:sp>
       <p:sp>
         <p:nvSpPr>
-          <p:cNvPr id="7" name="Foliennummernplatzhalter 6"/>
+          <p:cNvPr id="7" name="Slide Number Placeholder 6"/>
           <p:cNvSpPr>
             <a:spLocks noGrp="1"/>
           </p:cNvSpPr>
@@ -3141,7 +5729,7 @@
     </p:spTree>
     <p:extLst>
       <p:ext uri="{BB962C8B-B14F-4D97-AF65-F5344CB8AC3E}">
-        <p14:creationId xmlns:p14="http://schemas.microsoft.com/office/powerpoint/2010/main" val="2349568353"/>
+        <p14:creationId xmlns:p14="http://schemas.microsoft.com/office/powerpoint/2010/main" val="27037949"/>
       </p:ext>
     </p:extLst>
   </p:cSld>
@@ -3155,8 +5743,8 @@
 <p:sldMaster xmlns:a="http://schemas.openxmlformats.org/drawingml/2006/main" xmlns:r="http://schemas.openxmlformats.org/officeDocument/2006/relationships" xmlns:p="http://schemas.openxmlformats.org/presentationml/2006/main">
   <p:cSld>
     <p:bg>
-      <p:bgRef idx="1001">
-        <a:schemeClr val="bg1"/>
+      <p:bgRef idx="1003">
+        <a:schemeClr val="bg2"/>
       </p:bgRef>
     </p:bg>
     <p:spTree>
@@ -3175,26 +5763,377 @@
       </p:grpSpPr>
       <p:sp>
         <p:nvSpPr>
-          <p:cNvPr id="2" name="Titelplatzhalter 1"/>
-          <p:cNvSpPr>
-            <a:spLocks noGrp="1"/>
-          </p:cNvSpPr>
-          <p:nvPr>
-            <p:ph type="title"/>
-          </p:nvPr>
+          <p:cNvPr id="22" name="Oval 21"/>
+          <p:cNvSpPr/>
+          <p:nvPr/>
         </p:nvSpPr>
         <p:spPr>
           <a:xfrm>
-            <a:off x="457200" y="274638"/>
-            <a:ext cx="8229600" cy="1143000"/>
+            <a:off x="6299432" y="1676400"/>
+            <a:ext cx="2819400" cy="2819400"/>
+          </a:xfrm>
+          <a:prstGeom prst="ellipse">
+            <a:avLst/>
+          </a:prstGeom>
+          <a:gradFill flip="none" rotWithShape="1">
+            <a:gsLst>
+              <a:gs pos="0">
+                <a:schemeClr val="bg2">
+                  <a:lumMod val="40000"/>
+                  <a:lumOff val="60000"/>
+                  <a:alpha val="7000"/>
+                </a:schemeClr>
+              </a:gs>
+              <a:gs pos="69000">
+                <a:schemeClr val="bg2">
+                  <a:lumMod val="40000"/>
+                  <a:lumOff val="60000"/>
+                  <a:alpha val="0"/>
+                </a:schemeClr>
+              </a:gs>
+              <a:gs pos="36000">
+                <a:schemeClr val="bg2">
+                  <a:lumMod val="40000"/>
+                  <a:lumOff val="60000"/>
+                  <a:alpha val="6000"/>
+                </a:schemeClr>
+              </a:gs>
+            </a:gsLst>
+            <a:path path="circle">
+              <a:fillToRect l="50000" t="50000" r="50000" b="50000"/>
+            </a:path>
+            <a:tileRect/>
+          </a:gradFill>
+          <a:ln>
+            <a:noFill/>
+          </a:ln>
+          <a:effectLst/>
+        </p:spPr>
+        <p:style>
+          <a:lnRef idx="1">
+            <a:schemeClr val="accent1"/>
+          </a:lnRef>
+          <a:fillRef idx="3">
+            <a:schemeClr val="accent1"/>
+          </a:fillRef>
+          <a:effectRef idx="2">
+            <a:schemeClr val="accent1"/>
+          </a:effectRef>
+          <a:fontRef idx="minor">
+            <a:schemeClr val="lt1"/>
+          </a:fontRef>
+        </p:style>
+      </p:sp>
+      <p:sp>
+        <p:nvSpPr>
+          <p:cNvPr id="23" name="Oval 22"/>
+          <p:cNvSpPr/>
+          <p:nvPr/>
+        </p:nvSpPr>
+        <p:spPr>
+          <a:xfrm>
+            <a:off x="5689832" y="-457200"/>
+            <a:ext cx="1600200" cy="1600200"/>
+          </a:xfrm>
+          <a:prstGeom prst="ellipse">
+            <a:avLst/>
+          </a:prstGeom>
+          <a:gradFill flip="none" rotWithShape="1">
+            <a:gsLst>
+              <a:gs pos="0">
+                <a:schemeClr val="bg2">
+                  <a:lumMod val="40000"/>
+                  <a:lumOff val="60000"/>
+                  <a:alpha val="14000"/>
+                </a:schemeClr>
+              </a:gs>
+              <a:gs pos="73000">
+                <a:schemeClr val="bg2">
+                  <a:lumMod val="40000"/>
+                  <a:lumOff val="60000"/>
+                  <a:alpha val="0"/>
+                </a:schemeClr>
+              </a:gs>
+              <a:gs pos="36000">
+                <a:schemeClr val="bg2">
+                  <a:lumMod val="40000"/>
+                  <a:lumOff val="60000"/>
+                  <a:alpha val="7000"/>
+                </a:schemeClr>
+              </a:gs>
+            </a:gsLst>
+            <a:path path="circle">
+              <a:fillToRect l="50000" t="50000" r="50000" b="50000"/>
+            </a:path>
+            <a:tileRect/>
+          </a:gradFill>
+          <a:ln>
+            <a:noFill/>
+          </a:ln>
+          <a:effectLst/>
+        </p:spPr>
+        <p:style>
+          <a:lnRef idx="1">
+            <a:schemeClr val="accent1"/>
+          </a:lnRef>
+          <a:fillRef idx="3">
+            <a:schemeClr val="accent1"/>
+          </a:fillRef>
+          <a:effectRef idx="2">
+            <a:schemeClr val="accent1"/>
+          </a:effectRef>
+          <a:fontRef idx="minor">
+            <a:schemeClr val="lt1"/>
+          </a:fontRef>
+        </p:style>
+      </p:sp>
+      <p:sp>
+        <p:nvSpPr>
+          <p:cNvPr id="24" name="Oval 23"/>
+          <p:cNvSpPr/>
+          <p:nvPr/>
+        </p:nvSpPr>
+        <p:spPr>
+          <a:xfrm>
+            <a:off x="6299432" y="6096000"/>
+            <a:ext cx="990600" cy="990600"/>
+          </a:xfrm>
+          <a:prstGeom prst="ellipse">
+            <a:avLst/>
+          </a:prstGeom>
+          <a:gradFill flip="none" rotWithShape="1">
+            <a:gsLst>
+              <a:gs pos="0">
+                <a:schemeClr val="bg2">
+                  <a:lumMod val="40000"/>
+                  <a:lumOff val="60000"/>
+                  <a:alpha val="14000"/>
+                </a:schemeClr>
+              </a:gs>
+              <a:gs pos="66000">
+                <a:schemeClr val="bg2">
+                  <a:lumMod val="40000"/>
+                  <a:lumOff val="60000"/>
+                  <a:alpha val="0"/>
+                </a:schemeClr>
+              </a:gs>
+              <a:gs pos="36000">
+                <a:schemeClr val="bg2">
+                  <a:lumMod val="40000"/>
+                  <a:lumOff val="60000"/>
+                  <a:alpha val="7000"/>
+                </a:schemeClr>
+              </a:gs>
+            </a:gsLst>
+            <a:path path="circle">
+              <a:fillToRect l="50000" t="50000" r="50000" b="50000"/>
+            </a:path>
+            <a:tileRect/>
+          </a:gradFill>
+          <a:ln>
+            <a:noFill/>
+          </a:ln>
+          <a:effectLst/>
+        </p:spPr>
+        <p:style>
+          <a:lnRef idx="1">
+            <a:schemeClr val="accent1"/>
+          </a:lnRef>
+          <a:fillRef idx="3">
+            <a:schemeClr val="accent1"/>
+          </a:fillRef>
+          <a:effectRef idx="2">
+            <a:schemeClr val="accent1"/>
+          </a:effectRef>
+          <a:fontRef idx="minor">
+            <a:schemeClr val="lt1"/>
+          </a:fontRef>
+        </p:style>
+      </p:sp>
+      <p:sp>
+        <p:nvSpPr>
+          <p:cNvPr id="20" name="Oval 19"/>
+          <p:cNvSpPr/>
+          <p:nvPr/>
+        </p:nvSpPr>
+        <p:spPr>
+          <a:xfrm>
+            <a:off x="-153988" y="2667000"/>
+            <a:ext cx="4191000" cy="4191000"/>
+          </a:xfrm>
+          <a:prstGeom prst="ellipse">
+            <a:avLst/>
+          </a:prstGeom>
+          <a:gradFill flip="none" rotWithShape="1">
+            <a:gsLst>
+              <a:gs pos="0">
+                <a:schemeClr val="bg2">
+                  <a:lumMod val="40000"/>
+                  <a:lumOff val="60000"/>
+                  <a:alpha val="11000"/>
+                </a:schemeClr>
+              </a:gs>
+              <a:gs pos="75000">
+                <a:schemeClr val="bg2">
+                  <a:lumMod val="40000"/>
+                  <a:lumOff val="60000"/>
+                  <a:alpha val="0"/>
+                </a:schemeClr>
+              </a:gs>
+              <a:gs pos="36000">
+                <a:schemeClr val="bg2">
+                  <a:lumMod val="40000"/>
+                  <a:lumOff val="60000"/>
+                  <a:alpha val="10000"/>
+                </a:schemeClr>
+              </a:gs>
+            </a:gsLst>
+            <a:path path="circle">
+              <a:fillToRect l="50000" t="50000" r="50000" b="50000"/>
+            </a:path>
+            <a:tileRect/>
+          </a:gradFill>
+          <a:ln>
+            <a:noFill/>
+          </a:ln>
+          <a:effectLst/>
+        </p:spPr>
+        <p:style>
+          <a:lnRef idx="1">
+            <a:schemeClr val="accent1"/>
+          </a:lnRef>
+          <a:fillRef idx="3">
+            <a:schemeClr val="accent1"/>
+          </a:fillRef>
+          <a:effectRef idx="2">
+            <a:schemeClr val="accent1"/>
+          </a:effectRef>
+          <a:fontRef idx="minor">
+            <a:schemeClr val="lt1"/>
+          </a:fontRef>
+        </p:style>
+      </p:sp>
+      <p:sp>
+        <p:nvSpPr>
+          <p:cNvPr id="21" name="Oval 20"/>
+          <p:cNvSpPr/>
+          <p:nvPr/>
+        </p:nvSpPr>
+        <p:spPr>
+          <a:xfrm>
+            <a:off x="-839788" y="2895600"/>
+            <a:ext cx="2362200" cy="2362200"/>
+          </a:xfrm>
+          <a:prstGeom prst="ellipse">
+            <a:avLst/>
+          </a:prstGeom>
+          <a:gradFill flip="none" rotWithShape="1">
+            <a:gsLst>
+              <a:gs pos="0">
+                <a:schemeClr val="bg2">
+                  <a:lumMod val="40000"/>
+                  <a:lumOff val="60000"/>
+                  <a:alpha val="8000"/>
+                </a:schemeClr>
+              </a:gs>
+              <a:gs pos="72000">
+                <a:schemeClr val="bg2">
+                  <a:lumMod val="40000"/>
+                  <a:lumOff val="60000"/>
+                  <a:alpha val="0"/>
+                </a:schemeClr>
+              </a:gs>
+              <a:gs pos="36000">
+                <a:schemeClr val="bg2">
+                  <a:lumMod val="40000"/>
+                  <a:lumOff val="60000"/>
+                  <a:alpha val="8000"/>
+                </a:schemeClr>
+              </a:gs>
+            </a:gsLst>
+            <a:path path="circle">
+              <a:fillToRect l="50000" t="50000" r="50000" b="50000"/>
+            </a:path>
+            <a:tileRect/>
+          </a:gradFill>
+          <a:ln>
+            <a:noFill/>
+          </a:ln>
+          <a:effectLst/>
+        </p:spPr>
+        <p:style>
+          <a:lnRef idx="1">
+            <a:schemeClr val="accent1"/>
+          </a:lnRef>
+          <a:fillRef idx="3">
+            <a:schemeClr val="accent1"/>
+          </a:fillRef>
+          <a:effectRef idx="2">
+            <a:schemeClr val="accent1"/>
+          </a:effectRef>
+          <a:fontRef idx="minor">
+            <a:schemeClr val="lt1"/>
+          </a:fontRef>
+        </p:style>
+      </p:sp>
+      <p:sp>
+        <p:nvSpPr>
+          <p:cNvPr id="19" name="Rectangle 18"/>
+          <p:cNvSpPr/>
+          <p:nvPr/>
+        </p:nvSpPr>
+        <p:spPr>
+          <a:xfrm>
+            <a:off x="7745644" y="0"/>
+            <a:ext cx="685800" cy="1099458"/>
+          </a:xfrm>
+          <a:prstGeom prst="rect">
+            <a:avLst/>
+          </a:prstGeom>
+          <a:solidFill>
+            <a:schemeClr val="accent1"/>
+          </a:solidFill>
+          <a:ln>
+            <a:noFill/>
+          </a:ln>
+        </p:spPr>
+        <p:style>
+          <a:lnRef idx="1">
+            <a:schemeClr val="accent1"/>
+          </a:lnRef>
+          <a:fillRef idx="3">
+            <a:schemeClr val="accent1"/>
+          </a:fillRef>
+          <a:effectRef idx="2">
+            <a:schemeClr val="accent1"/>
+          </a:effectRef>
+          <a:fontRef idx="minor">
+            <a:schemeClr val="lt1"/>
+          </a:fontRef>
+        </p:style>
+      </p:sp>
+      <p:sp>
+        <p:nvSpPr>
+          <p:cNvPr id="2" name="Title Placeholder 1"/>
+          <p:cNvSpPr>
+            <a:spLocks noGrp="1"/>
+          </p:cNvSpPr>
+          <p:nvPr>
+            <p:ph type="title"/>
+          </p:nvPr>
+        </p:nvSpPr>
+        <p:spPr>
+          <a:xfrm>
+            <a:off x="484710" y="452718"/>
+            <a:ext cx="7055380" cy="1400530"/>
           </a:xfrm>
           <a:prstGeom prst="rect">
             <a:avLst/>
           </a:prstGeom>
         </p:spPr>
         <p:txBody>
-          <a:bodyPr vert="horz" lIns="91440" tIns="45720" rIns="91440" bIns="45720" rtlCol="0" anchor="ctr">
-            <a:normAutofit/>
+          <a:bodyPr vert="horz" lIns="91440" tIns="45720" rIns="91440" bIns="45720" rtlCol="0" anchor="t">
+            <a:noAutofit/>
           </a:bodyPr>
           <a:lstStyle/>
           <a:p>
@@ -3202,13 +6141,13 @@
               <a:rPr lang="de-DE" smtClean="0"/>
               <a:t>Titelmasterformat durch Klicken bearbeiten</a:t>
             </a:r>
-            <a:endParaRPr lang="de-DE"/>
-          </a:p>
-        </p:txBody>
-      </p:sp>
-      <p:sp>
-        <p:nvSpPr>
-          <p:cNvPr id="3" name="Textplatzhalter 2"/>
+            <a:endParaRPr lang="en-US" dirty="0"/>
+          </a:p>
+        </p:txBody>
+      </p:sp>
+      <p:sp>
+        <p:nvSpPr>
+          <p:cNvPr id="3" name="Text Placeholder 2"/>
           <p:cNvSpPr>
             <a:spLocks noGrp="1"/>
           </p:cNvSpPr>
@@ -3218,8 +6157,8 @@
         </p:nvSpPr>
         <p:spPr>
           <a:xfrm>
-            <a:off x="457200" y="1600200"/>
-            <a:ext cx="8229600" cy="4525963"/>
+            <a:off x="827700" y="2052925"/>
+            <a:ext cx="6711654" cy="4195481"/>
           </a:xfrm>
           <a:prstGeom prst="rect">
             <a:avLst/>
@@ -3234,7 +6173,7 @@
             <a:pPr lvl="0"/>
             <a:r>
               <a:rPr lang="de-DE" smtClean="0"/>
-              <a:t>Textmasterformat bearbeiten</a:t>
+              <a:t>Formatvorlagen des Textmasters bearbeiten</a:t>
             </a:r>
           </a:p>
           <a:p>
@@ -3264,13 +6203,13 @@
               <a:rPr lang="de-DE" smtClean="0"/>
               <a:t>Fünfte Ebene</a:t>
             </a:r>
-            <a:endParaRPr lang="de-DE"/>
-          </a:p>
-        </p:txBody>
-      </p:sp>
-      <p:sp>
-        <p:nvSpPr>
-          <p:cNvPr id="4" name="Datumsplatzhalter 3"/>
+            <a:endParaRPr lang="en-US" dirty="0"/>
+          </a:p>
+        </p:txBody>
+      </p:sp>
+      <p:sp>
+        <p:nvSpPr>
+          <p:cNvPr id="4" name="Date Placeholder 3"/>
           <p:cNvSpPr>
             <a:spLocks noGrp="1"/>
           </p:cNvSpPr>
@@ -3279,19 +6218,99 @@
           </p:nvPr>
         </p:nvSpPr>
         <p:spPr>
-          <a:xfrm>
-            <a:off x="457200" y="6356350"/>
-            <a:ext cx="2133600" cy="365125"/>
+          <a:xfrm rot="5400000">
+            <a:off x="7494989" y="1828771"/>
+            <a:ext cx="990599" cy="228659"/>
           </a:xfrm>
           <a:prstGeom prst="rect">
             <a:avLst/>
           </a:prstGeom>
         </p:spPr>
         <p:txBody>
-          <a:bodyPr vert="horz" lIns="91440" tIns="45720" rIns="91440" bIns="45720" rtlCol="0" anchor="ctr"/>
+          <a:bodyPr vert="horz" lIns="91440" tIns="45720" rIns="91440" bIns="45720" rtlCol="0" anchor="t"/>
           <a:lstStyle>
             <a:lvl1pPr algn="l">
-              <a:defRPr sz="1200">
+              <a:defRPr sz="1100" b="0" i="0">
+                <a:solidFill>
+                  <a:schemeClr val="tx1">
+                    <a:tint val="75000"/>
+                    <a:alpha val="60000"/>
+                  </a:schemeClr>
+                </a:solidFill>
+              </a:defRPr>
+            </a:lvl1pPr>
+          </a:lstStyle>
+          <a:p>
+            <a:fld id="{6BBDE0CE-4CFD-4B43-9818-2D49E9011334}" type="datetimeFigureOut">
+              <a:rPr lang="de-DE" smtClean="0"/>
+              <a:t>11.06.2018</a:t>
+            </a:fld>
+            <a:endParaRPr lang="de-DE"/>
+          </a:p>
+        </p:txBody>
+      </p:sp>
+      <p:sp>
+        <p:nvSpPr>
+          <p:cNvPr id="5" name="Footer Placeholder 4"/>
+          <p:cNvSpPr>
+            <a:spLocks noGrp="1"/>
+          </p:cNvSpPr>
+          <p:nvPr>
+            <p:ph type="ftr" sz="quarter" idx="3"/>
+          </p:nvPr>
+        </p:nvSpPr>
+        <p:spPr>
+          <a:xfrm rot="5400000">
+            <a:off x="6233335" y="3263371"/>
+            <a:ext cx="3859795" cy="228660"/>
+          </a:xfrm>
+          <a:prstGeom prst="rect">
+            <a:avLst/>
+          </a:prstGeom>
+        </p:spPr>
+        <p:txBody>
+          <a:bodyPr vert="horz" lIns="91440" tIns="45720" rIns="91440" bIns="45720" rtlCol="0" anchor="b"/>
+          <a:lstStyle>
+            <a:lvl1pPr algn="l">
+              <a:defRPr sz="1100" b="0" i="0">
+                <a:solidFill>
+                  <a:schemeClr val="tx1">
+                    <a:tint val="75000"/>
+                    <a:alpha val="60000"/>
+                  </a:schemeClr>
+                </a:solidFill>
+              </a:defRPr>
+            </a:lvl1pPr>
+          </a:lstStyle>
+          <a:p>
+            <a:endParaRPr lang="de-DE"/>
+          </a:p>
+        </p:txBody>
+      </p:sp>
+      <p:sp>
+        <p:nvSpPr>
+          <p:cNvPr id="6" name="Slide Number Placeholder 5"/>
+          <p:cNvSpPr>
+            <a:spLocks noGrp="1"/>
+          </p:cNvSpPr>
+          <p:nvPr>
+            <p:ph type="sldNum" sz="quarter" idx="4"/>
+          </p:nvPr>
+        </p:nvSpPr>
+        <p:spPr>
+          <a:xfrm>
+            <a:off x="7766431" y="295736"/>
+            <a:ext cx="628813" cy="767687"/>
+          </a:xfrm>
+          <a:prstGeom prst="rect">
+            <a:avLst/>
+          </a:prstGeom>
+        </p:spPr>
+        <p:txBody>
+          <a:bodyPr vert="horz" lIns="91440" tIns="45720" rIns="91440" bIns="45720" rtlCol="0" anchor="b"/>
+          <a:lstStyle>
+            <a:lvl1pPr algn="ctr">
+              <a:defRPr sz="2801" b="0" i="0">
                 <a:solidFill>
                   <a:schemeClr val="tx1">
                     <a:tint val="75000"/>
@@ -3301,84 +6320,6 @@
             </a:lvl1pPr>
           </a:lstStyle>
           <a:p>
-            <a:fld id="{6BBDE0CE-4CFD-4B43-9818-2D49E9011334}" type="datetimeFigureOut">
-              <a:rPr lang="de-DE" smtClean="0"/>
-              <a:t>05.06.2018</a:t>
-            </a:fld>
-            <a:endParaRPr lang="de-DE"/>
-          </a:p>
-        </p:txBody>
-      </p:sp>
-      <p:sp>
-        <p:nvSpPr>
-          <p:cNvPr id="5" name="Fußzeilenplatzhalter 4"/>
-          <p:cNvSpPr>
-            <a:spLocks noGrp="1"/>
-          </p:cNvSpPr>
-          <p:nvPr>
-            <p:ph type="ftr" sz="quarter" idx="3"/>
-          </p:nvPr>
-        </p:nvSpPr>
-        <p:spPr>
-          <a:xfrm>
-            <a:off x="3124200" y="6356350"/>
-            <a:ext cx="2895600" cy="365125"/>
-          </a:xfrm>
-          <a:prstGeom prst="rect">
-            <a:avLst/>
-          </a:prstGeom>
-        </p:spPr>
-        <p:txBody>
-          <a:bodyPr vert="horz" lIns="91440" tIns="45720" rIns="91440" bIns="45720" rtlCol="0" anchor="ctr"/>
-          <a:lstStyle>
-            <a:lvl1pPr algn="ctr">
-              <a:defRPr sz="1200">
-                <a:solidFill>
-                  <a:schemeClr val="tx1">
-                    <a:tint val="75000"/>
-                  </a:schemeClr>
-                </a:solidFill>
-              </a:defRPr>
-            </a:lvl1pPr>
-          </a:lstStyle>
-          <a:p>
-            <a:endParaRPr lang="de-DE"/>
-          </a:p>
-        </p:txBody>
-      </p:sp>
-      <p:sp>
-        <p:nvSpPr>
-          <p:cNvPr id="6" name="Foliennummernplatzhalter 5"/>
-          <p:cNvSpPr>
-            <a:spLocks noGrp="1"/>
-          </p:cNvSpPr>
-          <p:nvPr>
-            <p:ph type="sldNum" sz="quarter" idx="4"/>
-          </p:nvPr>
-        </p:nvSpPr>
-        <p:spPr>
-          <a:xfrm>
-            <a:off x="6553200" y="6356350"/>
-            <a:ext cx="2133600" cy="365125"/>
-          </a:xfrm>
-          <a:prstGeom prst="rect">
-            <a:avLst/>
-          </a:prstGeom>
-        </p:spPr>
-        <p:txBody>
-          <a:bodyPr vert="horz" lIns="91440" tIns="45720" rIns="91440" bIns="45720" rtlCol="0" anchor="ctr"/>
-          <a:lstStyle>
-            <a:lvl1pPr algn="r">
-              <a:defRPr sz="1200">
-                <a:solidFill>
-                  <a:schemeClr val="tx1">
-                    <a:tint val="75000"/>
-                  </a:schemeClr>
-                </a:solidFill>
-              </a:defRPr>
-            </a:lvl1pPr>
-          </a:lstStyle>
-          <a:p>
             <a:fld id="{8C8625AF-8EA7-45E9-B91C-921CE9E21B57}" type="slidenum">
               <a:rPr lang="de-DE" smtClean="0"/>
               <a:t>‹Nr.›</a:t>
@@ -3390,32 +6331,118 @@
     </p:spTree>
     <p:extLst>
       <p:ext uri="{BB962C8B-B14F-4D97-AF65-F5344CB8AC3E}">
-        <p14:creationId xmlns:p14="http://schemas.microsoft.com/office/powerpoint/2010/main" val="165287157"/>
+        <p14:creationId xmlns:p14="http://schemas.microsoft.com/office/powerpoint/2010/main" val="293605776"/>
       </p:ext>
     </p:extLst>
   </p:cSld>
-  <p:clrMap bg1="lt1" tx1="dk1" bg2="lt2" tx2="dk2" accent1="accent1" accent2="accent2" accent3="accent3" accent4="accent4" accent5="accent5" accent6="accent6" hlink="hlink" folHlink="folHlink"/>
+  <p:clrMap bg1="dk1" tx1="lt1" bg2="dk2" tx2="lt2" accent1="accent1" accent2="accent2" accent3="accent3" accent4="accent4" accent5="accent5" accent6="accent6" hlink="hlink" folHlink="folHlink"/>
   <p:sldLayoutIdLst>
-    <p:sldLayoutId id="2147483649" r:id="rId1"/>
-    <p:sldLayoutId id="2147483650" r:id="rId2"/>
-    <p:sldLayoutId id="2147483651" r:id="rId3"/>
-    <p:sldLayoutId id="2147483652" r:id="rId4"/>
-    <p:sldLayoutId id="2147483653" r:id="rId5"/>
-    <p:sldLayoutId id="2147483654" r:id="rId6"/>
-    <p:sldLayoutId id="2147483655" r:id="rId7"/>
-    <p:sldLayoutId id="2147483656" r:id="rId8"/>
-    <p:sldLayoutId id="2147483657" r:id="rId9"/>
-    <p:sldLayoutId id="2147483658" r:id="rId10"/>
-    <p:sldLayoutId id="2147483659" r:id="rId11"/>
+    <p:sldLayoutId id="2147483708" r:id="rId1"/>
+    <p:sldLayoutId id="2147483709" r:id="rId2"/>
+    <p:sldLayoutId id="2147483710" r:id="rId3"/>
+    <p:sldLayoutId id="2147483711" r:id="rId4"/>
+    <p:sldLayoutId id="2147483712" r:id="rId5"/>
+    <p:sldLayoutId id="2147483713" r:id="rId6"/>
+    <p:sldLayoutId id="2147483714" r:id="rId7"/>
+    <p:sldLayoutId id="2147483715" r:id="rId8"/>
+    <p:sldLayoutId id="2147483716" r:id="rId9"/>
+    <p:sldLayoutId id="2147483717" r:id="rId10"/>
+    <p:sldLayoutId id="2147483718" r:id="rId11"/>
+    <p:sldLayoutId id="2147483719" r:id="rId12"/>
+    <p:sldLayoutId id="2147483720" r:id="rId13"/>
+    <p:sldLayoutId id="2147483721" r:id="rId14"/>
+    <p:sldLayoutId id="2147483722" r:id="rId15"/>
+    <p:sldLayoutId id="2147483723" r:id="rId16"/>
+    <p:sldLayoutId id="2147483724" r:id="rId17"/>
   </p:sldLayoutIdLst>
   <p:txStyles>
     <p:titleStyle>
-      <a:lvl1pPr algn="ctr" defTabSz="914400" rtl="0" eaLnBrk="1" latinLnBrk="0" hangingPunct="1">
+      <a:lvl1pPr algn="l" defTabSz="457200" rtl="0" eaLnBrk="1" latinLnBrk="0" hangingPunct="1">
         <a:spcBef>
           <a:spcPct val="0"/>
         </a:spcBef>
         <a:buNone/>
-        <a:defRPr sz="4400" kern="1200">
+        <a:defRPr sz="4200" b="0" i="0" kern="1200">
+          <a:solidFill>
+            <a:schemeClr val="tx2"/>
+          </a:solidFill>
+          <a:latin typeface="+mj-lt"/>
+          <a:ea typeface="+mj-ea"/>
+          <a:cs typeface="+mj-cs"/>
+        </a:defRPr>
+      </a:lvl1pPr>
+      <a:lvl2pPr eaLnBrk="1" hangingPunct="1">
+        <a:defRPr>
+          <a:solidFill>
+            <a:schemeClr val="tx2"/>
+          </a:solidFill>
+        </a:defRPr>
+      </a:lvl2pPr>
+      <a:lvl3pPr eaLnBrk="1" hangingPunct="1">
+        <a:defRPr>
+          <a:solidFill>
+            <a:schemeClr val="tx2"/>
+          </a:solidFill>
+        </a:defRPr>
+      </a:lvl3pPr>
+      <a:lvl4pPr eaLnBrk="1" hangingPunct="1">
+        <a:defRPr>
+          <a:solidFill>
+            <a:schemeClr val="tx2"/>
+          </a:solidFill>
+        </a:defRPr>
+      </a:lvl4pPr>
+      <a:lvl5pPr eaLnBrk="1" hangingPunct="1">
+        <a:defRPr>
+          <a:solidFill>
+            <a:schemeClr val="tx2"/>
+          </a:solidFill>
+        </a:defRPr>
+      </a:lvl5pPr>
+      <a:lvl6pPr eaLnBrk="1" hangingPunct="1">
+        <a:defRPr>
+          <a:solidFill>
+            <a:schemeClr val="tx2"/>
+          </a:solidFill>
+        </a:defRPr>
+      </a:lvl6pPr>
+      <a:lvl7pPr eaLnBrk="1" hangingPunct="1">
+        <a:defRPr>
+          <a:solidFill>
+            <a:schemeClr val="tx2"/>
+          </a:solidFill>
+        </a:defRPr>
+      </a:lvl7pPr>
+      <a:lvl8pPr eaLnBrk="1" hangingPunct="1">
+        <a:defRPr>
+          <a:solidFill>
+            <a:schemeClr val="tx2"/>
+          </a:solidFill>
+        </a:defRPr>
+      </a:lvl8pPr>
+      <a:lvl9pPr eaLnBrk="1" hangingPunct="1">
+        <a:defRPr>
+          <a:solidFill>
+            <a:schemeClr val="tx2"/>
+          </a:solidFill>
+        </a:defRPr>
+      </a:lvl9pPr>
+    </p:titleStyle>
+    <p:bodyStyle>
+      <a:lvl1pPr marL="342900" indent="-342900" algn="l" defTabSz="457200" rtl="0" eaLnBrk="1" latinLnBrk="0" hangingPunct="1">
+        <a:spcBef>
+          <a:spcPts val="1000"/>
+        </a:spcBef>
+        <a:spcAft>
+          <a:spcPts val="0"/>
+        </a:spcAft>
+        <a:buClr>
+          <a:schemeClr val="accent1"/>
+        </a:buClr>
+        <a:buSzPct val="80000"/>
+        <a:buFont typeface="Wingdings 3" charset="2"/>
+        <a:buChar char=""/>
+        <a:defRPr sz="2000" b="0" i="0" kern="1200">
           <a:solidFill>
             <a:schemeClr val="tx1"/>
           </a:solidFill>
@@ -3424,149 +6451,188 @@
           <a:cs typeface="+mj-cs"/>
         </a:defRPr>
       </a:lvl1pPr>
-    </p:titleStyle>
-    <p:bodyStyle>
-      <a:lvl1pPr marL="342900" indent="-342900" algn="l" defTabSz="914400" rtl="0" eaLnBrk="1" latinLnBrk="0" hangingPunct="1">
+      <a:lvl2pPr marL="742950" indent="-285750" algn="l" defTabSz="457200" rtl="0" eaLnBrk="1" latinLnBrk="0" hangingPunct="1">
         <a:spcBef>
-          <a:spcPct val="20000"/>
+          <a:spcPts val="1000"/>
         </a:spcBef>
-        <a:buFont typeface="Arial" panose="020B0604020202020204" pitchFamily="34" charset="0"/>
-        <a:buChar char="•"/>
-        <a:defRPr sz="3200" kern="1200">
+        <a:spcAft>
+          <a:spcPts val="0"/>
+        </a:spcAft>
+        <a:buClr>
+          <a:schemeClr val="accent1"/>
+        </a:buClr>
+        <a:buSzPct val="80000"/>
+        <a:buFont typeface="Wingdings 3" charset="2"/>
+        <a:buChar char=""/>
+        <a:defRPr sz="1800" b="0" i="0" kern="1200">
           <a:solidFill>
             <a:schemeClr val="tx1"/>
           </a:solidFill>
-          <a:latin typeface="+mn-lt"/>
-          <a:ea typeface="+mn-ea"/>
-          <a:cs typeface="+mn-cs"/>
+          <a:latin typeface="+mj-lt"/>
+          <a:ea typeface="+mj-ea"/>
+          <a:cs typeface="+mj-cs"/>
         </a:defRPr>
-      </a:lvl1pPr>
-      <a:lvl2pPr marL="742950" indent="-285750" algn="l" defTabSz="914400" rtl="0" eaLnBrk="1" latinLnBrk="0" hangingPunct="1">
+      </a:lvl2pPr>
+      <a:lvl3pPr marL="1143000" indent="-228600" algn="l" defTabSz="457200" rtl="0" eaLnBrk="1" latinLnBrk="0" hangingPunct="1">
         <a:spcBef>
-          <a:spcPct val="20000"/>
+          <a:spcPts val="1000"/>
         </a:spcBef>
-        <a:buFont typeface="Arial" panose="020B0604020202020204" pitchFamily="34" charset="0"/>
-        <a:buChar char="–"/>
-        <a:defRPr sz="2800" kern="1200">
+        <a:spcAft>
+          <a:spcPts val="0"/>
+        </a:spcAft>
+        <a:buClr>
+          <a:schemeClr val="accent1"/>
+        </a:buClr>
+        <a:buSzPct val="80000"/>
+        <a:buFont typeface="Wingdings 3" charset="2"/>
+        <a:buChar char=""/>
+        <a:defRPr sz="1600" b="0" i="0" kern="1200">
           <a:solidFill>
             <a:schemeClr val="tx1"/>
           </a:solidFill>
-          <a:latin typeface="+mn-lt"/>
-          <a:ea typeface="+mn-ea"/>
-          <a:cs typeface="+mn-cs"/>
+          <a:latin typeface="+mj-lt"/>
+          <a:ea typeface="+mj-ea"/>
+          <a:cs typeface="+mj-cs"/>
         </a:defRPr>
-      </a:lvl2pPr>
-      <a:lvl3pPr marL="1143000" indent="-228600" algn="l" defTabSz="914400" rtl="0" eaLnBrk="1" latinLnBrk="0" hangingPunct="1">
+      </a:lvl3pPr>
+      <a:lvl4pPr marL="1600200" indent="-228600" algn="l" defTabSz="457200" rtl="0" eaLnBrk="1" latinLnBrk="0" hangingPunct="1">
         <a:spcBef>
-          <a:spcPct val="20000"/>
+          <a:spcPts val="1000"/>
         </a:spcBef>
-        <a:buFont typeface="Arial" panose="020B0604020202020204" pitchFamily="34" charset="0"/>
-        <a:buChar char="•"/>
-        <a:defRPr sz="2400" kern="1200">
+        <a:spcAft>
+          <a:spcPts val="0"/>
+        </a:spcAft>
+        <a:buClr>
+          <a:schemeClr val="accent1"/>
+        </a:buClr>
+        <a:buSzPct val="80000"/>
+        <a:buFont typeface="Wingdings 3" charset="2"/>
+        <a:buChar char=""/>
+        <a:defRPr sz="1400" b="0" i="0" kern="1200">
           <a:solidFill>
             <a:schemeClr val="tx1"/>
           </a:solidFill>
-          <a:latin typeface="+mn-lt"/>
-          <a:ea typeface="+mn-ea"/>
-          <a:cs typeface="+mn-cs"/>
+          <a:latin typeface="+mj-lt"/>
+          <a:ea typeface="+mj-ea"/>
+          <a:cs typeface="+mj-cs"/>
         </a:defRPr>
-      </a:lvl3pPr>
-      <a:lvl4pPr marL="1600200" indent="-228600" algn="l" defTabSz="914400" rtl="0" eaLnBrk="1" latinLnBrk="0" hangingPunct="1">
+      </a:lvl4pPr>
+      <a:lvl5pPr marL="2057400" indent="-228600" algn="l" defTabSz="457200" rtl="0" eaLnBrk="1" latinLnBrk="0" hangingPunct="1">
         <a:spcBef>
-          <a:spcPct val="20000"/>
+          <a:spcPts val="1000"/>
         </a:spcBef>
-        <a:buFont typeface="Arial" panose="020B0604020202020204" pitchFamily="34" charset="0"/>
-        <a:buChar char="–"/>
-        <a:defRPr sz="2000" kern="1200">
+        <a:spcAft>
+          <a:spcPts val="0"/>
+        </a:spcAft>
+        <a:buClr>
+          <a:schemeClr val="accent1"/>
+        </a:buClr>
+        <a:buSzPct val="80000"/>
+        <a:buFont typeface="Wingdings 3" charset="2"/>
+        <a:buChar char=""/>
+        <a:defRPr sz="1400" b="0" i="0" kern="1200">
           <a:solidFill>
             <a:schemeClr val="tx1"/>
           </a:solidFill>
-          <a:latin typeface="+mn-lt"/>
-          <a:ea typeface="+mn-ea"/>
-          <a:cs typeface="+mn-cs"/>
+          <a:latin typeface="+mj-lt"/>
+          <a:ea typeface="+mj-ea"/>
+          <a:cs typeface="+mj-cs"/>
         </a:defRPr>
-      </a:lvl4pPr>
-      <a:lvl5pPr marL="2057400" indent="-228600" algn="l" defTabSz="914400" rtl="0" eaLnBrk="1" latinLnBrk="0" hangingPunct="1">
+      </a:lvl5pPr>
+      <a:lvl6pPr marL="2514600" indent="-228600" algn="l" defTabSz="457200" rtl="0" eaLnBrk="1" latinLnBrk="0" hangingPunct="1">
         <a:spcBef>
-          <a:spcPct val="20000"/>
+          <a:spcPts val="1000"/>
         </a:spcBef>
-        <a:buFont typeface="Arial" panose="020B0604020202020204" pitchFamily="34" charset="0"/>
-        <a:buChar char="»"/>
-        <a:defRPr sz="2000" kern="1200">
+        <a:spcAft>
+          <a:spcPts val="0"/>
+        </a:spcAft>
+        <a:buClr>
+          <a:schemeClr val="accent1"/>
+        </a:buClr>
+        <a:buSzPct val="80000"/>
+        <a:buFont typeface="Wingdings 3" charset="2"/>
+        <a:buChar char=""/>
+        <a:defRPr sz="1400" b="0" i="0" kern="1200">
           <a:solidFill>
             <a:schemeClr val="tx1"/>
           </a:solidFill>
-          <a:latin typeface="+mn-lt"/>
-          <a:ea typeface="+mn-ea"/>
-          <a:cs typeface="+mn-cs"/>
+          <a:latin typeface="+mj-lt"/>
+          <a:ea typeface="+mj-ea"/>
+          <a:cs typeface="+mj-cs"/>
         </a:defRPr>
-      </a:lvl5pPr>
-      <a:lvl6pPr marL="2514600" indent="-228600" algn="l" defTabSz="914400" rtl="0" eaLnBrk="1" latinLnBrk="0" hangingPunct="1">
+      </a:lvl6pPr>
+      <a:lvl7pPr marL="2971800" indent="-228600" algn="l" defTabSz="457200" rtl="0" eaLnBrk="1" latinLnBrk="0" hangingPunct="1">
         <a:spcBef>
-          <a:spcPct val="20000"/>
+          <a:spcPts val="1000"/>
         </a:spcBef>
-        <a:buFont typeface="Arial" panose="020B0604020202020204" pitchFamily="34" charset="0"/>
-        <a:buChar char="•"/>
-        <a:defRPr sz="2000" kern="1200">
+        <a:spcAft>
+          <a:spcPts val="0"/>
+        </a:spcAft>
+        <a:buClr>
+          <a:schemeClr val="accent1"/>
+        </a:buClr>
+        <a:buSzPct val="80000"/>
+        <a:buFont typeface="Wingdings 3" charset="2"/>
+        <a:buChar char=""/>
+        <a:defRPr sz="1400" b="0" i="0" kern="1200">
           <a:solidFill>
             <a:schemeClr val="tx1"/>
           </a:solidFill>
-          <a:latin typeface="+mn-lt"/>
-          <a:ea typeface="+mn-ea"/>
-          <a:cs typeface="+mn-cs"/>
+          <a:latin typeface="+mj-lt"/>
+          <a:ea typeface="+mj-ea"/>
+          <a:cs typeface="+mj-cs"/>
         </a:defRPr>
-      </a:lvl6pPr>
-      <a:lvl7pPr marL="2971800" indent="-228600" algn="l" defTabSz="914400" rtl="0" eaLnBrk="1" latinLnBrk="0" hangingPunct="1">
+      </a:lvl7pPr>
+      <a:lvl8pPr marL="3429000" indent="-228600" algn="l" defTabSz="457200" rtl="0" eaLnBrk="1" latinLnBrk="0" hangingPunct="1">
         <a:spcBef>
-          <a:spcPct val="20000"/>
+          <a:spcPts val="1000"/>
         </a:spcBef>
-        <a:buFont typeface="Arial" panose="020B0604020202020204" pitchFamily="34" charset="0"/>
-        <a:buChar char="•"/>
-        <a:defRPr sz="2000" kern="1200">
+        <a:spcAft>
+          <a:spcPts val="0"/>
+        </a:spcAft>
+        <a:buClr>
+          <a:schemeClr val="accent1"/>
+        </a:buClr>
+        <a:buSzPct val="80000"/>
+        <a:buFont typeface="Wingdings 3" charset="2"/>
+        <a:buChar char=""/>
+        <a:defRPr sz="1400" b="0" i="0" kern="1200">
           <a:solidFill>
             <a:schemeClr val="tx1"/>
           </a:solidFill>
-          <a:latin typeface="+mn-lt"/>
-          <a:ea typeface="+mn-ea"/>
-          <a:cs typeface="+mn-cs"/>
+          <a:latin typeface="+mj-lt"/>
+          <a:ea typeface="+mj-ea"/>
+          <a:cs typeface="+mj-cs"/>
         </a:defRPr>
-      </a:lvl7pPr>
-      <a:lvl8pPr marL="3429000" indent="-228600" algn="l" defTabSz="914400" rtl="0" eaLnBrk="1" latinLnBrk="0" hangingPunct="1">
+      </a:lvl8pPr>
+      <a:lvl9pPr marL="3886200" indent="-228600" algn="l" defTabSz="457200" rtl="0" eaLnBrk="1" latinLnBrk="0" hangingPunct="1">
         <a:spcBef>
-          <a:spcPct val="20000"/>
+          <a:spcPts val="1000"/>
         </a:spcBef>
-        <a:buFont typeface="Arial" panose="020B0604020202020204" pitchFamily="34" charset="0"/>
-        <a:buChar char="•"/>
-        <a:defRPr sz="2000" kern="1200">
+        <a:spcAft>
+          <a:spcPts val="0"/>
+        </a:spcAft>
+        <a:buClr>
+          <a:schemeClr val="accent1"/>
+        </a:buClr>
+        <a:buSzPct val="80000"/>
+        <a:buFont typeface="Wingdings 3" charset="2"/>
+        <a:buChar char=""/>
+        <a:defRPr sz="1400" b="0" i="0" kern="1200">
           <a:solidFill>
             <a:schemeClr val="tx1"/>
           </a:solidFill>
-          <a:latin typeface="+mn-lt"/>
-          <a:ea typeface="+mn-ea"/>
-          <a:cs typeface="+mn-cs"/>
-        </a:defRPr>
-      </a:lvl8pPr>
-      <a:lvl9pPr marL="3886200" indent="-228600" algn="l" defTabSz="914400" rtl="0" eaLnBrk="1" latinLnBrk="0" hangingPunct="1">
-        <a:spcBef>
-          <a:spcPct val="20000"/>
-        </a:spcBef>
-        <a:buFont typeface="Arial" panose="020B0604020202020204" pitchFamily="34" charset="0"/>
-        <a:buChar char="•"/>
-        <a:defRPr sz="2000" kern="1200">
-          <a:solidFill>
-            <a:schemeClr val="tx1"/>
-          </a:solidFill>
-          <a:latin typeface="+mn-lt"/>
-          <a:ea typeface="+mn-ea"/>
-          <a:cs typeface="+mn-cs"/>
+          <a:latin typeface="+mj-lt"/>
+          <a:ea typeface="+mj-ea"/>
+          <a:cs typeface="+mj-cs"/>
         </a:defRPr>
       </a:lvl9pPr>
     </p:bodyStyle>
     <p:otherStyle>
       <a:defPPr>
-        <a:defRPr lang="de-DE"/>
+        <a:defRPr lang="en-US"/>
       </a:defPPr>
-      <a:lvl1pPr marL="0" algn="l" defTabSz="914400" rtl="0" eaLnBrk="1" latinLnBrk="0" hangingPunct="1">
+      <a:lvl1pPr marL="0" algn="l" defTabSz="457200" rtl="0" eaLnBrk="1" latinLnBrk="0" hangingPunct="1">
         <a:defRPr sz="1800" kern="1200">
           <a:solidFill>
             <a:schemeClr val="tx1"/>
@@ -3576,7 +6642,7 @@
           <a:cs typeface="+mn-cs"/>
         </a:defRPr>
       </a:lvl1pPr>
-      <a:lvl2pPr marL="457200" algn="l" defTabSz="914400" rtl="0" eaLnBrk="1" latinLnBrk="0" hangingPunct="1">
+      <a:lvl2pPr marL="457200" algn="l" defTabSz="457200" rtl="0" eaLnBrk="1" latinLnBrk="0" hangingPunct="1">
         <a:defRPr sz="1800" kern="1200">
           <a:solidFill>
             <a:schemeClr val="tx1"/>
@@ -3586,7 +6652,7 @@
           <a:cs typeface="+mn-cs"/>
         </a:defRPr>
       </a:lvl2pPr>
-      <a:lvl3pPr marL="914400" algn="l" defTabSz="914400" rtl="0" eaLnBrk="1" latinLnBrk="0" hangingPunct="1">
+      <a:lvl3pPr marL="914400" algn="l" defTabSz="457200" rtl="0" eaLnBrk="1" latinLnBrk="0" hangingPunct="1">
         <a:defRPr sz="1800" kern="1200">
           <a:solidFill>
             <a:schemeClr val="tx1"/>
@@ -3596,7 +6662,7 @@
           <a:cs typeface="+mn-cs"/>
         </a:defRPr>
       </a:lvl3pPr>
-      <a:lvl4pPr marL="1371600" algn="l" defTabSz="914400" rtl="0" eaLnBrk="1" latinLnBrk="0" hangingPunct="1">
+      <a:lvl4pPr marL="1371600" algn="l" defTabSz="457200" rtl="0" eaLnBrk="1" latinLnBrk="0" hangingPunct="1">
         <a:defRPr sz="1800" kern="1200">
           <a:solidFill>
             <a:schemeClr val="tx1"/>
@@ -3606,7 +6672,7 @@
           <a:cs typeface="+mn-cs"/>
         </a:defRPr>
       </a:lvl4pPr>
-      <a:lvl5pPr marL="1828800" algn="l" defTabSz="914400" rtl="0" eaLnBrk="1" latinLnBrk="0" hangingPunct="1">
+      <a:lvl5pPr marL="1828800" algn="l" defTabSz="457200" rtl="0" eaLnBrk="1" latinLnBrk="0" hangingPunct="1">
         <a:defRPr sz="1800" kern="1200">
           <a:solidFill>
             <a:schemeClr val="tx1"/>
@@ -3616,7 +6682,7 @@
           <a:cs typeface="+mn-cs"/>
         </a:defRPr>
       </a:lvl5pPr>
-      <a:lvl6pPr marL="2286000" algn="l" defTabSz="914400" rtl="0" eaLnBrk="1" latinLnBrk="0" hangingPunct="1">
+      <a:lvl6pPr marL="2286000" algn="l" defTabSz="457200" rtl="0" eaLnBrk="1" latinLnBrk="0" hangingPunct="1">
         <a:defRPr sz="1800" kern="1200">
           <a:solidFill>
             <a:schemeClr val="tx1"/>
@@ -3626,7 +6692,7 @@
           <a:cs typeface="+mn-cs"/>
         </a:defRPr>
       </a:lvl6pPr>
-      <a:lvl7pPr marL="2743200" algn="l" defTabSz="914400" rtl="0" eaLnBrk="1" latinLnBrk="0" hangingPunct="1">
+      <a:lvl7pPr marL="2743200" algn="l" defTabSz="457200" rtl="0" eaLnBrk="1" latinLnBrk="0" hangingPunct="1">
         <a:defRPr sz="1800" kern="1200">
           <a:solidFill>
             <a:schemeClr val="tx1"/>
@@ -3636,7 +6702,7 @@
           <a:cs typeface="+mn-cs"/>
         </a:defRPr>
       </a:lvl7pPr>
-      <a:lvl8pPr marL="3200400" algn="l" defTabSz="914400" rtl="0" eaLnBrk="1" latinLnBrk="0" hangingPunct="1">
+      <a:lvl8pPr marL="3200400" algn="l" defTabSz="457200" rtl="0" eaLnBrk="1" latinLnBrk="0" hangingPunct="1">
         <a:defRPr sz="1800" kern="1200">
           <a:solidFill>
             <a:schemeClr val="tx1"/>
@@ -3646,7 +6712,7 @@
           <a:cs typeface="+mn-cs"/>
         </a:defRPr>
       </a:lvl8pPr>
-      <a:lvl9pPr marL="3657600" algn="l" defTabSz="914400" rtl="0" eaLnBrk="1" latinLnBrk="0" hangingPunct="1">
+      <a:lvl9pPr marL="3657600" algn="l" defTabSz="457200" rtl="0" eaLnBrk="1" latinLnBrk="0" hangingPunct="1">
         <a:defRPr sz="1800" kern="1200">
           <a:solidFill>
             <a:schemeClr val="tx1"/>
@@ -3716,7 +6782,51 @@
           <a:bodyPr/>
           <a:lstStyle/>
           <a:p>
-            <a:endParaRPr lang="de-DE"/>
+            <a:r>
+              <a:rPr lang="de-DE" dirty="0" smtClean="0"/>
+              <a:t>Von tim </a:t>
+            </a:r>
+            <a:r>
+              <a:rPr lang="de-DE" dirty="0" err="1" smtClean="0"/>
+              <a:t>köhler</a:t>
+            </a:r>
+            <a:r>
+              <a:rPr lang="de-DE" dirty="0" smtClean="0"/>
+              <a:t>, </a:t>
+            </a:r>
+            <a:r>
+              <a:rPr lang="de-DE" dirty="0" err="1" smtClean="0"/>
+              <a:t>julian</a:t>
+            </a:r>
+            <a:r>
+              <a:rPr lang="de-DE" dirty="0" smtClean="0"/>
+              <a:t> </a:t>
+            </a:r>
+            <a:r>
+              <a:rPr lang="de-DE" dirty="0" err="1" smtClean="0"/>
+              <a:t>fürholzer</a:t>
+            </a:r>
+            <a:r>
+              <a:rPr lang="de-DE" dirty="0"/>
+              <a:t> </a:t>
+            </a:r>
+            <a:r>
+              <a:rPr lang="de-DE" dirty="0" smtClean="0"/>
+              <a:t>und </a:t>
+            </a:r>
+            <a:r>
+              <a:rPr lang="de-DE" dirty="0" err="1" smtClean="0"/>
+              <a:t>claus-lucca</a:t>
+            </a:r>
+            <a:r>
+              <a:rPr lang="de-DE" dirty="0" smtClean="0"/>
+              <a:t> </a:t>
+            </a:r>
+            <a:r>
+              <a:rPr lang="de-DE" dirty="0" err="1" smtClean="0"/>
+              <a:t>clausen</a:t>
+            </a:r>
+            <a:endParaRPr lang="de-DE" dirty="0"/>
           </a:p>
         </p:txBody>
       </p:sp>
@@ -3797,20 +6907,39 @@
           <a:p>
             <a:r>
               <a:rPr lang="de-DE" dirty="0" smtClean="0"/>
-              <a:t>(Allgemeines)</a:t>
+              <a:t>Vorstellung</a:t>
             </a:r>
           </a:p>
           <a:p>
             <a:r>
               <a:rPr lang="de-DE" dirty="0" smtClean="0"/>
-              <a:t>Aufbau (orientiert am Video?!)</a:t>
-            </a:r>
+              <a:t>Hintergrund und Ziel</a:t>
+            </a:r>
+            <a:endParaRPr lang="de-DE" dirty="0" smtClean="0"/>
           </a:p>
           <a:p>
             <a:r>
               <a:rPr lang="de-DE" dirty="0" smtClean="0"/>
-              <a:t>Software (Video + vertieftes)</a:t>
-            </a:r>
+              <a:t>Hardware</a:t>
+            </a:r>
+            <a:endParaRPr lang="de-DE" dirty="0" smtClean="0"/>
+          </a:p>
+          <a:p>
+            <a:r>
+              <a:rPr lang="de-DE" dirty="0" smtClean="0"/>
+              <a:t>Software (Video + vertieftes</a:t>
+            </a:r>
+            <a:r>
+              <a:rPr lang="de-DE" dirty="0" smtClean="0"/>
+              <a:t>)</a:t>
+            </a:r>
+          </a:p>
+          <a:p>
+            <a:r>
+              <a:rPr lang="de-DE" dirty="0" smtClean="0"/>
+              <a:t>Finanzierung</a:t>
+            </a:r>
+            <a:endParaRPr lang="de-DE" dirty="0" smtClean="0"/>
           </a:p>
           <a:p>
             <a:r>
@@ -3874,7 +7003,7 @@
           <a:p>
             <a:r>
               <a:rPr lang="de-DE" dirty="0" smtClean="0"/>
-              <a:t>Allgemeines</a:t>
+              <a:t>Vorstellung</a:t>
             </a:r>
             <a:endParaRPr lang="de-DE" dirty="0"/>
           </a:p>
@@ -3897,18 +7026,328 @@
           <a:p>
             <a:r>
               <a:rPr lang="de-DE" dirty="0" smtClean="0"/>
-              <a:t>P-Seminar von 3 11. </a:t>
+              <a:t>11. Klasse</a:t>
+            </a:r>
+            <a:r>
+              <a:rPr lang="de-DE" dirty="0"/>
+              <a:t> </a:t>
+            </a:r>
+            <a:r>
+              <a:rPr lang="de-DE" dirty="0" smtClean="0"/>
+              <a:t>(17 Jahre)</a:t>
+            </a:r>
+          </a:p>
+          <a:p>
+            <a:r>
+              <a:rPr lang="de-DE" dirty="0" smtClean="0"/>
+              <a:t>Ammersee-Gymnasium</a:t>
+            </a:r>
+            <a:endParaRPr lang="de-DE" dirty="0"/>
+          </a:p>
+        </p:txBody>
+      </p:sp>
+      <p:pic>
+        <p:nvPicPr>
+          <p:cNvPr id="4" name="Grafik 3"/>
+          <p:cNvPicPr>
+            <a:picLocks noChangeAspect="1"/>
+          </p:cNvPicPr>
+          <p:nvPr/>
+        </p:nvPicPr>
+        <p:blipFill>
+          <a:blip r:embed="rId2" cstate="print">
+            <a:extLst>
+              <a:ext uri="{28A0092B-C50C-407E-A947-70E740481C1C}">
+                <a14:useLocalDpi xmlns:a14="http://schemas.microsoft.com/office/drawing/2010/main" val="0"/>
+              </a:ext>
+            </a:extLst>
+          </a:blip>
+          <a:stretch>
+            <a:fillRect/>
+          </a:stretch>
+        </p:blipFill>
+        <p:spPr>
+          <a:xfrm>
+            <a:off x="1915275" y="3019592"/>
+            <a:ext cx="4536504" cy="3402378"/>
+          </a:xfrm>
+          <a:prstGeom prst="rect">
+            <a:avLst/>
+          </a:prstGeom>
+        </p:spPr>
+      </p:pic>
+      <p:sp>
+        <p:nvSpPr>
+          <p:cNvPr id="5" name="Freihandform 4"/>
+          <p:cNvSpPr/>
+          <p:nvPr/>
+        </p:nvSpPr>
+        <p:spPr>
+          <a:xfrm>
+            <a:off x="7266204" y="1224195"/>
+            <a:ext cx="825070" cy="1519078"/>
+          </a:xfrm>
+          <a:custGeom>
+            <a:avLst/>
+            <a:gdLst>
+              <a:gd name="connsiteX0" fmla="*/ 381505 w 825070"/>
+              <a:gd name="connsiteY0" fmla="*/ 244387 h 1519078"/>
+              <a:gd name="connsiteX1" fmla="*/ 316851 w 825070"/>
+              <a:gd name="connsiteY1" fmla="*/ 761623 h 1519078"/>
+              <a:gd name="connsiteX2" fmla="*/ 85941 w 825070"/>
+              <a:gd name="connsiteY2" fmla="*/ 881696 h 1519078"/>
+              <a:gd name="connsiteX3" fmla="*/ 12051 w 825070"/>
+              <a:gd name="connsiteY3" fmla="*/ 1260387 h 1519078"/>
+              <a:gd name="connsiteX4" fmla="*/ 316851 w 825070"/>
+              <a:gd name="connsiteY4" fmla="*/ 1509769 h 1519078"/>
+              <a:gd name="connsiteX5" fmla="*/ 621651 w 825070"/>
+              <a:gd name="connsiteY5" fmla="*/ 1398932 h 1519078"/>
+              <a:gd name="connsiteX6" fmla="*/ 824851 w 825070"/>
+              <a:gd name="connsiteY6" fmla="*/ 789332 h 1519078"/>
+              <a:gd name="connsiteX7" fmla="*/ 584705 w 825070"/>
+              <a:gd name="connsiteY7" fmla="*/ 752387 h 1519078"/>
+              <a:gd name="connsiteX8" fmla="*/ 575469 w 825070"/>
+              <a:gd name="connsiteY8" fmla="*/ 22714 h 1519078"/>
+              <a:gd name="connsiteX9" fmla="*/ 381505 w 825070"/>
+              <a:gd name="connsiteY9" fmla="*/ 244387 h 1519078"/>
+            </a:gdLst>
+            <a:ahLst/>
+            <a:cxnLst>
+              <a:cxn ang="0">
+                <a:pos x="connsiteX0" y="connsiteY0"/>
+              </a:cxn>
+              <a:cxn ang="0">
+                <a:pos x="connsiteX1" y="connsiteY1"/>
+              </a:cxn>
+              <a:cxn ang="0">
+                <a:pos x="connsiteX2" y="connsiteY2"/>
+              </a:cxn>
+              <a:cxn ang="0">
+                <a:pos x="connsiteX3" y="connsiteY3"/>
+              </a:cxn>
+              <a:cxn ang="0">
+                <a:pos x="connsiteX4" y="connsiteY4"/>
+              </a:cxn>
+              <a:cxn ang="0">
+                <a:pos x="connsiteX5" y="connsiteY5"/>
+              </a:cxn>
+              <a:cxn ang="0">
+                <a:pos x="connsiteX6" y="connsiteY6"/>
+              </a:cxn>
+              <a:cxn ang="0">
+                <a:pos x="connsiteX7" y="connsiteY7"/>
+              </a:cxn>
+              <a:cxn ang="0">
+                <a:pos x="connsiteX8" y="connsiteY8"/>
+              </a:cxn>
+              <a:cxn ang="0">
+                <a:pos x="connsiteX9" y="connsiteY9"/>
+              </a:cxn>
+            </a:cxnLst>
+            <a:rect l="l" t="t" r="r" b="b"/>
+            <a:pathLst>
+              <a:path w="825070" h="1519078">
+                <a:moveTo>
+                  <a:pt x="381505" y="244387"/>
+                </a:moveTo>
+                <a:cubicBezTo>
+                  <a:pt x="338402" y="367539"/>
+                  <a:pt x="366112" y="655405"/>
+                  <a:pt x="316851" y="761623"/>
+                </a:cubicBezTo>
+                <a:cubicBezTo>
+                  <a:pt x="267590" y="867841"/>
+                  <a:pt x="136741" y="798569"/>
+                  <a:pt x="85941" y="881696"/>
+                </a:cubicBezTo>
+                <a:cubicBezTo>
+                  <a:pt x="35141" y="964823"/>
+                  <a:pt x="-26434" y="1155708"/>
+                  <a:pt x="12051" y="1260387"/>
+                </a:cubicBezTo>
+                <a:cubicBezTo>
+                  <a:pt x="50536" y="1365066"/>
+                  <a:pt x="215251" y="1486678"/>
+                  <a:pt x="316851" y="1509769"/>
+                </a:cubicBezTo>
+                <a:cubicBezTo>
+                  <a:pt x="418451" y="1532860"/>
+                  <a:pt x="536984" y="1519005"/>
+                  <a:pt x="621651" y="1398932"/>
+                </a:cubicBezTo>
+                <a:cubicBezTo>
+                  <a:pt x="706318" y="1278859"/>
+                  <a:pt x="831009" y="897089"/>
+                  <a:pt x="824851" y="789332"/>
+                </a:cubicBezTo>
+                <a:cubicBezTo>
+                  <a:pt x="818693" y="681575"/>
+                  <a:pt x="626269" y="880157"/>
+                  <a:pt x="584705" y="752387"/>
+                </a:cubicBezTo>
+                <a:cubicBezTo>
+                  <a:pt x="543141" y="624617"/>
+                  <a:pt x="607796" y="110459"/>
+                  <a:pt x="575469" y="22714"/>
+                </a:cubicBezTo>
+                <a:cubicBezTo>
+                  <a:pt x="543142" y="-65031"/>
+                  <a:pt x="424608" y="121235"/>
+                  <a:pt x="381505" y="244387"/>
+                </a:cubicBezTo>
+                <a:close/>
+              </a:path>
+            </a:pathLst>
+          </a:custGeom>
+        </p:spPr>
+        <p:style>
+          <a:lnRef idx="2">
+            <a:schemeClr val="accent1">
+              <a:shade val="50000"/>
+            </a:schemeClr>
+          </a:lnRef>
+          <a:fillRef idx="1">
+            <a:schemeClr val="accent1"/>
+          </a:fillRef>
+          <a:effectRef idx="0">
+            <a:schemeClr val="accent1"/>
+          </a:effectRef>
+          <a:fontRef idx="minor">
+            <a:schemeClr val="lt1"/>
+          </a:fontRef>
+        </p:style>
+        <p:txBody>
+          <a:bodyPr rtlCol="0" anchor="ctr"/>
+          <a:lstStyle/>
+          <a:p>
+            <a:pPr algn="ctr"/>
+            <a:endParaRPr lang="de-DE"/>
+          </a:p>
+        </p:txBody>
+      </p:sp>
+      <p:sp>
+        <p:nvSpPr>
+          <p:cNvPr id="6" name="Stern mit 5 Zacken 5"/>
+          <p:cNvSpPr/>
+          <p:nvPr/>
+        </p:nvSpPr>
+        <p:spPr>
+          <a:xfrm>
+            <a:off x="7161977" y="2204864"/>
+            <a:ext cx="208453" cy="288032"/>
+          </a:xfrm>
+          <a:prstGeom prst="star5">
+            <a:avLst/>
+          </a:prstGeom>
+          <a:solidFill>
+            <a:srgbClr val="FFC000"/>
+          </a:solidFill>
+        </p:spPr>
+        <p:style>
+          <a:lnRef idx="2">
+            <a:schemeClr val="accent1">
+              <a:shade val="50000"/>
+            </a:schemeClr>
+          </a:lnRef>
+          <a:fillRef idx="1">
+            <a:schemeClr val="accent1"/>
+          </a:fillRef>
+          <a:effectRef idx="0">
+            <a:schemeClr val="accent1"/>
+          </a:effectRef>
+          <a:fontRef idx="minor">
+            <a:schemeClr val="lt1"/>
+          </a:fontRef>
+        </p:style>
+        <p:txBody>
+          <a:bodyPr rtlCol="0" anchor="ctr"/>
+          <a:lstStyle/>
+          <a:p>
+            <a:pPr algn="ctr"/>
+            <a:endParaRPr lang="de-DE"/>
+          </a:p>
+        </p:txBody>
+      </p:sp>
+      <p:sp>
+        <p:nvSpPr>
+          <p:cNvPr id="7" name="Stern mit 5 Zacken 6"/>
+          <p:cNvSpPr/>
+          <p:nvPr/>
+        </p:nvSpPr>
+        <p:spPr>
+          <a:xfrm>
+            <a:off x="8604448" y="1052736"/>
+            <a:ext cx="216024" cy="171459"/>
+          </a:xfrm>
+          <a:prstGeom prst="star5">
+            <a:avLst/>
+          </a:prstGeom>
+          <a:solidFill>
+            <a:srgbClr val="C00000"/>
+          </a:solidFill>
+        </p:spPr>
+        <p:style>
+          <a:lnRef idx="2">
+            <a:schemeClr val="accent1">
+              <a:shade val="50000"/>
+            </a:schemeClr>
+          </a:lnRef>
+          <a:fillRef idx="1">
+            <a:schemeClr val="accent1"/>
+          </a:fillRef>
+          <a:effectRef idx="0">
+            <a:schemeClr val="accent1"/>
+          </a:effectRef>
+          <a:fontRef idx="minor">
+            <a:schemeClr val="lt1"/>
+          </a:fontRef>
+        </p:style>
+        <p:txBody>
+          <a:bodyPr rtlCol="0" anchor="ctr"/>
+          <a:lstStyle/>
+          <a:p>
+            <a:pPr algn="ctr"/>
+            <a:endParaRPr lang="de-DE"/>
+          </a:p>
+        </p:txBody>
+      </p:sp>
+      <p:sp>
+        <p:nvSpPr>
+          <p:cNvPr id="8" name="Textfeld 7"/>
+          <p:cNvSpPr txBox="1"/>
+          <p:nvPr/>
+        </p:nvSpPr>
+        <p:spPr>
+          <a:xfrm>
+            <a:off x="7266203" y="3212976"/>
+            <a:ext cx="1626277" cy="369332"/>
+          </a:xfrm>
+          <a:prstGeom prst="rect">
+            <a:avLst/>
+          </a:prstGeom>
+          <a:noFill/>
+        </p:spPr>
+        <p:txBody>
+          <a:bodyPr wrap="square" rtlCol="0">
+            <a:spAutoFit/>
+          </a:bodyPr>
+          <a:lstStyle/>
+          <a:p>
+            <a:r>
+              <a:rPr lang="de-DE" dirty="0" smtClean="0"/>
+              <a:t>Not </a:t>
             </a:r>
             <a:r>
               <a:rPr lang="de-DE" dirty="0" err="1" smtClean="0"/>
-              <a:t>Klässlern</a:t>
-            </a:r>
-            <a:endParaRPr lang="de-DE" dirty="0" smtClean="0"/>
-          </a:p>
-          <a:p>
+              <a:t>to</a:t>
+            </a:r>
             <a:r>
               <a:rPr lang="de-DE" dirty="0" smtClean="0"/>
-              <a:t>Organisation des Projekts?</a:t>
+              <a:t> </a:t>
+            </a:r>
+            <a:r>
+              <a:rPr lang="de-DE" dirty="0" err="1" smtClean="0"/>
+              <a:t>scale</a:t>
             </a:r>
             <a:endParaRPr lang="de-DE" dirty="0"/>
           </a:p>
@@ -3968,7 +7407,7 @@
           <a:p>
             <a:r>
               <a:rPr lang="de-DE" dirty="0" smtClean="0"/>
-              <a:t>Idee durch Aussterben der Bienen</a:t>
+              <a:t>Hintergrund</a:t>
             </a:r>
             <a:endParaRPr lang="de-DE" dirty="0" smtClean="0"/>
           </a:p>
@@ -3976,7 +7415,7 @@
       </p:sp>
       <p:pic>
         <p:nvPicPr>
-          <p:cNvPr id="1026" name="Picture 2" descr="C:\Users\Julia\Documents\Präsentation\Bienenvoelker_1991-2017--399--288.jpg"/>
+          <p:cNvPr id="1027" name="Picture 3" descr="C:\Users\Julia\Documents\Präsentation\chart_20170601.jpg"/>
           <p:cNvPicPr>
             <a:picLocks noChangeAspect="1" noChangeArrowheads="1"/>
           </p:cNvPicPr>
@@ -3997,8 +7436,8 @@
         </p:blipFill>
         <p:spPr bwMode="auto">
           <a:xfrm>
-            <a:off x="539552" y="3789040"/>
-            <a:ext cx="3440572" cy="2483196"/>
+            <a:off x="1331640" y="1853248"/>
+            <a:ext cx="6120680" cy="4437494"/>
           </a:xfrm>
           <a:prstGeom prst="rect">
             <a:avLst/>
@@ -4015,47 +7454,40 @@
           </a:extLst>
         </p:spPr>
       </p:pic>
-      <p:pic>
-        <p:nvPicPr>
-          <p:cNvPr id="1027" name="Picture 3" descr="C:\Users\Julia\Documents\Präsentation\chart_20170601.jpg"/>
-          <p:cNvPicPr>
-            <a:picLocks noChangeAspect="1" noChangeArrowheads="1"/>
-          </p:cNvPicPr>
+      <p:sp>
+        <p:nvSpPr>
+          <p:cNvPr id="3" name="Textfeld 2"/>
+          <p:cNvSpPr txBox="1"/>
           <p:nvPr/>
-        </p:nvPicPr>
-        <p:blipFill>
-          <a:blip r:embed="rId4">
-            <a:extLst>
-              <a:ext uri="{28A0092B-C50C-407E-A947-70E740481C1C}">
-                <a14:useLocalDpi xmlns:a14="http://schemas.microsoft.com/office/drawing/2010/main" val="0"/>
-              </a:ext>
-            </a:extLst>
-          </a:blip>
-          <a:srcRect/>
-          <a:stretch>
-            <a:fillRect/>
-          </a:stretch>
-        </p:blipFill>
-        <p:spPr bwMode="auto">
+        </p:nvSpPr>
+        <p:spPr>
           <a:xfrm>
-            <a:off x="4283968" y="2852936"/>
-            <a:ext cx="4568783" cy="3312368"/>
+            <a:off x="827584" y="1052736"/>
+            <a:ext cx="3888432" cy="400110"/>
           </a:xfrm>
           <a:prstGeom prst="rect">
             <a:avLst/>
           </a:prstGeom>
           <a:noFill/>
-          <a:extLst>
-            <a:ext uri="{909E8E84-426E-40DD-AFC4-6F175D3DCCD1}">
-              <a14:hiddenFill xmlns:a14="http://schemas.microsoft.com/office/drawing/2010/main">
-                <a:solidFill>
-                  <a:srgbClr val="FFFFFF"/>
-                </a:solidFill>
-              </a14:hiddenFill>
-            </a:ext>
-          </a:extLst>
         </p:spPr>
-      </p:pic>
+        <p:txBody>
+          <a:bodyPr wrap="square" rtlCol="0">
+            <a:spAutoFit/>
+          </a:bodyPr>
+          <a:lstStyle/>
+          <a:p>
+            <a:r>
+              <a:rPr lang="de-DE" dirty="0" smtClean="0"/>
+              <a:t>Aktuelles Problem</a:t>
+            </a:r>
+            <a:r>
+              <a:rPr lang="de-DE" sz="2000" dirty="0"/>
+              <a:t>:</a:t>
+            </a:r>
+            <a:endParaRPr lang="de-DE" dirty="0"/>
+          </a:p>
+        </p:txBody>
+      </p:sp>
     </p:spTree>
     <p:extLst>
       <p:ext uri="{BB962C8B-B14F-4D97-AF65-F5344CB8AC3E}">
@@ -4110,7 +7542,7 @@
           <a:p>
             <a:r>
               <a:rPr lang="de-DE" dirty="0" smtClean="0"/>
-              <a:t>Aufbau</a:t>
+              <a:t>Ziel</a:t>
             </a:r>
             <a:endParaRPr lang="de-DE" dirty="0"/>
           </a:p>
@@ -4133,21 +7565,32 @@
           <a:p>
             <a:r>
               <a:rPr lang="de-DE" dirty="0" smtClean="0"/>
-              <a:t>Live zeigen oder Bilder vorbereiten?!</a:t>
+              <a:t>Flugobjekt</a:t>
             </a:r>
           </a:p>
           <a:p>
             <a:r>
               <a:rPr lang="de-DE" dirty="0" smtClean="0"/>
-              <a:t>Eher live zeigen würde ich sagen</a:t>
-            </a:r>
+              <a:t>Findet automatisiert Blumenmodelle</a:t>
+            </a:r>
+          </a:p>
+          <a:p>
+            <a:r>
+              <a:rPr lang="de-DE" dirty="0" smtClean="0"/>
+              <a:t>Fliegt autonom an die vermutete </a:t>
+            </a:r>
+            <a:r>
+              <a:rPr lang="de-DE" dirty="0" err="1" smtClean="0"/>
+              <a:t>Positon</a:t>
+            </a:r>
+            <a:endParaRPr lang="de-DE" dirty="0"/>
           </a:p>
         </p:txBody>
       </p:sp>
     </p:spTree>
     <p:extLst>
       <p:ext uri="{BB962C8B-B14F-4D97-AF65-F5344CB8AC3E}">
-        <p14:creationId xmlns:p14="http://schemas.microsoft.com/office/powerpoint/2010/main" val="1670206254"/>
+        <p14:creationId xmlns:p14="http://schemas.microsoft.com/office/powerpoint/2010/main" val="61966620"/>
       </p:ext>
     </p:extLst>
   </p:cSld>
@@ -4198,7 +7641,7 @@
           <a:p>
             <a:r>
               <a:rPr lang="de-DE" dirty="0" smtClean="0"/>
-              <a:t>Software</a:t>
+              <a:t>Aufbau</a:t>
             </a:r>
             <a:endParaRPr lang="de-DE" dirty="0"/>
           </a:p>
@@ -4221,28 +7664,16 @@
           <a:p>
             <a:r>
               <a:rPr lang="de-DE" dirty="0" smtClean="0"/>
-              <a:t>Basiskonzept</a:t>
-            </a:r>
-          </a:p>
-          <a:p>
-            <a:r>
-              <a:rPr lang="de-DE" dirty="0" smtClean="0"/>
-              <a:t>Diagramm für wichtige Teile der Software</a:t>
-            </a:r>
-          </a:p>
-          <a:p>
-            <a:r>
-              <a:rPr lang="de-DE" dirty="0" smtClean="0"/>
-              <a:t>Fragen an ihn eventuell?!</a:t>
-            </a:r>
-            <a:endParaRPr lang="de-DE" dirty="0"/>
+              <a:t>Blockdiagramm - Bauteile</a:t>
+            </a:r>
+            <a:endParaRPr lang="de-DE" dirty="0" smtClean="0"/>
           </a:p>
         </p:txBody>
       </p:sp>
     </p:spTree>
     <p:extLst>
       <p:ext uri="{BB962C8B-B14F-4D97-AF65-F5344CB8AC3E}">
-        <p14:creationId xmlns:p14="http://schemas.microsoft.com/office/powerpoint/2010/main" val="3806547086"/>
+        <p14:creationId xmlns:p14="http://schemas.microsoft.com/office/powerpoint/2010/main" val="1670206254"/>
       </p:ext>
     </p:extLst>
   </p:cSld>
@@ -4293,6 +7724,190 @@
           <a:p>
             <a:r>
               <a:rPr lang="de-DE" dirty="0" smtClean="0"/>
+              <a:t>Einzelteile</a:t>
+            </a:r>
+            <a:endParaRPr lang="de-DE" dirty="0"/>
+          </a:p>
+        </p:txBody>
+      </p:sp>
+      <p:sp>
+        <p:nvSpPr>
+          <p:cNvPr id="3" name="Inhaltsplatzhalter 2"/>
+          <p:cNvSpPr>
+            <a:spLocks noGrp="1"/>
+          </p:cNvSpPr>
+          <p:nvPr>
+            <p:ph idx="1"/>
+          </p:nvPr>
+        </p:nvSpPr>
+        <p:spPr/>
+        <p:txBody>
+          <a:bodyPr/>
+          <a:lstStyle/>
+          <a:p>
+            <a:r>
+              <a:rPr lang="de-DE" dirty="0" smtClean="0"/>
+              <a:t>Strommanagement</a:t>
+            </a:r>
+          </a:p>
+          <a:p>
+            <a:r>
+              <a:rPr lang="de-DE" dirty="0" smtClean="0"/>
+              <a:t>Lagensteuerung</a:t>
+            </a:r>
+          </a:p>
+          <a:p>
+            <a:r>
+              <a:rPr lang="de-DE" dirty="0" smtClean="0"/>
+              <a:t>Flugsteuerung</a:t>
+            </a:r>
+          </a:p>
+          <a:p>
+            <a:r>
+              <a:rPr lang="de-DE" dirty="0" smtClean="0"/>
+              <a:t>Basis</a:t>
+            </a:r>
+            <a:endParaRPr lang="de-DE" dirty="0"/>
+          </a:p>
+        </p:txBody>
+      </p:sp>
+    </p:spTree>
+    <p:extLst>
+      <p:ext uri="{BB962C8B-B14F-4D97-AF65-F5344CB8AC3E}">
+        <p14:creationId xmlns:p14="http://schemas.microsoft.com/office/powerpoint/2010/main" val="2070893364"/>
+      </p:ext>
+    </p:extLst>
+  </p:cSld>
+  <p:clrMapOvr>
+    <a:masterClrMapping/>
+  </p:clrMapOvr>
+  <p:timing>
+    <p:tnLst>
+      <p:par>
+        <p:cTn id="1" dur="indefinite" restart="never" nodeType="tmRoot"/>
+      </p:par>
+    </p:tnLst>
+  </p:timing>
+</p:sld>
+</file>
+
+<file path=ppt/slides/slide8.xml><?xml version="1.0" encoding="utf-8"?>
+<p:sld xmlns:a="http://schemas.openxmlformats.org/drawingml/2006/main" xmlns:r="http://schemas.openxmlformats.org/officeDocument/2006/relationships" xmlns:p="http://schemas.openxmlformats.org/presentationml/2006/main">
+  <p:cSld>
+    <p:spTree>
+      <p:nvGrpSpPr>
+        <p:cNvPr id="1" name=""/>
+        <p:cNvGrpSpPr/>
+        <p:nvPr/>
+      </p:nvGrpSpPr>
+      <p:grpSpPr>
+        <a:xfrm>
+          <a:off x="0" y="0"/>
+          <a:ext cx="0" cy="0"/>
+          <a:chOff x="0" y="0"/>
+          <a:chExt cx="0" cy="0"/>
+        </a:xfrm>
+      </p:grpSpPr>
+      <p:sp>
+        <p:nvSpPr>
+          <p:cNvPr id="2" name="Titel 1"/>
+          <p:cNvSpPr>
+            <a:spLocks noGrp="1"/>
+          </p:cNvSpPr>
+          <p:nvPr>
+            <p:ph type="title"/>
+          </p:nvPr>
+        </p:nvSpPr>
+        <p:spPr/>
+        <p:txBody>
+          <a:bodyPr/>
+          <a:lstStyle/>
+          <a:p>
+            <a:r>
+              <a:rPr lang="de-DE" dirty="0" smtClean="0"/>
+              <a:t>Software</a:t>
+            </a:r>
+            <a:endParaRPr lang="de-DE" dirty="0"/>
+          </a:p>
+        </p:txBody>
+      </p:sp>
+      <p:sp>
+        <p:nvSpPr>
+          <p:cNvPr id="3" name="Inhaltsplatzhalter 2"/>
+          <p:cNvSpPr>
+            <a:spLocks noGrp="1"/>
+          </p:cNvSpPr>
+          <p:nvPr>
+            <p:ph idx="1"/>
+          </p:nvPr>
+        </p:nvSpPr>
+        <p:spPr/>
+        <p:txBody>
+          <a:bodyPr/>
+          <a:lstStyle/>
+          <a:p>
+            <a:r>
+              <a:rPr lang="de-DE" dirty="0" smtClean="0"/>
+              <a:t>Diagramme</a:t>
+            </a:r>
+            <a:endParaRPr lang="de-DE" dirty="0"/>
+          </a:p>
+        </p:txBody>
+      </p:sp>
+    </p:spTree>
+    <p:extLst>
+      <p:ext uri="{BB962C8B-B14F-4D97-AF65-F5344CB8AC3E}">
+        <p14:creationId xmlns:p14="http://schemas.microsoft.com/office/powerpoint/2010/main" val="3806547086"/>
+      </p:ext>
+    </p:extLst>
+  </p:cSld>
+  <p:clrMapOvr>
+    <a:masterClrMapping/>
+  </p:clrMapOvr>
+  <p:timing>
+    <p:tnLst>
+      <p:par>
+        <p:cTn id="1" dur="indefinite" restart="never" nodeType="tmRoot"/>
+      </p:par>
+    </p:tnLst>
+  </p:timing>
+</p:sld>
+</file>
+
+<file path=ppt/slides/slide9.xml><?xml version="1.0" encoding="utf-8"?>
+<p:sld xmlns:a="http://schemas.openxmlformats.org/drawingml/2006/main" xmlns:r="http://schemas.openxmlformats.org/officeDocument/2006/relationships" xmlns:p="http://schemas.openxmlformats.org/presentationml/2006/main">
+  <p:cSld>
+    <p:spTree>
+      <p:nvGrpSpPr>
+        <p:cNvPr id="1" name=""/>
+        <p:cNvGrpSpPr/>
+        <p:nvPr/>
+      </p:nvGrpSpPr>
+      <p:grpSpPr>
+        <a:xfrm>
+          <a:off x="0" y="0"/>
+          <a:ext cx="0" cy="0"/>
+          <a:chOff x="0" y="0"/>
+          <a:chExt cx="0" cy="0"/>
+        </a:xfrm>
+      </p:grpSpPr>
+      <p:sp>
+        <p:nvSpPr>
+          <p:cNvPr id="2" name="Titel 1"/>
+          <p:cNvSpPr>
+            <a:spLocks noGrp="1"/>
+          </p:cNvSpPr>
+          <p:nvPr>
+            <p:ph type="title"/>
+          </p:nvPr>
+        </p:nvSpPr>
+        <p:spPr/>
+        <p:txBody>
+          <a:bodyPr/>
+          <a:lstStyle/>
+          <a:p>
+            <a:r>
+              <a:rPr lang="de-DE" dirty="0" smtClean="0"/>
               <a:t>Bildergalerie/Videos</a:t>
             </a:r>
             <a:endParaRPr lang="de-DE" dirty="0"/>
@@ -4322,7 +7937,7 @@
           <a:p>
             <a:r>
               <a:rPr lang="de-DE" dirty="0" smtClean="0"/>
-              <a:t>Bilder keine Ahnung… Drohne sieht man ja live</a:t>
+              <a:t>Entwicklung</a:t>
             </a:r>
             <a:endParaRPr lang="de-DE" dirty="0"/>
           </a:p>
@@ -4349,9 +7964,9 @@
 </file>
 
 <file path=ppt/theme/theme1.xml><?xml version="1.0" encoding="utf-8"?>
-<a:theme xmlns:a="http://schemas.openxmlformats.org/drawingml/2006/main" name="Larissa">
+<a:theme xmlns:a="http://schemas.openxmlformats.org/drawingml/2006/main" name="Ion">
   <a:themeElements>
-    <a:clrScheme name="Larissa">
+    <a:clrScheme name="Ion">
       <a:dk1>
         <a:sysClr val="windowText" lastClr="000000"/>
       </a:dk1>
@@ -4359,42 +7974,42 @@
         <a:sysClr val="window" lastClr="FFFFFF"/>
       </a:lt1>
       <a:dk2>
-        <a:srgbClr val="1F497D"/>
+        <a:srgbClr val="0E5580"/>
       </a:dk2>
       <a:lt2>
-        <a:srgbClr val="EEECE1"/>
+        <a:srgbClr val="EBEBEB"/>
       </a:lt2>
       <a:accent1>
-        <a:srgbClr val="4F81BD"/>
+        <a:srgbClr val="ACD433"/>
       </a:accent1>
       <a:accent2>
-        <a:srgbClr val="C0504D"/>
+        <a:srgbClr val="E6C133"/>
       </a:accent2>
       <a:accent3>
-        <a:srgbClr val="9BBB59"/>
+        <a:srgbClr val="EF7A24"/>
       </a:accent3>
       <a:accent4>
-        <a:srgbClr val="8064A2"/>
+        <a:srgbClr val="5AA0F5"/>
       </a:accent4>
       <a:accent5>
-        <a:srgbClr val="4BACC6"/>
+        <a:srgbClr val="75CEEC"/>
       </a:accent5>
       <a:accent6>
-        <a:srgbClr val="F79646"/>
+        <a:srgbClr val="65D6A0"/>
       </a:accent6>
       <a:hlink>
-        <a:srgbClr val="0000FF"/>
+        <a:srgbClr val="C4E46E"/>
       </a:hlink>
       <a:folHlink>
-        <a:srgbClr val="800080"/>
+        <a:srgbClr val="BDE0FB"/>
       </a:folHlink>
     </a:clrScheme>
-    <a:fontScheme name="Larissa">
+    <a:fontScheme name="Ion">
       <a:majorFont>
-        <a:latin typeface="Calibri"/>
+        <a:latin typeface="Century Gothic" panose="020B0502020202020204"/>
         <a:ea typeface=""/>
         <a:cs typeface=""/>
-        <a:font script="Jpan" typeface="ＭＳ Ｐゴシック"/>
+        <a:font script="Jpan" typeface="メイリオ"/>
         <a:font script="Hang" typeface="맑은 고딕"/>
         <a:font script="Hans" typeface="宋体"/>
         <a:font script="Hant" typeface="新細明體"/>
@@ -4426,10 +8041,10 @@
         <a:font script="Geor" typeface="Sylfaen"/>
       </a:majorFont>
       <a:minorFont>
-        <a:latin typeface="Calibri"/>
+        <a:latin typeface="Century Gothic" panose="020B0502020202020204"/>
         <a:ea typeface=""/>
         <a:cs typeface=""/>
-        <a:font script="Jpan" typeface="ＭＳ Ｐゴシック"/>
+        <a:font script="Jpan" typeface="メイリオ"/>
         <a:font script="Hang" typeface="맑은 고딕"/>
         <a:font script="Hans" typeface="宋体"/>
         <a:font script="Hant" typeface="新細明體"/>
@@ -4461,7 +8076,7 @@
         <a:font script="Geor" typeface="Sylfaen"/>
       </a:minorFont>
     </a:fontScheme>
-    <a:fmtScheme name="Larissa">
+    <a:fmtScheme name="Ion">
       <a:fillStyleLst>
         <a:solidFill>
           <a:schemeClr val="phClr"/>
@@ -4470,66 +8085,52 @@
           <a:gsLst>
             <a:gs pos="0">
               <a:schemeClr val="phClr">
-                <a:tint val="50000"/>
-                <a:satMod val="300000"/>
-              </a:schemeClr>
-            </a:gs>
-            <a:gs pos="35000">
-              <a:schemeClr val="phClr">
-                <a:tint val="37000"/>
-                <a:satMod val="300000"/>
+                <a:tint val="64000"/>
+                <a:lumMod val="118000"/>
               </a:schemeClr>
             </a:gs>
             <a:gs pos="100000">
               <a:schemeClr val="phClr">
-                <a:tint val="15000"/>
-                <a:satMod val="350000"/>
+                <a:tint val="92000"/>
+                <a:alpha val="100000"/>
+                <a:lumMod val="110000"/>
               </a:schemeClr>
             </a:gs>
           </a:gsLst>
-          <a:lin ang="16200000" scaled="1"/>
+          <a:lin ang="5400000" scaled="0"/>
         </a:gradFill>
         <a:gradFill rotWithShape="1">
           <a:gsLst>
             <a:gs pos="0">
               <a:schemeClr val="phClr">
-                <a:shade val="51000"/>
-                <a:satMod val="130000"/>
-              </a:schemeClr>
-            </a:gs>
-            <a:gs pos="80000">
-              <a:schemeClr val="phClr">
-                <a:shade val="93000"/>
-                <a:satMod val="130000"/>
+                <a:tint val="98000"/>
+                <a:lumMod val="114000"/>
               </a:schemeClr>
             </a:gs>
             <a:gs pos="100000">
               <a:schemeClr val="phClr">
-                <a:shade val="94000"/>
-                <a:satMod val="135000"/>
+                <a:shade val="90000"/>
+                <a:lumMod val="84000"/>
               </a:schemeClr>
             </a:gs>
           </a:gsLst>
-          <a:lin ang="16200000" scaled="0"/>
+          <a:lin ang="5400000" scaled="0"/>
         </a:gradFill>
       </a:fillStyleLst>
       <a:lnStyleLst>
-        <a:ln w="9525" cap="flat" cmpd="sng" algn="ctr">
-          <a:solidFill>
-            <a:schemeClr val="phClr">
-              <a:shade val="95000"/>
-              <a:satMod val="105000"/>
-            </a:schemeClr>
-          </a:solidFill>
-          <a:prstDash val="solid"/>
-        </a:ln>
-        <a:ln w="25400" cap="flat" cmpd="sng" algn="ctr">
+        <a:ln w="9525" cap="rnd" cmpd="sng" algn="ctr">
           <a:solidFill>
             <a:schemeClr val="phClr"/>
           </a:solidFill>
           <a:prstDash val="solid"/>
         </a:ln>
-        <a:ln w="38100" cap="flat" cmpd="sng" algn="ctr">
+        <a:ln w="19050" cap="rnd" cmpd="sng" algn="ctr">
+          <a:solidFill>
+            <a:schemeClr val="phClr"/>
+          </a:solidFill>
+          <a:prstDash val="solid"/>
+        </a:ln>
+        <a:ln w="28575" cap="rnd" cmpd="sng" algn="ctr">
           <a:solidFill>
             <a:schemeClr val="phClr"/>
           </a:solidFill>
@@ -4538,28 +8139,22 @@
       </a:lnStyleLst>
       <a:effectStyleLst>
         <a:effectStyle>
+          <a:effectLst/>
+        </a:effectStyle>
+        <a:effectStyle>
           <a:effectLst>
-            <a:outerShdw blurRad="40000" dist="20000" dir="5400000" rotWithShape="0">
+            <a:outerShdw blurRad="38100" dist="25400" dir="5400000" rotWithShape="0">
               <a:srgbClr val="000000">
-                <a:alpha val="38000"/>
+                <a:alpha val="45000"/>
               </a:srgbClr>
             </a:outerShdw>
           </a:effectLst>
         </a:effectStyle>
         <a:effectStyle>
           <a:effectLst>
-            <a:outerShdw blurRad="40000" dist="23000" dir="5400000" rotWithShape="0">
+            <a:outerShdw blurRad="63500" dist="38100" dir="5400000" rotWithShape="0">
               <a:srgbClr val="000000">
-                <a:alpha val="35000"/>
-              </a:srgbClr>
-            </a:outerShdw>
-          </a:effectLst>
-        </a:effectStyle>
-        <a:effectStyle>
-          <a:effectLst>
-            <a:outerShdw blurRad="40000" dist="23000" dir="5400000" rotWithShape="0">
-              <a:srgbClr val="000000">
-                <a:alpha val="35000"/>
+                <a:alpha val="60000"/>
               </a:srgbClr>
             </a:outerShdw>
           </a:effectLst>
@@ -4567,12 +8162,10 @@
             <a:camera prst="orthographicFront">
               <a:rot lat="0" lon="0" rev="0"/>
             </a:camera>
-            <a:lightRig rig="threePt" dir="t">
-              <a:rot lat="0" lon="0" rev="1200000"/>
-            </a:lightRig>
+            <a:lightRig rig="threePt" dir="tl"/>
           </a:scene3d>
-          <a:sp3d>
-            <a:bevelT w="63500" h="25400"/>
+          <a:sp3d prstMaterial="plastic">
+            <a:bevelT w="0" h="0"/>
           </a:sp3d>
         </a:effectStyle>
       </a:effectStyleLst>
@@ -4584,52 +8177,55 @@
           <a:gsLst>
             <a:gs pos="0">
               <a:schemeClr val="phClr">
-                <a:tint val="40000"/>
-                <a:satMod val="350000"/>
-              </a:schemeClr>
-            </a:gs>
-            <a:gs pos="40000">
-              <a:schemeClr val="phClr">
-                <a:tint val="45000"/>
-                <a:shade val="99000"/>
-                <a:satMod val="350000"/>
+                <a:tint val="92000"/>
+                <a:hueMod val="96000"/>
+                <a:satMod val="128000"/>
+                <a:lumMod val="114000"/>
               </a:schemeClr>
             </a:gs>
             <a:gs pos="100000">
               <a:schemeClr val="phClr">
-                <a:shade val="20000"/>
-                <a:satMod val="255000"/>
+                <a:tint val="100000"/>
+                <a:shade val="62000"/>
+                <a:hueMod val="100000"/>
+                <a:satMod val="134000"/>
+                <a:lumMod val="56000"/>
               </a:schemeClr>
             </a:gs>
           </a:gsLst>
           <a:path path="circle">
-            <a:fillToRect l="50000" t="-80000" r="50000" b="180000"/>
+            <a:fillToRect l="45000" t="65000" r="125000" b="100000"/>
           </a:path>
         </a:gradFill>
-        <a:gradFill rotWithShape="1">
-          <a:gsLst>
-            <a:gs pos="0">
+        <a:blipFill rotWithShape="1">
+          <a:blip xmlns:r="http://schemas.openxmlformats.org/officeDocument/2006/relationships" r:embed="rId1">
+            <a:duotone>
               <a:schemeClr val="phClr">
-                <a:tint val="80000"/>
-                <a:satMod val="300000"/>
+                <a:shade val="62000"/>
+                <a:hueMod val="108000"/>
+                <a:satMod val="164000"/>
+                <a:lumMod val="69000"/>
               </a:schemeClr>
-            </a:gs>
-            <a:gs pos="100000">
               <a:schemeClr val="phClr">
-                <a:shade val="30000"/>
-                <a:satMod val="200000"/>
+                <a:tint val="96000"/>
+                <a:hueMod val="90000"/>
+                <a:satMod val="130000"/>
+                <a:lumMod val="134000"/>
               </a:schemeClr>
-            </a:gs>
-          </a:gsLst>
-          <a:path path="circle">
-            <a:fillToRect l="50000" t="50000" r="50000" b="50000"/>
-          </a:path>
-        </a:gradFill>
+            </a:duotone>
+          </a:blip>
+          <a:stretch/>
+        </a:blipFill>
       </a:bgFillStyleLst>
     </a:fmtScheme>
   </a:themeElements>
   <a:objectDefaults/>
   <a:extraClrSchemeLst/>
+  <a:extLst>
+    <a:ext uri="{05A4C25C-085E-4340-85A3-A5531E510DB2}">
+      <thm15:themeFamily xmlns:thm15="http://schemas.microsoft.com/office/thememl/2012/main" name="Ion" id="{B8441ADB-2E43-4AF7-B97A-BD870242C6A8}" vid="{BACC050B-8757-4460-95D8-E37B46A6B421}"/>
+    </a:ext>
+  </a:extLst>
 </a:theme>
 </file>
 
